--- a/PPT/기말 발표 PPT.pptx
+++ b/PPT/기말 발표 PPT.pptx
@@ -2,7 +2,7 @@
 <file path=ppt/presentation.xml><?xml version="1.0" encoding="utf-8"?>
 <p:presentation xmlns:r="http://schemas.openxmlformats.org/officeDocument/2006/relationships" xmlns:c="http://schemas.openxmlformats.org/drawingml/2006/chart" xmlns:a="http://schemas.openxmlformats.org/drawingml/2006/main" xmlns:dgm="http://schemas.openxmlformats.org/drawingml/2006/diagram" xmlns:dsp="http://schemas.microsoft.com/office/drawing/2008/diagram" xmlns:p="http://schemas.openxmlformats.org/presentationml/2006/main" saveSubsetFonts="1">
   <p:sldMasterIdLst>
-    <p:sldMasterId id="2147483662" r:id="rId1"/>
+    <p:sldMasterId id="2147483661" r:id="rId1"/>
   </p:sldMasterIdLst>
   <p:notesMasterIdLst>
     <p:notesMasterId r:id="rId2"/>
@@ -11707,7 +11707,7 @@
         <p:spPr>
           <a:xfrm>
             <a:off x="228600" y="1653885"/>
-            <a:ext cx="9048750" cy="2144685"/>
+            <a:ext cx="9048750" cy="3287685"/>
           </a:xfrm>
           <a:prstGeom prst="rect">
             <a:avLst/>
@@ -11762,58 +11762,7 @@
                 <a:ea typeface="HY신명조"/>
                 <a:hlinkClick r:id="rId3"/>
               </a:rPr>
-              <a:t>https://yusaebyeol.blogspot.com</a:t>
-            </a:r>
-            <a:endParaRPr lang="en-US" altLang="ko-KR" sz="1500">
-              <a:latin typeface="HY신명조"/>
-              <a:ea typeface="HY신명조"/>
-            </a:endParaRPr>
-          </a:p>
-          <a:p>
-            <a:pPr lvl="0">
-              <a:defRPr/>
-            </a:pPr>
-            <a:r>
-              <a:rPr lang="en-US" altLang="ko-KR" sz="1500">
-                <a:latin typeface="HY신명조"/>
-                <a:ea typeface="HY신명조"/>
-                <a:hlinkClick r:id="rId4"/>
-              </a:rPr>
-              <a:t>https://rbasall.tistory.com</a:t>
-            </a:r>
-            <a:endParaRPr lang="en-US" altLang="ko-KR" sz="1500">
-              <a:latin typeface="HY신명조"/>
-              <a:ea typeface="HY신명조"/>
-            </a:endParaRPr>
-          </a:p>
-          <a:p>
-            <a:pPr lvl="0">
-              <a:defRPr/>
-            </a:pPr>
-            <a:r>
-              <a:rPr lang="en-US" altLang="ko-KR" sz="1500">
-                <a:latin typeface="HY신명조"/>
-                <a:ea typeface="HY신명조"/>
-                <a:hlinkClick r:id="rId5"/>
-              </a:rPr>
-              <a:t>https://economist.co.kr/2021/04/23/policy/checkReport/20210423101400212.html</a:t>
-            </a:r>
-            <a:endParaRPr lang="en-US" altLang="ko-KR" sz="1500">
-              <a:latin typeface="HY신명조"/>
-              <a:ea typeface="HY신명조"/>
-            </a:endParaRPr>
-          </a:p>
-          <a:p>
-            <a:pPr lvl="0">
-              <a:defRPr/>
-            </a:pPr>
-            <a:r>
-              <a:rPr lang="en-US" altLang="ko-KR" sz="1500">
-                <a:latin typeface="HY신명조"/>
-                <a:ea typeface="HY신명조"/>
-                <a:hlinkClick r:id="rId6"/>
-              </a:rPr>
-              <a:t>https://www.sedaily.com/NewsView/22L5P0H83H</a:t>
+              <a:t>PPT 템플릿</a:t>
             </a:r>
             <a:endParaRPr lang="en-US" altLang="ko-KR" sz="1500">
               <a:latin typeface="HY신명조"/>
@@ -11837,9 +11786,136 @@
               <a:rPr lang="en-US" altLang="ko-KR" sz="1500">
                 <a:latin typeface="HY신명조"/>
                 <a:ea typeface="HY신명조"/>
-              </a:rPr>
-              <a:t>https://github.com/facebook/prophet</a:t>
-            </a:r>
+                <a:hlinkClick r:id="rId4"/>
+              </a:rPr>
+              <a:t>R </a:t>
+            </a:r>
+            <a:r>
+              <a:rPr lang="ko-KR" altLang="en-US" sz="1500">
+                <a:latin typeface="HY신명조"/>
+                <a:ea typeface="HY신명조"/>
+                <a:hlinkClick r:id="rId4"/>
+              </a:rPr>
+              <a:t>학습</a:t>
+            </a:r>
+            <a:r>
+              <a:rPr lang="ko-KR" altLang="en-US" sz="1500">
+                <a:latin typeface="HY신명조"/>
+                <a:ea typeface="HY신명조"/>
+              </a:rPr>
+              <a:t> </a:t>
+            </a:r>
+            <a:endParaRPr lang="ko-KR" altLang="en-US" sz="1500">
+              <a:latin typeface="HY신명조"/>
+              <a:ea typeface="HY신명조"/>
+            </a:endParaRPr>
+          </a:p>
+          <a:p>
+            <a:pPr lvl="0">
+              <a:defRPr/>
+            </a:pPr>
+            <a:endParaRPr lang="en-US" altLang="ko-KR" sz="1500">
+              <a:latin typeface="HY신명조"/>
+              <a:ea typeface="HY신명조"/>
+            </a:endParaRPr>
+          </a:p>
+          <a:p>
+            <a:pPr lvl="0">
+              <a:defRPr/>
+            </a:pPr>
+            <a:r>
+              <a:rPr lang="ko-KR" altLang="en-US" sz="1500">
+                <a:latin typeface="HY신명조"/>
+                <a:ea typeface="HY신명조"/>
+                <a:hlinkClick r:id="rId5"/>
+              </a:rPr>
+              <a:t>주식 관련 뉴스 1</a:t>
+            </a:r>
+            <a:r>
+              <a:rPr lang="ko-KR" altLang="en-US" sz="1500">
+                <a:latin typeface="HY신명조"/>
+                <a:ea typeface="HY신명조"/>
+              </a:rPr>
+              <a:t>  </a:t>
+            </a:r>
+            <a:endParaRPr lang="ko-KR" altLang="en-US" sz="1500">
+              <a:latin typeface="HY신명조"/>
+              <a:ea typeface="HY신명조"/>
+            </a:endParaRPr>
+          </a:p>
+          <a:p>
+            <a:pPr lvl="0">
+              <a:defRPr/>
+            </a:pPr>
+            <a:endParaRPr lang="ko-KR" altLang="en-US" sz="1500">
+              <a:latin typeface="HY신명조"/>
+              <a:ea typeface="HY신명조"/>
+            </a:endParaRPr>
+          </a:p>
+          <a:p>
+            <a:pPr lvl="0">
+              <a:defRPr/>
+            </a:pPr>
+            <a:r>
+              <a:rPr lang="ko-KR" altLang="en-US" sz="1500">
+                <a:latin typeface="HY신명조"/>
+                <a:ea typeface="HY신명조"/>
+                <a:hlinkClick r:id="rId6"/>
+              </a:rPr>
+              <a:t>주식 관련 뉴스 </a:t>
+            </a:r>
+            <a:r>
+              <a:rPr lang="en-US" altLang="ko-KR" sz="1500">
+                <a:latin typeface="HY신명조"/>
+                <a:ea typeface="HY신명조"/>
+                <a:hlinkClick r:id="rId6"/>
+              </a:rPr>
+              <a:t>2</a:t>
+            </a:r>
+            <a:endParaRPr lang="en-US" altLang="ko-KR" sz="1500">
+              <a:latin typeface="HY신명조"/>
+              <a:ea typeface="HY신명조"/>
+            </a:endParaRPr>
+          </a:p>
+          <a:p>
+            <a:pPr lvl="0">
+              <a:defRPr/>
+            </a:pPr>
+            <a:endParaRPr lang="en-US" altLang="ko-KR" sz="1500">
+              <a:latin typeface="HY신명조"/>
+              <a:ea typeface="HY신명조"/>
+            </a:endParaRPr>
+          </a:p>
+          <a:p>
+            <a:pPr lvl="0">
+              <a:defRPr/>
+            </a:pPr>
+            <a:r>
+              <a:rPr lang="en-US" altLang="ko-KR" sz="1500">
+                <a:latin typeface="HY신명조"/>
+                <a:ea typeface="HY신명조"/>
+                <a:hlinkClick r:id="rId7"/>
+              </a:rPr>
+              <a:t>Github Prophet</a:t>
+            </a:r>
+            <a:endParaRPr lang="en-US" altLang="ko-KR" sz="1500">
+              <a:latin typeface="HY신명조"/>
+              <a:ea typeface="HY신명조"/>
+            </a:endParaRPr>
+          </a:p>
+          <a:p>
+            <a:pPr lvl="0">
+              <a:defRPr/>
+            </a:pPr>
+            <a:endParaRPr lang="en-US" altLang="ko-KR" sz="1500">
+              <a:latin typeface="HY신명조"/>
+              <a:ea typeface="HY신명조"/>
+            </a:endParaRPr>
+          </a:p>
+          <a:p>
+            <a:pPr lvl="0">
+              <a:defRPr/>
+            </a:pPr>
             <a:endParaRPr lang="en-US" altLang="ko-KR" sz="1500">
               <a:latin typeface="HY신명조"/>
               <a:ea typeface="HY신명조"/>

--- a/PPT/기말 발표 PPT.pptx
+++ b/PPT/기말 발표 PPT.pptx
@@ -2,7 +2,7 @@
 <file path=ppt/presentation.xml><?xml version="1.0" encoding="utf-8"?>
 <p:presentation xmlns:r="http://schemas.openxmlformats.org/officeDocument/2006/relationships" xmlns:c="http://schemas.openxmlformats.org/drawingml/2006/chart" xmlns:a="http://schemas.openxmlformats.org/drawingml/2006/main" xmlns:dgm="http://schemas.openxmlformats.org/drawingml/2006/diagram" xmlns:dsp="http://schemas.microsoft.com/office/drawing/2008/diagram" xmlns:p="http://schemas.openxmlformats.org/presentationml/2006/main" saveSubsetFonts="1">
   <p:sldMasterIdLst>
-    <p:sldMasterId id="2147483661" r:id="rId1"/>
+    <p:sldMasterId id="2147483666" r:id="rId1"/>
   </p:sldMasterIdLst>
   <p:notesMasterIdLst>
     <p:notesMasterId r:id="rId2"/>
@@ -141,10 +141,8 @@
 </file>
 
 <file path=ppt/charts/chart1.xml><?xml version="1.0" encoding="utf-8"?>
-<c:chartSpace xmlns:c="http://schemas.openxmlformats.org/drawingml/2006/chart" xmlns:a="http://schemas.openxmlformats.org/drawingml/2006/main" xmlns:r="http://schemas.openxmlformats.org/officeDocument/2006/relationships" xmlns:c16r2="http://schemas.microsoft.com/office/drawing/2015/06/chart">
+<c:chartSpace xmlns:r="http://schemas.openxmlformats.org/officeDocument/2006/relationships" xmlns:a="http://schemas.openxmlformats.org/drawingml/2006/main" xmlns:c="http://schemas.openxmlformats.org/drawingml/2006/chart">
   <c:date1904 val="0"/>
-  <c:lang val="ko-KR"/>
-  <c:roundedCorners val="0"/>
   <mc:AlternateContent xmlns:mc="http://schemas.openxmlformats.org/markup-compatibility/2006">
     <mc:Choice xmlns:c14="http://schemas.microsoft.com/office/drawing/2007/8/2/chart" Requires="c14">
       <c14:style val="102"/>
@@ -153,34 +151,33 @@
       <c:style val="2"/>
     </mc:Fallback>
   </mc:AlternateContent>
+  <c:roundedCorners val="0"/>
   <c:chart>
     <c:title>
       <c:tx>
         <c:rich>
-          <a:bodyPr rot="0" spcFirstLastPara="1" vertOverflow="ellipsis" vert="horz" wrap="square" anchor="ctr" anchorCtr="1"/>
+          <a:bodyPr rot="0" vert="horz"/>
           <a:lstStyle/>
           <a:p>
             <a:pPr>
-              <a:defRPr sz="1862" b="0" i="0" u="none" strike="noStrike" kern="1200" spc="0" baseline="0">
+              <a:defRPr sz="1862" b="0" i="0">
                 <a:solidFill>
                   <a:schemeClr val="tx1">
                     <a:lumMod val="65000"/>
                     <a:lumOff val="35000"/>
                   </a:schemeClr>
                 </a:solidFill>
-                <a:latin typeface="+mn-lt"/>
-                <a:ea typeface="+mn-ea"/>
-                <a:cs typeface="+mn-cs"/>
               </a:defRPr>
             </a:pPr>
             <a:r>
-              <a:rPr lang="ko-KR" altLang="en-US" dirty="0"/>
+              <a:rPr lang="ko-KR" altLang="en-US" dirty="0" smtClean="0"/>
               <a:t>코스피의 과거 거래량</a:t>
             </a:r>
-            <a:endParaRPr lang="en-US" altLang="ko-KR" dirty="0"/>
+            <a:endParaRPr lang="ko-KR"/>
           </a:p>
         </c:rich>
       </c:tx>
+      <c:layout/>
       <c:overlay val="0"/>
       <c:spPr>
         <a:noFill/>
@@ -189,26 +186,6 @@
         </a:ln>
         <a:effectLst/>
       </c:spPr>
-      <c:txPr>
-        <a:bodyPr rot="0" spcFirstLastPara="1" vertOverflow="ellipsis" vert="horz" wrap="square" anchor="ctr" anchorCtr="1"/>
-        <a:lstStyle/>
-        <a:p>
-          <a:pPr>
-            <a:defRPr sz="1862" b="0" i="0" u="none" strike="noStrike" kern="1200" spc="0" baseline="0">
-              <a:solidFill>
-                <a:schemeClr val="tx1">
-                  <a:lumMod val="65000"/>
-                  <a:lumOff val="35000"/>
-                </a:schemeClr>
-              </a:solidFill>
-              <a:latin typeface="+mn-lt"/>
-              <a:ea typeface="+mn-ea"/>
-              <a:cs typeface="+mn-cs"/>
-            </a:defRPr>
-          </a:pPr>
-          <a:endParaRPr lang="ko-KR"/>
-        </a:p>
-      </c:txPr>
     </c:title>
     <c:autoTitleDeleted val="0"/>
     <c:plotArea>
@@ -231,7 +208,7 @@
             </c:strRef>
           </c:tx>
           <c:spPr>
-            <a:ln w="28575" cap="rnd">
+            <a:ln w="28575" cap="rnd" cmpd="sng">
               <a:solidFill>
                 <a:schemeClr val="accent1"/>
               </a:solidFill>
@@ -241,6 +218,7 @@
           </c:spPr>
           <c:marker>
             <c:symbol val="none"/>
+            <c:size val="7"/>
           </c:marker>
           <c:cat>
             <c:numRef>
@@ -477,7 +455,7 @@
             <c:numRef>
               <c:f>Sheet1!$B$2:$B$75</c:f>
               <c:numCache>
-                <c:formatCode>#,##0_ </c:formatCode>
+                <c:formatCode xml:space="preserve">#,##0_ </c:formatCode>
                 <c:ptCount val="74"/>
                 <c:pt idx="0">
                   <c:v>10439000</c:v>
@@ -705,20 +683,19 @@
             </c:numRef>
           </c:val>
           <c:smooth val="0"/>
-          <c:extLst>
-            <c:ext xmlns:c16="http://schemas.microsoft.com/office/drawing/2014/chart" uri="{C3380CC4-5D6E-409C-BE32-E72D297353CC}">
-              <c16:uniqueId val="{00000000-21AB-41F5-B9B7-7B2060806070}"/>
-            </c:ext>
-          </c:extLst>
         </c:ser>
         <c:dLbls>
+          <c:delete val="0"/>
+          <c:dLblPos val="r"/>
           <c:showLegendKey val="0"/>
           <c:showVal val="0"/>
           <c:showCatName val="0"/>
           <c:showSerName val="0"/>
           <c:showPercent val="0"/>
           <c:showBubbleSize val="0"/>
+          <c:showLeaderLines val="0"/>
         </c:dLbls>
+        <c:marker val="1"/>
         <c:smooth val="0"/>
         <c:axId val="234366000"/>
         <c:axId val="234368912"/>
@@ -728,8 +705,9 @@
         <c:scaling>
           <c:orientation val="minMax"/>
         </c:scaling>
+        <c:axPos val="b"/>
+        <c:crossAx val="234368912"/>
         <c:delete val="0"/>
-        <c:axPos val="b"/>
         <c:numFmt formatCode="yyyy/mm" sourceLinked="1"/>
         <c:majorTickMark val="none"/>
         <c:minorTickMark val="none"/>
@@ -748,28 +726,23 @@
           <a:effectLst/>
         </c:spPr>
         <c:txPr>
-          <a:bodyPr rot="-60000000" spcFirstLastPara="1" vertOverflow="ellipsis" vert="horz" wrap="square" anchor="ctr" anchorCtr="1"/>
+          <a:bodyPr/>
           <a:lstStyle/>
           <a:p>
             <a:pPr>
-              <a:defRPr sz="1197" b="0" i="0" u="none" strike="noStrike" kern="1200" baseline="0">
+              <a:defRPr sz="1197" b="0" i="0">
                 <a:solidFill>
                   <a:schemeClr val="tx1">
                     <a:lumMod val="65000"/>
                     <a:lumOff val="35000"/>
                   </a:schemeClr>
                 </a:solidFill>
-                <a:latin typeface="+mn-lt"/>
-                <a:ea typeface="+mn-ea"/>
-                <a:cs typeface="+mn-cs"/>
               </a:defRPr>
             </a:pPr>
             <a:endParaRPr lang="ko-KR"/>
           </a:p>
         </c:txPr>
-        <c:crossAx val="234368912"/>
         <c:crosses val="autoZero"/>
-        <c:auto val="1"/>
         <c:lblOffset val="100"/>
         <c:baseTimeUnit val="months"/>
       </c:dateAx>
@@ -778,8 +751,9 @@
         <c:scaling>
           <c:orientation val="minMax"/>
         </c:scaling>
+        <c:axPos val="l"/>
+        <c:crossAx val="234366000"/>
         <c:delete val="0"/>
-        <c:axPos val="l"/>
         <c:majorGridlines>
           <c:spPr>
             <a:ln w="9525" cap="flat" cmpd="sng" algn="ctr">
@@ -800,32 +774,28 @@
         <c:tickLblPos val="nextTo"/>
         <c:spPr>
           <a:noFill/>
-          <a:ln>
+          <a:ln w="9525">
             <a:noFill/>
           </a:ln>
           <a:effectLst/>
         </c:spPr>
         <c:txPr>
-          <a:bodyPr rot="-60000000" spcFirstLastPara="1" vertOverflow="ellipsis" vert="horz" wrap="square" anchor="ctr" anchorCtr="1"/>
+          <a:bodyPr/>
           <a:lstStyle/>
           <a:p>
             <a:pPr>
-              <a:defRPr sz="1197" b="0" i="0" u="none" strike="noStrike" kern="1200" baseline="0">
+              <a:defRPr sz="1197" b="0" i="0">
                 <a:solidFill>
                   <a:schemeClr val="tx1">
                     <a:lumMod val="65000"/>
                     <a:lumOff val="35000"/>
                   </a:schemeClr>
                 </a:solidFill>
-                <a:latin typeface="+mn-lt"/>
-                <a:ea typeface="+mn-ea"/>
-                <a:cs typeface="+mn-cs"/>
               </a:defRPr>
             </a:pPr>
             <a:endParaRPr lang="ko-KR"/>
           </a:p>
         </c:txPr>
-        <c:crossAx val="234366000"/>
         <c:crosses val="autoZero"/>
         <c:crossBetween val="between"/>
       </c:valAx>
@@ -837,24 +807,8 @@
         <a:effectLst/>
       </c:spPr>
     </c:plotArea>
-    <c:plotVisOnly val="1"/>
     <c:dispBlanksAs val="gap"/>
-    <c:extLst>
-      <c:ext xmlns:c16r3="http://schemas.microsoft.com/office/drawing/2017/03/chart" uri="{56B9EC1D-385E-4148-901F-78D8002777C0}">
-        <c16r3:dataDisplayOptions16>
-          <c16r3:dispNaAsBlank val="1"/>
-        </c16r3:dataDisplayOptions16>
-      </c:ext>
-    </c:extLst>
-    <c:showDLblsOverMax val="0"/>
   </c:chart>
-  <c:spPr>
-    <a:noFill/>
-    <a:ln>
-      <a:noFill/>
-    </a:ln>
-    <a:effectLst/>
-  </c:spPr>
   <c:txPr>
     <a:bodyPr/>
     <a:lstStyle/>
@@ -865,566 +819,22 @@
       <a:endParaRPr lang="ko-KR"/>
     </a:p>
   </c:txPr>
-  <c:externalData r:id="rId3">
+  <c:spPr>
+    <a:noFill/>
+    <a:ln w="9525">
+      <a:noFill/>
+    </a:ln>
+    <a:effectLst/>
+  </c:spPr>
+  <c:extLst>
+    <c:ext uri="CC8EB2C9-7E31-499d-B8F2-F6CE61031016">
+      <ho:hncChartStyle xmlns:ho="http://schemas.haansoft.com/office/8.0" layoutIndex="-1" colorIndex="-1" styleIndex="-1"/>
+    </c:ext>
+  </c:extLst>
+  <c:externalData r:id="rId1">
     <c:autoUpdate val="0"/>
   </c:externalData>
 </c:chartSpace>
-</file>
-
-<file path=ppt/charts/colors1.xml><?xml version="1.0" encoding="utf-8"?>
-<cs:colorStyle xmlns:cs="http://schemas.microsoft.com/office/drawing/2012/chartStyle" xmlns:a="http://schemas.openxmlformats.org/drawingml/2006/main" meth="cycle" id="10">
-  <a:schemeClr val="accent1"/>
-  <a:schemeClr val="accent2"/>
-  <a:schemeClr val="accent3"/>
-  <a:schemeClr val="accent4"/>
-  <a:schemeClr val="accent5"/>
-  <a:schemeClr val="accent6"/>
-  <cs:variation/>
-  <cs:variation>
-    <a:lumMod val="60000"/>
-  </cs:variation>
-  <cs:variation>
-    <a:lumMod val="80000"/>
-    <a:lumOff val="20000"/>
-  </cs:variation>
-  <cs:variation>
-    <a:lumMod val="80000"/>
-  </cs:variation>
-  <cs:variation>
-    <a:lumMod val="60000"/>
-    <a:lumOff val="40000"/>
-  </cs:variation>
-  <cs:variation>
-    <a:lumMod val="50000"/>
-  </cs:variation>
-  <cs:variation>
-    <a:lumMod val="70000"/>
-    <a:lumOff val="30000"/>
-  </cs:variation>
-  <cs:variation>
-    <a:lumMod val="70000"/>
-  </cs:variation>
-  <cs:variation>
-    <a:lumMod val="50000"/>
-    <a:lumOff val="50000"/>
-  </cs:variation>
-</cs:colorStyle>
-</file>
-
-<file path=ppt/charts/style1.xml><?xml version="1.0" encoding="utf-8"?>
-<cs:chartStyle xmlns:cs="http://schemas.microsoft.com/office/drawing/2012/chartStyle" xmlns:a="http://schemas.openxmlformats.org/drawingml/2006/main" id="227">
-  <cs:axisTitle>
-    <cs:lnRef idx="0"/>
-    <cs:fillRef idx="0"/>
-    <cs:effectRef idx="0"/>
-    <cs:fontRef idx="minor">
-      <a:schemeClr val="tx1">
-        <a:lumMod val="65000"/>
-        <a:lumOff val="35000"/>
-      </a:schemeClr>
-    </cs:fontRef>
-    <cs:defRPr sz="1330" kern="1200"/>
-  </cs:axisTitle>
-  <cs:categoryAxis>
-    <cs:lnRef idx="0"/>
-    <cs:fillRef idx="0"/>
-    <cs:effectRef idx="0"/>
-    <cs:fontRef idx="minor">
-      <a:schemeClr val="tx1">
-        <a:lumMod val="65000"/>
-        <a:lumOff val="35000"/>
-      </a:schemeClr>
-    </cs:fontRef>
-    <cs:spPr>
-      <a:ln w="9525" cap="flat" cmpd="sng" algn="ctr">
-        <a:solidFill>
-          <a:schemeClr val="tx1">
-            <a:lumMod val="15000"/>
-            <a:lumOff val="85000"/>
-          </a:schemeClr>
-        </a:solidFill>
-        <a:round/>
-      </a:ln>
-    </cs:spPr>
-    <cs:defRPr sz="1197" kern="1200"/>
-  </cs:categoryAxis>
-  <cs:chartArea mods="allowNoFillOverride allowNoLineOverride">
-    <cs:lnRef idx="0"/>
-    <cs:fillRef idx="0"/>
-    <cs:effectRef idx="0"/>
-    <cs:fontRef idx="minor">
-      <a:schemeClr val="tx1"/>
-    </cs:fontRef>
-    <cs:spPr>
-      <a:solidFill>
-        <a:schemeClr val="bg1"/>
-      </a:solidFill>
-      <a:ln w="9525" cap="flat" cmpd="sng" algn="ctr">
-        <a:solidFill>
-          <a:schemeClr val="tx1">
-            <a:lumMod val="15000"/>
-            <a:lumOff val="85000"/>
-          </a:schemeClr>
-        </a:solidFill>
-        <a:round/>
-      </a:ln>
-    </cs:spPr>
-    <cs:defRPr sz="1330" kern="1200"/>
-  </cs:chartArea>
-  <cs:dataLabel>
-    <cs:lnRef idx="0"/>
-    <cs:fillRef idx="0"/>
-    <cs:effectRef idx="0"/>
-    <cs:fontRef idx="minor">
-      <a:schemeClr val="tx1">
-        <a:lumMod val="75000"/>
-        <a:lumOff val="25000"/>
-      </a:schemeClr>
-    </cs:fontRef>
-    <cs:defRPr sz="1197" kern="1200"/>
-  </cs:dataLabel>
-  <cs:dataLabelCallout>
-    <cs:lnRef idx="0"/>
-    <cs:fillRef idx="0"/>
-    <cs:effectRef idx="0"/>
-    <cs:fontRef idx="minor">
-      <a:schemeClr val="dk1">
-        <a:lumMod val="65000"/>
-        <a:lumOff val="35000"/>
-      </a:schemeClr>
-    </cs:fontRef>
-    <cs:spPr>
-      <a:solidFill>
-        <a:schemeClr val="lt1"/>
-      </a:solidFill>
-      <a:ln>
-        <a:solidFill>
-          <a:schemeClr val="dk1">
-            <a:lumMod val="25000"/>
-            <a:lumOff val="75000"/>
-          </a:schemeClr>
-        </a:solidFill>
-      </a:ln>
-    </cs:spPr>
-    <cs:defRPr sz="1197" kern="1200"/>
-    <cs:bodyPr rot="0" spcFirstLastPara="1" vertOverflow="clip" horzOverflow="clip" vert="horz" wrap="square" lIns="36576" tIns="18288" rIns="36576" bIns="18288" anchor="ctr" anchorCtr="1">
-      <a:spAutoFit/>
-    </cs:bodyPr>
-  </cs:dataLabelCallout>
-  <cs:dataPoint>
-    <cs:lnRef idx="0"/>
-    <cs:fillRef idx="1">
-      <cs:styleClr val="auto"/>
-    </cs:fillRef>
-    <cs:effectRef idx="0"/>
-    <cs:fontRef idx="minor">
-      <a:schemeClr val="tx1"/>
-    </cs:fontRef>
-    <cs:spPr>
-      <a:solidFill>
-        <a:schemeClr val="phClr"/>
-      </a:solidFill>
-    </cs:spPr>
-  </cs:dataPoint>
-  <cs:dataPoint3D>
-    <cs:lnRef idx="0"/>
-    <cs:fillRef idx="1">
-      <cs:styleClr val="auto"/>
-    </cs:fillRef>
-    <cs:effectRef idx="0"/>
-    <cs:fontRef idx="minor">
-      <a:schemeClr val="tx1"/>
-    </cs:fontRef>
-    <cs:spPr>
-      <a:solidFill>
-        <a:schemeClr val="phClr"/>
-      </a:solidFill>
-    </cs:spPr>
-  </cs:dataPoint3D>
-  <cs:dataPointLine>
-    <cs:lnRef idx="0">
-      <cs:styleClr val="auto"/>
-    </cs:lnRef>
-    <cs:fillRef idx="1"/>
-    <cs:effectRef idx="0"/>
-    <cs:fontRef idx="minor">
-      <a:schemeClr val="tx1"/>
-    </cs:fontRef>
-    <cs:spPr>
-      <a:ln w="28575" cap="rnd">
-        <a:solidFill>
-          <a:schemeClr val="phClr"/>
-        </a:solidFill>
-        <a:round/>
-      </a:ln>
-    </cs:spPr>
-  </cs:dataPointLine>
-  <cs:dataPointMarker>
-    <cs:lnRef idx="0">
-      <cs:styleClr val="auto"/>
-    </cs:lnRef>
-    <cs:fillRef idx="1">
-      <cs:styleClr val="auto"/>
-    </cs:fillRef>
-    <cs:effectRef idx="0"/>
-    <cs:fontRef idx="minor">
-      <a:schemeClr val="tx1"/>
-    </cs:fontRef>
-    <cs:spPr>
-      <a:solidFill>
-        <a:schemeClr val="phClr"/>
-      </a:solidFill>
-      <a:ln w="9525">
-        <a:solidFill>
-          <a:schemeClr val="phClr"/>
-        </a:solidFill>
-      </a:ln>
-    </cs:spPr>
-  </cs:dataPointMarker>
-  <cs:dataPointMarkerLayout symbol="circle" size="5"/>
-  <cs:dataPointWireframe>
-    <cs:lnRef idx="0">
-      <cs:styleClr val="auto"/>
-    </cs:lnRef>
-    <cs:fillRef idx="1"/>
-    <cs:effectRef idx="0"/>
-    <cs:fontRef idx="minor">
-      <a:schemeClr val="tx1"/>
-    </cs:fontRef>
-    <cs:spPr>
-      <a:ln w="9525" cap="rnd">
-        <a:solidFill>
-          <a:schemeClr val="phClr"/>
-        </a:solidFill>
-        <a:round/>
-      </a:ln>
-    </cs:spPr>
-  </cs:dataPointWireframe>
-  <cs:dataTable>
-    <cs:lnRef idx="0"/>
-    <cs:fillRef idx="0"/>
-    <cs:effectRef idx="0"/>
-    <cs:fontRef idx="minor">
-      <a:schemeClr val="tx1">
-        <a:lumMod val="65000"/>
-        <a:lumOff val="35000"/>
-      </a:schemeClr>
-    </cs:fontRef>
-    <cs:spPr>
-      <a:noFill/>
-      <a:ln w="9525" cap="flat" cmpd="sng" algn="ctr">
-        <a:solidFill>
-          <a:schemeClr val="tx1">
-            <a:lumMod val="15000"/>
-            <a:lumOff val="85000"/>
-          </a:schemeClr>
-        </a:solidFill>
-        <a:round/>
-      </a:ln>
-    </cs:spPr>
-    <cs:defRPr sz="1197" kern="1200"/>
-  </cs:dataTable>
-  <cs:downBar>
-    <cs:lnRef idx="0"/>
-    <cs:fillRef idx="0"/>
-    <cs:effectRef idx="0"/>
-    <cs:fontRef idx="minor">
-      <a:schemeClr val="dk1"/>
-    </cs:fontRef>
-    <cs:spPr>
-      <a:solidFill>
-        <a:schemeClr val="dk1">
-          <a:lumMod val="65000"/>
-          <a:lumOff val="35000"/>
-        </a:schemeClr>
-      </a:solidFill>
-      <a:ln w="9525">
-        <a:solidFill>
-          <a:schemeClr val="tx1">
-            <a:lumMod val="65000"/>
-            <a:lumOff val="35000"/>
-          </a:schemeClr>
-        </a:solidFill>
-      </a:ln>
-    </cs:spPr>
-  </cs:downBar>
-  <cs:dropLine>
-    <cs:lnRef idx="0"/>
-    <cs:fillRef idx="0"/>
-    <cs:effectRef idx="0"/>
-    <cs:fontRef idx="minor">
-      <a:schemeClr val="tx1"/>
-    </cs:fontRef>
-    <cs:spPr>
-      <a:ln w="9525" cap="flat" cmpd="sng" algn="ctr">
-        <a:solidFill>
-          <a:schemeClr val="tx1">
-            <a:lumMod val="35000"/>
-            <a:lumOff val="65000"/>
-          </a:schemeClr>
-        </a:solidFill>
-        <a:round/>
-      </a:ln>
-    </cs:spPr>
-  </cs:dropLine>
-  <cs:errorBar>
-    <cs:lnRef idx="0"/>
-    <cs:fillRef idx="0"/>
-    <cs:effectRef idx="0"/>
-    <cs:fontRef idx="minor">
-      <a:schemeClr val="tx1"/>
-    </cs:fontRef>
-    <cs:spPr>
-      <a:ln w="9525" cap="flat" cmpd="sng" algn="ctr">
-        <a:solidFill>
-          <a:schemeClr val="tx1">
-            <a:lumMod val="65000"/>
-            <a:lumOff val="35000"/>
-          </a:schemeClr>
-        </a:solidFill>
-        <a:round/>
-      </a:ln>
-    </cs:spPr>
-  </cs:errorBar>
-  <cs:floor>
-    <cs:lnRef idx="0"/>
-    <cs:fillRef idx="0"/>
-    <cs:effectRef idx="0"/>
-    <cs:fontRef idx="minor">
-      <a:schemeClr val="tx1"/>
-    </cs:fontRef>
-    <cs:spPr>
-      <a:noFill/>
-      <a:ln>
-        <a:noFill/>
-      </a:ln>
-    </cs:spPr>
-  </cs:floor>
-  <cs:gridlineMajor>
-    <cs:lnRef idx="0"/>
-    <cs:fillRef idx="0"/>
-    <cs:effectRef idx="0"/>
-    <cs:fontRef idx="minor">
-      <a:schemeClr val="tx1"/>
-    </cs:fontRef>
-    <cs:spPr>
-      <a:ln w="9525" cap="flat" cmpd="sng" algn="ctr">
-        <a:solidFill>
-          <a:schemeClr val="tx1">
-            <a:lumMod val="15000"/>
-            <a:lumOff val="85000"/>
-          </a:schemeClr>
-        </a:solidFill>
-        <a:round/>
-      </a:ln>
-    </cs:spPr>
-  </cs:gridlineMajor>
-  <cs:gridlineMinor>
-    <cs:lnRef idx="0"/>
-    <cs:fillRef idx="0"/>
-    <cs:effectRef idx="0"/>
-    <cs:fontRef idx="minor">
-      <a:schemeClr val="tx1"/>
-    </cs:fontRef>
-    <cs:spPr>
-      <a:ln w="9525" cap="flat" cmpd="sng" algn="ctr">
-        <a:solidFill>
-          <a:schemeClr val="tx1">
-            <a:lumMod val="5000"/>
-            <a:lumOff val="95000"/>
-          </a:schemeClr>
-        </a:solidFill>
-        <a:round/>
-      </a:ln>
-    </cs:spPr>
-  </cs:gridlineMinor>
-  <cs:hiLoLine>
-    <cs:lnRef idx="0"/>
-    <cs:fillRef idx="0"/>
-    <cs:effectRef idx="0"/>
-    <cs:fontRef idx="minor">
-      <a:schemeClr val="tx1"/>
-    </cs:fontRef>
-    <cs:spPr>
-      <a:ln w="9525" cap="flat" cmpd="sng" algn="ctr">
-        <a:solidFill>
-          <a:schemeClr val="tx1">
-            <a:lumMod val="75000"/>
-            <a:lumOff val="25000"/>
-          </a:schemeClr>
-        </a:solidFill>
-        <a:round/>
-      </a:ln>
-    </cs:spPr>
-  </cs:hiLoLine>
-  <cs:leaderLine>
-    <cs:lnRef idx="0"/>
-    <cs:fillRef idx="0"/>
-    <cs:effectRef idx="0"/>
-    <cs:fontRef idx="minor">
-      <a:schemeClr val="tx1"/>
-    </cs:fontRef>
-    <cs:spPr>
-      <a:ln w="9525" cap="flat" cmpd="sng" algn="ctr">
-        <a:solidFill>
-          <a:schemeClr val="tx1">
-            <a:lumMod val="35000"/>
-            <a:lumOff val="65000"/>
-          </a:schemeClr>
-        </a:solidFill>
-        <a:round/>
-      </a:ln>
-    </cs:spPr>
-  </cs:leaderLine>
-  <cs:legend>
-    <cs:lnRef idx="0"/>
-    <cs:fillRef idx="0"/>
-    <cs:effectRef idx="0"/>
-    <cs:fontRef idx="minor">
-      <a:schemeClr val="tx1">
-        <a:lumMod val="65000"/>
-        <a:lumOff val="35000"/>
-      </a:schemeClr>
-    </cs:fontRef>
-    <cs:defRPr sz="1197" kern="1200"/>
-  </cs:legend>
-  <cs:plotArea mods="allowNoFillOverride allowNoLineOverride">
-    <cs:lnRef idx="0"/>
-    <cs:fillRef idx="0"/>
-    <cs:effectRef idx="0"/>
-    <cs:fontRef idx="minor">
-      <a:schemeClr val="tx1"/>
-    </cs:fontRef>
-  </cs:plotArea>
-  <cs:plotArea3D mods="allowNoFillOverride allowNoLineOverride">
-    <cs:lnRef idx="0"/>
-    <cs:fillRef idx="0"/>
-    <cs:effectRef idx="0"/>
-    <cs:fontRef idx="minor">
-      <a:schemeClr val="tx1"/>
-    </cs:fontRef>
-  </cs:plotArea3D>
-  <cs:seriesAxis>
-    <cs:lnRef idx="0"/>
-    <cs:fillRef idx="0"/>
-    <cs:effectRef idx="0"/>
-    <cs:fontRef idx="minor">
-      <a:schemeClr val="tx1">
-        <a:lumMod val="65000"/>
-        <a:lumOff val="35000"/>
-      </a:schemeClr>
-    </cs:fontRef>
-    <cs:defRPr sz="1197" kern="1200"/>
-  </cs:seriesAxis>
-  <cs:seriesLine>
-    <cs:lnRef idx="0"/>
-    <cs:fillRef idx="0"/>
-    <cs:effectRef idx="0"/>
-    <cs:fontRef idx="minor">
-      <a:schemeClr val="tx1"/>
-    </cs:fontRef>
-    <cs:spPr>
-      <a:ln w="9525" cap="flat" cmpd="sng" algn="ctr">
-        <a:solidFill>
-          <a:schemeClr val="tx1">
-            <a:lumMod val="35000"/>
-            <a:lumOff val="65000"/>
-          </a:schemeClr>
-        </a:solidFill>
-        <a:round/>
-      </a:ln>
-    </cs:spPr>
-  </cs:seriesLine>
-  <cs:title>
-    <cs:lnRef idx="0"/>
-    <cs:fillRef idx="0"/>
-    <cs:effectRef idx="0"/>
-    <cs:fontRef idx="minor">
-      <a:schemeClr val="tx1">
-        <a:lumMod val="65000"/>
-        <a:lumOff val="35000"/>
-      </a:schemeClr>
-    </cs:fontRef>
-    <cs:defRPr sz="1862" b="0" kern="1200" spc="0" baseline="0"/>
-  </cs:title>
-  <cs:trendline>
-    <cs:lnRef idx="0">
-      <cs:styleClr val="auto"/>
-    </cs:lnRef>
-    <cs:fillRef idx="0"/>
-    <cs:effectRef idx="0"/>
-    <cs:fontRef idx="minor">
-      <a:schemeClr val="tx1"/>
-    </cs:fontRef>
-    <cs:spPr>
-      <a:ln w="19050" cap="rnd">
-        <a:solidFill>
-          <a:schemeClr val="phClr"/>
-        </a:solidFill>
-        <a:prstDash val="sysDot"/>
-      </a:ln>
-    </cs:spPr>
-  </cs:trendline>
-  <cs:trendlineLabel>
-    <cs:lnRef idx="0"/>
-    <cs:fillRef idx="0"/>
-    <cs:effectRef idx="0"/>
-    <cs:fontRef idx="minor">
-      <a:schemeClr val="tx1">
-        <a:lumMod val="65000"/>
-        <a:lumOff val="35000"/>
-      </a:schemeClr>
-    </cs:fontRef>
-    <cs:defRPr sz="1197" kern="1200"/>
-  </cs:trendlineLabel>
-  <cs:upBar>
-    <cs:lnRef idx="0"/>
-    <cs:fillRef idx="0"/>
-    <cs:effectRef idx="0"/>
-    <cs:fontRef idx="minor">
-      <a:schemeClr val="dk1"/>
-    </cs:fontRef>
-    <cs:spPr>
-      <a:solidFill>
-        <a:schemeClr val="lt1"/>
-      </a:solidFill>
-      <a:ln w="9525">
-        <a:solidFill>
-          <a:schemeClr val="tx1">
-            <a:lumMod val="15000"/>
-            <a:lumOff val="85000"/>
-          </a:schemeClr>
-        </a:solidFill>
-      </a:ln>
-    </cs:spPr>
-  </cs:upBar>
-  <cs:valueAxis>
-    <cs:lnRef idx="0"/>
-    <cs:fillRef idx="0"/>
-    <cs:effectRef idx="0"/>
-    <cs:fontRef idx="minor">
-      <a:schemeClr val="tx1">
-        <a:lumMod val="65000"/>
-        <a:lumOff val="35000"/>
-      </a:schemeClr>
-    </cs:fontRef>
-    <cs:defRPr sz="1197" kern="1200"/>
-  </cs:valueAxis>
-  <cs:wall>
-    <cs:lnRef idx="0"/>
-    <cs:fillRef idx="0"/>
-    <cs:effectRef idx="0"/>
-    <cs:fontRef idx="minor">
-      <a:schemeClr val="tx1"/>
-    </cs:fontRef>
-    <cs:spPr>
-      <a:noFill/>
-      <a:ln>
-        <a:noFill/>
-      </a:ln>
-    </cs:spPr>
-  </cs:wall>
-</cs:chartStyle>
 </file>
 
 <file path=ppt/comments/comment1.xml><?xml version="1.0" encoding="utf-8"?>
@@ -5409,7 +4819,7 @@
 </file>
 
 <file path=ppt/slides/slide10.xml><?xml version="1.0" encoding="utf-8"?>
-<p:sld xmlns:a="http://schemas.openxmlformats.org/drawingml/2006/main" xmlns:r="http://schemas.openxmlformats.org/officeDocument/2006/relationships" xmlns:p="http://schemas.openxmlformats.org/presentationml/2006/main">
+<p:sld xmlns:r="http://schemas.openxmlformats.org/officeDocument/2006/relationships" xmlns:c="http://schemas.openxmlformats.org/drawingml/2006/chart" xmlns:a="http://schemas.openxmlformats.org/drawingml/2006/main" xmlns:dgm="http://schemas.openxmlformats.org/drawingml/2006/diagram" xmlns:dsp="http://schemas.microsoft.com/office/drawing/2008/diagram" xmlns:p="http://schemas.openxmlformats.org/presentationml/2006/main">
   <p:cSld>
     <p:spTree>
       <p:nvGrpSpPr>
@@ -5460,10 +4870,12 @@
           </a:fontRef>
         </p:style>
         <p:txBody>
-          <a:bodyPr rtlCol="0" anchor="ctr"/>
-          <a:lstStyle/>
-          <a:p>
-            <a:pPr algn="ctr"/>
+          <a:bodyPr anchor="ctr"/>
+          <a:lstStyle/>
+          <a:p>
+            <a:pPr algn="ctr">
+              <a:defRPr/>
+            </a:pPr>
             <a:endParaRPr kumimoji="1" lang="ja-JP" altLang="en-US"/>
           </a:p>
         </p:txBody>
@@ -5503,10 +4915,12 @@
           </a:fontRef>
         </p:style>
         <p:txBody>
-          <a:bodyPr rtlCol="0" anchor="ctr"/>
-          <a:lstStyle/>
-          <a:p>
-            <a:pPr algn="ctr"/>
+          <a:bodyPr anchor="ctr"/>
+          <a:lstStyle/>
+          <a:p>
+            <a:pPr algn="ctr">
+              <a:defRPr/>
+            </a:pPr>
             <a:endParaRPr kumimoji="1" lang="ja-JP" altLang="en-US"/>
           </a:p>
         </p:txBody>
@@ -5520,7 +4934,7 @@
         <p:spPr>
           <a:xfrm>
             <a:off x="1274182" y="198782"/>
-            <a:ext cx="3082895" cy="646331"/>
+            <a:ext cx="4951358" cy="646331"/>
           </a:xfrm>
           <a:prstGeom prst="rect">
             <a:avLst/>
@@ -5528,13 +4942,16 @@
           <a:noFill/>
         </p:spPr>
         <p:txBody>
-          <a:bodyPr wrap="none" rtlCol="0">
+          <a:bodyPr wrap="none">
             <a:spAutoFit/>
           </a:bodyPr>
           <a:lstStyle/>
           <a:p>
-            <a:r>
-              <a:rPr lang="ko-KR" altLang="en-US" sz="3600" b="1" spc="600" dirty="0">
+            <a:pPr lvl="0">
+              <a:defRPr/>
+            </a:pPr>
+            <a:r>
+              <a:rPr lang="ko-KR" altLang="en-US" sz="3600" b="1" spc="600">
                 <a:solidFill>
                   <a:schemeClr val="tx1">
                     <a:lumMod val="75000"/>
@@ -5542,9 +4959,9 @@
                   </a:schemeClr>
                 </a:solidFill>
               </a:rPr>
-              <a:t>데이터 가공</a:t>
-            </a:r>
-            <a:endParaRPr lang="ja-JP" altLang="en-US" sz="3600" b="1" spc="600" dirty="0">
+              <a:t>데이터 수집 및 가공</a:t>
+            </a:r>
+            <a:endParaRPr lang="ko-KR" altLang="en-US" sz="3600" b="1" spc="600">
               <a:solidFill>
                 <a:schemeClr val="tx1">
                   <a:lumMod val="75000"/>
@@ -5572,13 +4989,16 @@
           <a:noFill/>
         </p:spPr>
         <p:txBody>
-          <a:bodyPr wrap="none" rtlCol="0">
+          <a:bodyPr wrap="none">
             <a:spAutoFit/>
           </a:bodyPr>
           <a:lstStyle/>
           <a:p>
-            <a:r>
-              <a:rPr lang="en-US" altLang="ja-JP" sz="1100" spc="600" dirty="0">
+            <a:pPr lvl="0">
+              <a:defRPr/>
+            </a:pPr>
+            <a:r>
+              <a:rPr lang="en-US" altLang="ja-JP" sz="1100" b="0" spc="600">
                 <a:solidFill>
                   <a:schemeClr val="tx1">
                     <a:lumMod val="75000"/>
@@ -5588,7 +5008,7 @@
               </a:rPr>
               <a:t>PART 2</a:t>
             </a:r>
-            <a:endParaRPr kumimoji="1" lang="ja-JP" altLang="en-US" sz="1100" spc="600" dirty="0">
+            <a:endParaRPr kumimoji="1" lang="ja-JP" altLang="en-US" sz="1100" b="0" spc="600">
               <a:solidFill>
                 <a:schemeClr val="tx1">
                   <a:lumMod val="75000"/>
@@ -5601,13 +5021,7 @@
       </p:sp>
       <p:sp>
         <p:nvSpPr>
-          <p:cNvPr id="17" name="TextBox 16">
-            <a:extLst>
-              <a:ext uri="{FF2B5EF4-FFF2-40B4-BE49-F238E27FC236}">
-                <a16:creationId xmlns:a16="http://schemas.microsoft.com/office/drawing/2014/main" id="{9621B7AA-E91B-4BBF-883E-CD410876B42F}"/>
-              </a:ext>
-            </a:extLst>
-          </p:cNvPr>
+          <p:cNvPr id="17" name="TextBox 16"/>
           <p:cNvSpPr txBox="1"/>
           <p:nvPr/>
         </p:nvSpPr>
@@ -5622,67 +5036,73 @@
           <a:noFill/>
         </p:spPr>
         <p:txBody>
-          <a:bodyPr wrap="square" rtlCol="0">
+          <a:bodyPr wrap="square">
             <a:spAutoFit/>
           </a:bodyPr>
           <a:lstStyle/>
           <a:p>
-            <a:pPr algn="just"/>
-            <a:r>
-              <a:rPr lang="ko-KR" altLang="en-US" dirty="0"/>
+            <a:pPr algn="just">
+              <a:defRPr/>
+            </a:pPr>
+            <a:r>
+              <a:rPr lang="ko-KR" altLang="en-US"/>
               <a:t>주식의 데이터를 보기 쉽게 가공한다</a:t>
             </a:r>
             <a:r>
-              <a:rPr lang="en-US" altLang="ko-KR" dirty="0"/>
+              <a:rPr lang="en-US" altLang="ko-KR"/>
               <a:t>.</a:t>
             </a:r>
-          </a:p>
-          <a:p>
-            <a:pPr algn="just"/>
-            <a:endParaRPr lang="en-US" altLang="ko-KR" dirty="0"/>
-          </a:p>
-          <a:p>
-            <a:pPr algn="just"/>
-            <a:endParaRPr lang="en-US" altLang="ko-KR" dirty="0"/>
-          </a:p>
-          <a:p>
-            <a:pPr algn="just"/>
-            <a:r>
-              <a:rPr lang="en-US" altLang="ko-KR" dirty="0"/>
+            <a:endParaRPr lang="en-US" altLang="ko-KR"/>
+          </a:p>
+          <a:p>
+            <a:pPr algn="just">
+              <a:defRPr/>
+            </a:pPr>
+            <a:endParaRPr lang="en-US" altLang="ko-KR"/>
+          </a:p>
+          <a:p>
+            <a:pPr algn="just">
+              <a:defRPr/>
+            </a:pPr>
+            <a:endParaRPr lang="en-US" altLang="ko-KR"/>
+          </a:p>
+          <a:p>
+            <a:pPr algn="just">
+              <a:defRPr/>
+            </a:pPr>
+            <a:r>
+              <a:rPr lang="en-US" altLang="ko-KR"/>
               <a:t>R</a:t>
             </a:r>
             <a:r>
-              <a:rPr lang="ko-KR" altLang="en-US" dirty="0"/>
+              <a:rPr lang="ko-KR" altLang="en-US"/>
               <a:t>에</a:t>
             </a:r>
             <a:r>
-              <a:rPr lang="en-US" altLang="ko-KR" dirty="0"/>
+              <a:rPr lang="en-US" altLang="ko-KR"/>
               <a:t> </a:t>
             </a:r>
             <a:r>
-              <a:rPr lang="ko-KR" altLang="en-US" dirty="0"/>
+              <a:rPr lang="ko-KR" altLang="en-US"/>
               <a:t>사용하기 쉽게 만들려고 한다</a:t>
             </a:r>
             <a:r>
-              <a:rPr lang="en-US" altLang="ko-KR" dirty="0"/>
+              <a:rPr lang="en-US" altLang="ko-KR"/>
               <a:t>.</a:t>
             </a:r>
-          </a:p>
-          <a:p>
-            <a:pPr algn="just"/>
-            <a:endParaRPr lang="en-US" altLang="ko-KR" dirty="0"/>
-          </a:p>
-        </p:txBody>
-      </p:sp>
-      <p:sp>
-        <p:nvSpPr>
-          <p:cNvPr id="21" name="TextBox 20">
-            <a:extLst>
-              <a:ext uri="{FF2B5EF4-FFF2-40B4-BE49-F238E27FC236}">
-                <a16:creationId xmlns:a16="http://schemas.microsoft.com/office/drawing/2014/main" id="{232599DE-6BD6-4DFC-80DB-927431A49C4B}"/>
-              </a:ext>
-            </a:extLst>
-          </p:cNvPr>
+            <a:endParaRPr lang="en-US" altLang="ko-KR"/>
+          </a:p>
+          <a:p>
+            <a:pPr algn="just">
+              <a:defRPr/>
+            </a:pPr>
+            <a:endParaRPr lang="en-US" altLang="ko-KR"/>
+          </a:p>
+        </p:txBody>
+      </p:sp>
+      <p:sp>
+        <p:nvSpPr>
+          <p:cNvPr id="21" name="TextBox 20"/>
           <p:cNvSpPr txBox="1"/>
           <p:nvPr/>
         </p:nvSpPr>
@@ -5697,30 +5117,26 @@
           <a:noFill/>
         </p:spPr>
         <p:txBody>
-          <a:bodyPr wrap="none" rtlCol="0">
+          <a:bodyPr wrap="none">
             <a:spAutoFit/>
           </a:bodyPr>
           <a:lstStyle/>
           <a:p>
-            <a:r>
-              <a:rPr lang="ko-KR" altLang="en-US" sz="3600" b="1" dirty="0"/>
+            <a:pPr lvl="0">
+              <a:defRPr/>
+            </a:pPr>
+            <a:r>
+              <a:rPr lang="ko-KR" altLang="en-US" sz="3600" b="1"/>
               <a:t>분석을 위한 가공</a:t>
             </a:r>
+            <a:endParaRPr lang="ko-KR" altLang="en-US" sz="3600" b="1"/>
           </a:p>
         </p:txBody>
       </p:sp>
       <p:cxnSp>
         <p:nvCxnSpPr>
-          <p:cNvPr id="22" name="직선 연결선 21">
-            <a:extLst>
-              <a:ext uri="{FF2B5EF4-FFF2-40B4-BE49-F238E27FC236}">
-                <a16:creationId xmlns:a16="http://schemas.microsoft.com/office/drawing/2014/main" id="{C7572EA4-C175-4288-B8F2-459F6ED88B72}"/>
-              </a:ext>
-            </a:extLst>
-          </p:cNvPr>
-          <p:cNvCxnSpPr>
-            <a:cxnSpLocks/>
-          </p:cNvCxnSpPr>
+          <p:cNvPr id="22" name="직선 연결선 21"/>
+          <p:cNvCxnSpPr/>
           <p:nvPr/>
         </p:nvCxnSpPr>
         <p:spPr>
@@ -5757,13 +5173,7 @@
       </p:cxnSp>
       <p:sp>
         <p:nvSpPr>
-          <p:cNvPr id="9" name="사각형: 둥근 대각선 방향 모서리 8">
-            <a:extLst>
-              <a:ext uri="{FF2B5EF4-FFF2-40B4-BE49-F238E27FC236}">
-                <a16:creationId xmlns:a16="http://schemas.microsoft.com/office/drawing/2014/main" id="{0C95B601-4A10-48BA-BDAB-2B62CE1BDABE}"/>
-              </a:ext>
-            </a:extLst>
-          </p:cNvPr>
+          <p:cNvPr id="9" name="사각형: 둥근 대각선 방향 모서리 8"/>
           <p:cNvSpPr/>
           <p:nvPr/>
         </p:nvSpPr>
@@ -5773,7 +5183,10 @@
             <a:ext cx="4523950" cy="646331"/>
           </a:xfrm>
           <a:prstGeom prst="round2DiagRect">
-            <a:avLst/>
+            <a:avLst>
+              <a:gd name="adj1" fmla="val 16667"/>
+              <a:gd name="adj2" fmla="val 0"/>
+            </a:avLst>
           </a:prstGeom>
           <a:solidFill>
             <a:schemeClr val="accent1">
@@ -5802,26 +5215,23 @@
           </a:fontRef>
         </p:style>
         <p:txBody>
-          <a:bodyPr rtlCol="0" anchor="ctr"/>
-          <a:lstStyle/>
-          <a:p>
-            <a:pPr algn="ctr"/>
-            <a:r>
-              <a:rPr kumimoji="1" lang="ko-KR" altLang="en-US" dirty="0"/>
+          <a:bodyPr anchor="ctr"/>
+          <a:lstStyle/>
+          <a:p>
+            <a:pPr algn="ctr">
+              <a:defRPr/>
+            </a:pPr>
+            <a:r>
+              <a:rPr kumimoji="1" lang="ko-KR" altLang="en-US"/>
               <a:t>데이터 수집</a:t>
             </a:r>
-          </a:p>
-        </p:txBody>
-      </p:sp>
-      <p:sp>
-        <p:nvSpPr>
-          <p:cNvPr id="28" name="사각형: 둥근 대각선 방향 모서리 27">
-            <a:extLst>
-              <a:ext uri="{FF2B5EF4-FFF2-40B4-BE49-F238E27FC236}">
-                <a16:creationId xmlns:a16="http://schemas.microsoft.com/office/drawing/2014/main" id="{027E5929-AA3E-4382-B89F-790337472ACB}"/>
-              </a:ext>
-            </a:extLst>
-          </p:cNvPr>
+            <a:endParaRPr kumimoji="1" lang="ko-KR" altLang="en-US"/>
+          </a:p>
+        </p:txBody>
+      </p:sp>
+      <p:sp>
+        <p:nvSpPr>
+          <p:cNvPr id="28" name="사각형: 둥근 대각선 방향 모서리 27"/>
           <p:cNvSpPr/>
           <p:nvPr/>
         </p:nvSpPr>
@@ -5831,7 +5241,10 @@
             <a:ext cx="4523950" cy="646331"/>
           </a:xfrm>
           <a:prstGeom prst="round2DiagRect">
-            <a:avLst/>
+            <a:avLst>
+              <a:gd name="adj1" fmla="val 16667"/>
+              <a:gd name="adj2" fmla="val 0"/>
+            </a:avLst>
           </a:prstGeom>
           <a:solidFill>
             <a:schemeClr val="accent5"/>
@@ -5857,34 +5270,31 @@
           </a:fontRef>
         </p:style>
         <p:txBody>
-          <a:bodyPr rtlCol="0" anchor="ctr"/>
-          <a:lstStyle/>
-          <a:p>
-            <a:pPr algn="ctr"/>
-            <a:r>
-              <a:rPr kumimoji="1" lang="ko-KR" altLang="en-US" dirty="0"/>
+          <a:bodyPr anchor="ctr"/>
+          <a:lstStyle/>
+          <a:p>
+            <a:pPr algn="ctr">
+              <a:defRPr/>
+            </a:pPr>
+            <a:r>
+              <a:rPr kumimoji="1" lang="ko-KR" altLang="en-US"/>
               <a:t>시계열 모델 </a:t>
             </a:r>
             <a:r>
-              <a:rPr kumimoji="1" lang="en-US" altLang="ko-KR" dirty="0"/>
+              <a:rPr kumimoji="1" lang="en-US" altLang="ko-KR"/>
               <a:t>Prophet </a:t>
             </a:r>
             <a:r>
-              <a:rPr kumimoji="1" lang="ko-KR" altLang="en-US" dirty="0"/>
+              <a:rPr kumimoji="1" lang="ko-KR" altLang="en-US"/>
               <a:t>적용</a:t>
             </a:r>
-          </a:p>
-        </p:txBody>
-      </p:sp>
-      <p:sp>
-        <p:nvSpPr>
-          <p:cNvPr id="30" name="사각형: 둥근 대각선 방향 모서리 29">
-            <a:extLst>
-              <a:ext uri="{FF2B5EF4-FFF2-40B4-BE49-F238E27FC236}">
-                <a16:creationId xmlns:a16="http://schemas.microsoft.com/office/drawing/2014/main" id="{6E7FFD8C-C40D-4875-A6AA-A073805A8836}"/>
-              </a:ext>
-            </a:extLst>
-          </p:cNvPr>
+            <a:endParaRPr kumimoji="1" lang="ko-KR" altLang="en-US"/>
+          </a:p>
+        </p:txBody>
+      </p:sp>
+      <p:sp>
+        <p:nvSpPr>
+          <p:cNvPr id="30" name="사각형: 둥근 대각선 방향 모서리 29"/>
           <p:cNvSpPr/>
           <p:nvPr/>
         </p:nvSpPr>
@@ -5894,7 +5304,10 @@
             <a:ext cx="4523950" cy="646331"/>
           </a:xfrm>
           <a:prstGeom prst="round2DiagRect">
-            <a:avLst/>
+            <a:avLst>
+              <a:gd name="adj1" fmla="val 16667"/>
+              <a:gd name="adj2" fmla="val 0"/>
+            </a:avLst>
           </a:prstGeom>
           <a:solidFill>
             <a:schemeClr val="tx2"/>
@@ -5920,35 +5333,33 @@
           </a:fontRef>
         </p:style>
         <p:txBody>
-          <a:bodyPr rtlCol="0" anchor="ctr"/>
-          <a:lstStyle/>
-          <a:p>
-            <a:pPr algn="ctr"/>
-            <a:r>
-              <a:rPr kumimoji="1" lang="ko-KR" altLang="en-US" dirty="0"/>
+          <a:bodyPr anchor="ctr"/>
+          <a:lstStyle/>
+          <a:p>
+            <a:pPr algn="ctr">
+              <a:defRPr/>
+            </a:pPr>
+            <a:r>
+              <a:rPr kumimoji="1" lang="ko-KR" altLang="en-US"/>
               <a:t>데이터 가공</a:t>
             </a:r>
+            <a:endParaRPr kumimoji="1" lang="ko-KR" altLang="en-US"/>
           </a:p>
         </p:txBody>
       </p:sp>
     </p:spTree>
-    <p:extLst>
-      <p:ext uri="{BB962C8B-B14F-4D97-AF65-F5344CB8AC3E}">
-        <p14:creationId xmlns:p14="http://schemas.microsoft.com/office/powerpoint/2010/main" val="1520793177"/>
-      </p:ext>
-    </p:extLst>
   </p:cSld>
   <p:clrMapOvr>
     <a:masterClrMapping/>
   </p:clrMapOvr>
-  <mc:AlternateContent xmlns:mc="http://schemas.openxmlformats.org/markup-compatibility/2006" xmlns:p159="http://schemas.microsoft.com/office/powerpoint/2015/09/main">
-    <mc:Choice Requires="p159">
-      <p:transition xmlns:p14="http://schemas.microsoft.com/office/powerpoint/2010/main" spd="slow" p14:dur="2000">
-        <p159:morph option="byObject"/>
+  <mc:AlternateContent xmlns:mc="http://schemas.openxmlformats.org/markup-compatibility/2006">
+    <mc:Choice xmlns:p14="http://schemas.microsoft.com/office/powerpoint/2010/main" Requires="p14">
+      <p:transition xmlns:mc="http://schemas.openxmlformats.org/markup-compatibility/2006" xmlns:p14="http://schemas.microsoft.com/office/powerpoint/2010/main" spd="med" mc:Ignorable="p14" p14:dur="1000">
+        <p:fade/>
       </p:transition>
     </mc:Choice>
-    <mc:Fallback xmlns="">
-      <p:transition spd="slow">
+    <mc:Fallback>
+      <p:transition xmlns:mc="http://schemas.openxmlformats.org/markup-compatibility/2006" xmlns:hp="http://schemas.haansoft.com/office/presentation/8.0" spd="med" mc:Ignorable="hp" hp:hslDur="1000">
         <p:fade/>
       </p:transition>
     </mc:Fallback>
@@ -5957,7 +5368,7 @@
 </file>
 
 <file path=ppt/slides/slide11.xml><?xml version="1.0" encoding="utf-8"?>
-<p:sld xmlns:a="http://schemas.openxmlformats.org/drawingml/2006/main" xmlns:r="http://schemas.openxmlformats.org/officeDocument/2006/relationships" xmlns:p="http://schemas.openxmlformats.org/presentationml/2006/main">
+<p:sld xmlns:r="http://schemas.openxmlformats.org/officeDocument/2006/relationships" xmlns:c="http://schemas.openxmlformats.org/drawingml/2006/chart" xmlns:a="http://schemas.openxmlformats.org/drawingml/2006/main" xmlns:dgm="http://schemas.openxmlformats.org/drawingml/2006/diagram" xmlns:dsp="http://schemas.microsoft.com/office/drawing/2008/diagram" xmlns:p="http://schemas.openxmlformats.org/presentationml/2006/main">
   <p:cSld>
     <p:spTree>
       <p:nvGrpSpPr>
@@ -6008,10 +5419,12 @@
           </a:fontRef>
         </p:style>
         <p:txBody>
-          <a:bodyPr rtlCol="0" anchor="ctr"/>
-          <a:lstStyle/>
-          <a:p>
-            <a:pPr algn="ctr"/>
+          <a:bodyPr anchor="ctr"/>
+          <a:lstStyle/>
+          <a:p>
+            <a:pPr algn="ctr">
+              <a:defRPr/>
+            </a:pPr>
             <a:endParaRPr kumimoji="1" lang="ja-JP" altLang="en-US"/>
           </a:p>
         </p:txBody>
@@ -6051,10 +5464,12 @@
           </a:fontRef>
         </p:style>
         <p:txBody>
-          <a:bodyPr rtlCol="0" anchor="ctr"/>
-          <a:lstStyle/>
-          <a:p>
-            <a:pPr algn="ctr"/>
+          <a:bodyPr anchor="ctr"/>
+          <a:lstStyle/>
+          <a:p>
+            <a:pPr algn="ctr">
+              <a:defRPr/>
+            </a:pPr>
             <a:endParaRPr kumimoji="1" lang="ja-JP" altLang="en-US"/>
           </a:p>
         </p:txBody>
@@ -6068,7 +5483,7 @@
         <p:spPr>
           <a:xfrm>
             <a:off x="1274182" y="198782"/>
-            <a:ext cx="3082895" cy="646331"/>
+            <a:ext cx="3503558" cy="646331"/>
           </a:xfrm>
           <a:prstGeom prst="rect">
             <a:avLst/>
@@ -6076,13 +5491,16 @@
           <a:noFill/>
         </p:spPr>
         <p:txBody>
-          <a:bodyPr wrap="none" rtlCol="0">
+          <a:bodyPr wrap="none">
             <a:spAutoFit/>
           </a:bodyPr>
           <a:lstStyle/>
           <a:p>
-            <a:r>
-              <a:rPr lang="ko-KR" altLang="en-US" sz="3600" b="1" spc="600" dirty="0">
+            <a:pPr lvl="0">
+              <a:defRPr/>
+            </a:pPr>
+            <a:r>
+              <a:rPr lang="ko-KR" altLang="en-US" sz="3600" b="1" spc="600">
                 <a:solidFill>
                   <a:schemeClr val="tx1">
                     <a:lumMod val="75000"/>
@@ -6090,9 +5508,9 @@
                   </a:schemeClr>
                 </a:solidFill>
               </a:rPr>
-              <a:t>데이터 추출</a:t>
-            </a:r>
-            <a:endParaRPr lang="ja-JP" altLang="en-US" sz="3600" b="1" spc="600" dirty="0">
+              <a:t>관련이론 소개</a:t>
+            </a:r>
+            <a:endParaRPr lang="ko-KR" altLang="en-US" sz="3600" b="1" spc="600">
               <a:solidFill>
                 <a:schemeClr val="tx1">
                   <a:lumMod val="75000"/>
@@ -6120,13 +5538,16 @@
           <a:noFill/>
         </p:spPr>
         <p:txBody>
-          <a:bodyPr wrap="none" rtlCol="0">
+          <a:bodyPr wrap="none">
             <a:spAutoFit/>
           </a:bodyPr>
           <a:lstStyle/>
           <a:p>
-            <a:r>
-              <a:rPr lang="en-US" altLang="ja-JP" sz="1100" spc="600" dirty="0">
+            <a:pPr lvl="0">
+              <a:defRPr/>
+            </a:pPr>
+            <a:r>
+              <a:rPr lang="en-US" altLang="ja-JP" sz="1100" b="0" spc="600">
                 <a:solidFill>
                   <a:schemeClr val="tx1">
                     <a:lumMod val="75000"/>
@@ -6136,7 +5557,7 @@
               </a:rPr>
               <a:t>PART 2</a:t>
             </a:r>
-            <a:endParaRPr kumimoji="1" lang="ja-JP" altLang="en-US" sz="1100" spc="600" dirty="0">
+            <a:endParaRPr kumimoji="1" lang="ja-JP" altLang="en-US" sz="1100" b="0" spc="600">
               <a:solidFill>
                 <a:schemeClr val="tx1">
                   <a:lumMod val="75000"/>
@@ -6151,11 +5572,6 @@
         <p:nvSpPr>
           <p:cNvPr id="35" name="원형: 비어 있음 34">
             <a:hlinkClick r:id="rId2" action="ppaction://hlinksldjump"/>
-            <a:extLst>
-              <a:ext uri="{FF2B5EF4-FFF2-40B4-BE49-F238E27FC236}">
-                <a16:creationId xmlns:a16="http://schemas.microsoft.com/office/drawing/2014/main" id="{EE318B7C-7388-4538-AE21-1C2B203ED225}"/>
-              </a:ext>
-            </a:extLst>
           </p:cNvPr>
           <p:cNvSpPr/>
           <p:nvPr/>
@@ -6166,7 +5582,9 @@
             <a:ext cx="754589" cy="754589"/>
           </a:xfrm>
           <a:prstGeom prst="donut">
-            <a:avLst/>
+            <a:avLst>
+              <a:gd name="adj" fmla="val 25000"/>
+            </a:avLst>
           </a:prstGeom>
           <a:solidFill>
             <a:schemeClr val="accent5"/>
@@ -6192,10 +5610,12 @@
           </a:fontRef>
         </p:style>
         <p:txBody>
-          <a:bodyPr rtlCol="0" anchor="ctr"/>
-          <a:lstStyle/>
-          <a:p>
-            <a:pPr algn="ctr"/>
+          <a:bodyPr anchor="ctr"/>
+          <a:lstStyle/>
+          <a:p>
+            <a:pPr algn="ctr">
+              <a:defRPr/>
+            </a:pPr>
             <a:endParaRPr kumimoji="1" lang="ko-KR" altLang="en-US" sz="1600">
               <a:solidFill>
                 <a:schemeClr val="tx1"/>
@@ -6208,11 +5628,6 @@
         <p:nvSpPr>
           <p:cNvPr id="36" name="원형: 비어 있음 35">
             <a:hlinkClick r:id="rId3" action="ppaction://hlinksldjump"/>
-            <a:extLst>
-              <a:ext uri="{FF2B5EF4-FFF2-40B4-BE49-F238E27FC236}">
-                <a16:creationId xmlns:a16="http://schemas.microsoft.com/office/drawing/2014/main" id="{4969A326-42F0-4B32-B29E-1BB3A94E4185}"/>
-              </a:ext>
-            </a:extLst>
           </p:cNvPr>
           <p:cNvSpPr/>
           <p:nvPr/>
@@ -6223,7 +5638,9 @@
             <a:ext cx="1082708" cy="1082708"/>
           </a:xfrm>
           <a:prstGeom prst="donut">
-            <a:avLst/>
+            <a:avLst>
+              <a:gd name="adj" fmla="val 25000"/>
+            </a:avLst>
           </a:prstGeom>
           <a:solidFill>
             <a:schemeClr val="accent5">
@@ -6251,10 +5668,12 @@
           </a:fontRef>
         </p:style>
         <p:txBody>
-          <a:bodyPr rtlCol="0" anchor="ctr"/>
-          <a:lstStyle/>
-          <a:p>
-            <a:pPr algn="ctr"/>
+          <a:bodyPr anchor="ctr"/>
+          <a:lstStyle/>
+          <a:p>
+            <a:pPr algn="ctr">
+              <a:defRPr/>
+            </a:pPr>
             <a:endParaRPr kumimoji="1" lang="ko-KR" altLang="en-US" sz="1600">
               <a:solidFill>
                 <a:schemeClr val="tx1"/>
@@ -6266,12 +5685,7 @@
       <p:sp>
         <p:nvSpPr>
           <p:cNvPr id="37" name="원형: 비어 있음 36">
-            <a:hlinkClick r:id="rId4" action="ppaction://hlinksldjump"/>
-            <a:extLst>
-              <a:ext uri="{FF2B5EF4-FFF2-40B4-BE49-F238E27FC236}">
-                <a16:creationId xmlns:a16="http://schemas.microsoft.com/office/drawing/2014/main" id="{7A3B6929-4D7F-4166-90D1-C0E20F0FE9F0}"/>
-              </a:ext>
-            </a:extLst>
+            <a:hlinkClick r:id="" action="ppaction://noaction"/>
           </p:cNvPr>
           <p:cNvSpPr/>
           <p:nvPr/>
@@ -6282,7 +5696,9 @@
             <a:ext cx="1080000" cy="1080000"/>
           </a:xfrm>
           <a:prstGeom prst="donut">
-            <a:avLst/>
+            <a:avLst>
+              <a:gd name="adj" fmla="val 25000"/>
+            </a:avLst>
           </a:prstGeom>
           <a:solidFill>
             <a:schemeClr val="accent5">
@@ -6310,10 +5726,12 @@
           </a:fontRef>
         </p:style>
         <p:txBody>
-          <a:bodyPr rtlCol="0" anchor="ctr"/>
-          <a:lstStyle/>
-          <a:p>
-            <a:pPr algn="ctr"/>
+          <a:bodyPr anchor="ctr"/>
+          <a:lstStyle/>
+          <a:p>
+            <a:pPr algn="ctr">
+              <a:defRPr/>
+            </a:pPr>
             <a:endParaRPr kumimoji="1" lang="ko-KR" altLang="en-US" sz="1600">
               <a:solidFill>
                 <a:schemeClr val="tx1"/>
@@ -6325,12 +5743,7 @@
       <p:sp>
         <p:nvSpPr>
           <p:cNvPr id="38" name="원형: 비어 있음 37">
-            <a:hlinkClick r:id="rId5" action="ppaction://hlinksldjump"/>
-            <a:extLst>
-              <a:ext uri="{FF2B5EF4-FFF2-40B4-BE49-F238E27FC236}">
-                <a16:creationId xmlns:a16="http://schemas.microsoft.com/office/drawing/2014/main" id="{20A6C1F7-0A8B-47EE-9E89-DD314BF34A9A}"/>
-              </a:ext>
-            </a:extLst>
+            <a:hlinkClick r:id="rId4" action="ppaction://hlinksldjump"/>
           </p:cNvPr>
           <p:cNvSpPr/>
           <p:nvPr/>
@@ -6341,7 +5754,9 @@
             <a:ext cx="754589" cy="754589"/>
           </a:xfrm>
           <a:prstGeom prst="donut">
-            <a:avLst/>
+            <a:avLst>
+              <a:gd name="adj" fmla="val 25000"/>
+            </a:avLst>
           </a:prstGeom>
           <a:solidFill>
             <a:schemeClr val="accent5">
@@ -6369,10 +5784,12 @@
           </a:fontRef>
         </p:style>
         <p:txBody>
-          <a:bodyPr rtlCol="0" anchor="ctr"/>
-          <a:lstStyle/>
-          <a:p>
-            <a:pPr algn="ctr"/>
+          <a:bodyPr anchor="ctr"/>
+          <a:lstStyle/>
+          <a:p>
+            <a:pPr algn="ctr">
+              <a:defRPr/>
+            </a:pPr>
             <a:endParaRPr kumimoji="1" lang="ko-KR" altLang="en-US" sz="1600">
               <a:solidFill>
                 <a:schemeClr val="tx1"/>
@@ -6382,23 +5799,18 @@
         </p:txBody>
       </p:sp>
     </p:spTree>
-    <p:extLst>
-      <p:ext uri="{BB962C8B-B14F-4D97-AF65-F5344CB8AC3E}">
-        <p14:creationId xmlns:p14="http://schemas.microsoft.com/office/powerpoint/2010/main" val="2116048837"/>
-      </p:ext>
-    </p:extLst>
   </p:cSld>
   <p:clrMapOvr>
     <a:masterClrMapping/>
   </p:clrMapOvr>
-  <mc:AlternateContent xmlns:mc="http://schemas.openxmlformats.org/markup-compatibility/2006" xmlns:p159="http://schemas.microsoft.com/office/powerpoint/2015/09/main">
-    <mc:Choice Requires="p159">
-      <p:transition xmlns:p14="http://schemas.microsoft.com/office/powerpoint/2010/main" spd="slow" p14:dur="2000">
-        <p159:morph option="byObject"/>
+  <mc:AlternateContent xmlns:mc="http://schemas.openxmlformats.org/markup-compatibility/2006">
+    <mc:Choice xmlns:p14="http://schemas.microsoft.com/office/powerpoint/2010/main" Requires="p14">
+      <p:transition xmlns:mc="http://schemas.openxmlformats.org/markup-compatibility/2006" xmlns:p14="http://schemas.microsoft.com/office/powerpoint/2010/main" spd="med" mc:Ignorable="p14" p14:dur="1000">
+        <p:fade/>
       </p:transition>
     </mc:Choice>
-    <mc:Fallback xmlns="">
-      <p:transition spd="slow">
+    <mc:Fallback>
+      <p:transition xmlns:mc="http://schemas.openxmlformats.org/markup-compatibility/2006" xmlns:hp="http://schemas.haansoft.com/office/presentation/8.0" spd="med" mc:Ignorable="hp" hp:hslDur="1000">
         <p:fade/>
       </p:transition>
     </mc:Fallback>
@@ -6407,14 +5819,13 @@
 </file>
 
 <file path=ppt/slides/slide12.xml><?xml version="1.0" encoding="utf-8"?>
-<p:sld xmlns:a="http://schemas.openxmlformats.org/drawingml/2006/main" xmlns:r="http://schemas.openxmlformats.org/officeDocument/2006/relationships" xmlns:p="http://schemas.openxmlformats.org/presentationml/2006/main">
+<p:sld xmlns:r="http://schemas.openxmlformats.org/officeDocument/2006/relationships" xmlns:c="http://schemas.openxmlformats.org/drawingml/2006/chart" xmlns:a="http://schemas.openxmlformats.org/drawingml/2006/main" xmlns:dgm="http://schemas.openxmlformats.org/drawingml/2006/diagram" xmlns:dsp="http://schemas.microsoft.com/office/drawing/2008/diagram" xmlns:p="http://schemas.openxmlformats.org/presentationml/2006/main">
   <p:cSld>
     <p:bg>
-      <p:bgPr>
+      <p:bgPr shadeToTitle="0">
         <a:solidFill>
           <a:schemeClr val="bg1"/>
         </a:solidFill>
-        <a:effectLst/>
       </p:bgPr>
     </p:bg>
     <p:spTree>
@@ -6433,13 +5844,7 @@
       </p:grpSpPr>
       <p:sp>
         <p:nvSpPr>
-          <p:cNvPr id="13" name="원형: 비어 있음 12">
-            <a:extLst>
-              <a:ext uri="{FF2B5EF4-FFF2-40B4-BE49-F238E27FC236}">
-                <a16:creationId xmlns:a16="http://schemas.microsoft.com/office/drawing/2014/main" id="{0EF6D5CA-EF41-49E6-88A3-80F4D55C0F1E}"/>
-              </a:ext>
-            </a:extLst>
-          </p:cNvPr>
+          <p:cNvPr id="13" name="원형: 비어 있음 12"/>
           <p:cNvSpPr/>
           <p:nvPr/>
         </p:nvSpPr>
@@ -6449,7 +5854,9 @@
             <a:ext cx="10468802" cy="10468802"/>
           </a:xfrm>
           <a:prstGeom prst="donut">
-            <a:avLst/>
+            <a:avLst>
+              <a:gd name="adj" fmla="val 25000"/>
+            </a:avLst>
           </a:prstGeom>
           <a:solidFill>
             <a:schemeClr val="accent5"/>
@@ -6475,10 +5882,12 @@
           </a:fontRef>
         </p:style>
         <p:txBody>
-          <a:bodyPr rtlCol="0" anchor="ctr"/>
-          <a:lstStyle/>
-          <a:p>
-            <a:pPr algn="ctr"/>
+          <a:bodyPr anchor="ctr"/>
+          <a:lstStyle/>
+          <a:p>
+            <a:pPr algn="ctr">
+              <a:defRPr/>
+            </a:pPr>
             <a:endParaRPr kumimoji="1" lang="ko-KR" altLang="en-US" sz="1600">
               <a:solidFill>
                 <a:schemeClr val="tx1"/>
@@ -6522,10 +5931,12 @@
           </a:fontRef>
         </p:style>
         <p:txBody>
-          <a:bodyPr rtlCol="0" anchor="ctr"/>
-          <a:lstStyle/>
-          <a:p>
-            <a:pPr algn="ctr"/>
+          <a:bodyPr anchor="ctr"/>
+          <a:lstStyle/>
+          <a:p>
+            <a:pPr algn="ctr">
+              <a:defRPr/>
+            </a:pPr>
             <a:endParaRPr kumimoji="1" lang="ja-JP" altLang="en-US"/>
           </a:p>
         </p:txBody>
@@ -6565,10 +5976,12 @@
           </a:fontRef>
         </p:style>
         <p:txBody>
-          <a:bodyPr rtlCol="0" anchor="ctr"/>
-          <a:lstStyle/>
-          <a:p>
-            <a:pPr algn="ctr"/>
+          <a:bodyPr anchor="ctr"/>
+          <a:lstStyle/>
+          <a:p>
+            <a:pPr algn="ctr">
+              <a:defRPr/>
+            </a:pPr>
             <a:endParaRPr kumimoji="1" lang="ja-JP" altLang="en-US"/>
           </a:p>
         </p:txBody>
@@ -6592,13 +6005,16 @@
           <a:noFill/>
         </p:spPr>
         <p:txBody>
-          <a:bodyPr wrap="none" rtlCol="0">
+          <a:bodyPr wrap="none">
             <a:spAutoFit/>
           </a:bodyPr>
           <a:lstStyle/>
           <a:p>
-            <a:r>
-              <a:rPr lang="ko-KR" altLang="en-US" sz="3600" b="1" spc="600" dirty="0">
+            <a:pPr lvl="0">
+              <a:defRPr/>
+            </a:pPr>
+            <a:r>
+              <a:rPr lang="ko-KR" altLang="en-US" sz="3600" b="1" spc="600">
                 <a:solidFill>
                   <a:schemeClr val="tx1">
                     <a:lumMod val="75000"/>
@@ -6608,7 +6024,7 @@
               </a:rPr>
               <a:t>시계열 데이터</a:t>
             </a:r>
-            <a:endParaRPr lang="ja-JP" altLang="en-US" sz="3600" b="1" spc="600" dirty="0">
+            <a:endParaRPr lang="ja-JP" altLang="en-US" sz="3600" b="1" spc="600">
               <a:solidFill>
                 <a:schemeClr val="tx1">
                   <a:lumMod val="75000"/>
@@ -6636,13 +6052,16 @@
           <a:noFill/>
         </p:spPr>
         <p:txBody>
-          <a:bodyPr wrap="none" rtlCol="0">
+          <a:bodyPr wrap="none">
             <a:spAutoFit/>
           </a:bodyPr>
           <a:lstStyle/>
           <a:p>
-            <a:r>
-              <a:rPr lang="en-US" altLang="ja-JP" sz="1100" spc="600" dirty="0">
+            <a:pPr lvl="0">
+              <a:defRPr/>
+            </a:pPr>
+            <a:r>
+              <a:rPr lang="en-US" altLang="ja-JP" sz="1100" b="0" spc="600">
                 <a:solidFill>
                   <a:schemeClr val="tx1">
                     <a:lumMod val="75000"/>
@@ -6652,7 +6071,7 @@
               </a:rPr>
               <a:t>PART 2</a:t>
             </a:r>
-            <a:endParaRPr kumimoji="1" lang="ja-JP" altLang="en-US" sz="1100" spc="600" dirty="0">
+            <a:endParaRPr kumimoji="1" lang="ja-JP" altLang="en-US" sz="1100" b="0" spc="600">
               <a:solidFill>
                 <a:schemeClr val="tx1">
                   <a:lumMod val="75000"/>
@@ -6665,20 +6084,14 @@
       </p:sp>
       <p:sp>
         <p:nvSpPr>
-          <p:cNvPr id="6" name="TextBox 5">
-            <a:extLst>
-              <a:ext uri="{FF2B5EF4-FFF2-40B4-BE49-F238E27FC236}">
-                <a16:creationId xmlns:a16="http://schemas.microsoft.com/office/drawing/2014/main" id="{AAAFB176-A954-4BA6-A866-FB5B068674C0}"/>
-              </a:ext>
-            </a:extLst>
-          </p:cNvPr>
+          <p:cNvPr id="6" name="TextBox 5"/>
           <p:cNvSpPr txBox="1"/>
           <p:nvPr/>
         </p:nvSpPr>
         <p:spPr>
           <a:xfrm>
             <a:off x="861599" y="1467285"/>
-            <a:ext cx="10468802" cy="3996000"/>
+            <a:ext cx="10468802" cy="3188535"/>
           </a:xfrm>
           <a:prstGeom prst="rect">
             <a:avLst/>
@@ -6695,7 +6108,7 @@
           </a:ln>
         </p:spPr>
         <p:txBody>
-          <a:bodyPr wrap="square" rtlCol="0">
+          <a:bodyPr wrap="square">
             <a:spAutoFit/>
           </a:bodyPr>
           <a:lstStyle/>
@@ -6710,24 +6123,28 @@
               <a:spcAft>
                 <a:spcPts val="1200"/>
               </a:spcAft>
+              <a:defRPr/>
             </a:pPr>
             <a:r>
-              <a:rPr lang="ko-KR" altLang="ko-KR" sz="2400" kern="0" dirty="0">
-                <a:solidFill>
-                  <a:srgbClr val="24292E"/>
+              <a:rPr lang="ko-KR" altLang="ko-KR" sz="2400" kern="0">
+                <a:solidFill>
+                  <a:srgbClr val="24292e"/>
                 </a:solidFill>
                 <a:effectLst/>
-                <a:latin typeface="맑은 고딕" panose="020B0503020000020004" pitchFamily="50" charset="-127"/>
-                <a:ea typeface="맑은 고딕" panose="020B0503020000020004" pitchFamily="50" charset="-127"/>
-                <a:cs typeface="굴림" panose="020B0600000101010101" pitchFamily="50" charset="-127"/>
+                <a:latin typeface="맑은 고딕"/>
+                <a:ea typeface="맑은 고딕"/>
+                <a:cs typeface="굴림"/>
               </a:rPr>
               <a:t>시계열데이터</a:t>
             </a:r>
-            <a:endParaRPr lang="ko-KR" altLang="ko-KR" sz="2400" kern="100" dirty="0">
+            <a:endParaRPr lang="ko-KR" altLang="ko-KR" sz="2400" kern="0">
+              <a:solidFill>
+                <a:srgbClr val="24292e"/>
+              </a:solidFill>
               <a:effectLst/>
-              <a:latin typeface="맑은 고딕" panose="020B0503020000020004" pitchFamily="50" charset="-127"/>
-              <a:ea typeface="맑은 고딕" panose="020B0503020000020004" pitchFamily="50" charset="-127"/>
-              <a:cs typeface="Times New Roman" panose="02020603050405020304" pitchFamily="18" charset="0"/>
+              <a:latin typeface="맑은 고딕"/>
+              <a:ea typeface="맑은 고딕"/>
+              <a:cs typeface="굴림"/>
             </a:endParaRPr>
           </a:p>
           <a:p>
@@ -6738,38 +6155,54 @@
               <a:spcAft>
                 <a:spcPts val="800"/>
               </a:spcAft>
-              <a:buFont typeface="맑은 고딕" panose="020B0503020000020004" pitchFamily="50" charset="-127"/>
+              <a:buFont typeface="맑은 고딕"/>
               <a:buChar char="-"/>
+              <a:defRPr/>
             </a:pPr>
             <a:r>
-              <a:rPr lang="ko-KR" altLang="ko-KR" sz="1800" kern="0" dirty="0">
-                <a:solidFill>
-                  <a:srgbClr val="24292E"/>
+              <a:rPr lang="ko-KR" altLang="ko-KR" sz="1800" kern="0">
+                <a:solidFill>
+                  <a:srgbClr val="24292e"/>
                 </a:solidFill>
                 <a:effectLst/>
-                <a:latin typeface="맑은 고딕" panose="020B0503020000020004" pitchFamily="50" charset="-127"/>
-                <a:ea typeface="맑은 고딕" panose="020B0503020000020004" pitchFamily="50" charset="-127"/>
-                <a:cs typeface="굴림" panose="020B0600000101010101" pitchFamily="50" charset="-127"/>
+                <a:latin typeface="맑은 고딕"/>
+                <a:ea typeface="맑은 고딕"/>
+                <a:cs typeface="굴림"/>
               </a:rPr>
               <a:t>시계열 데이터란 시간의 흐름에 따라 관찰된 데이터를 의미합니다</a:t>
             </a:r>
             <a:r>
-              <a:rPr lang="en-US" altLang="ko-KR" sz="1800" kern="0" dirty="0">
-                <a:solidFill>
-                  <a:srgbClr val="24292E"/>
+              <a:rPr lang="en-US" altLang="ko-KR" sz="1800" kern="0">
+                <a:solidFill>
+                  <a:srgbClr val="24292e"/>
                 </a:solidFill>
                 <a:effectLst/>
-                <a:latin typeface="맑은 고딕" panose="020B0503020000020004" pitchFamily="50" charset="-127"/>
-                <a:ea typeface="맑은 고딕" panose="020B0503020000020004" pitchFamily="50" charset="-127"/>
-                <a:cs typeface="굴림" panose="020B0600000101010101" pitchFamily="50" charset="-127"/>
+                <a:latin typeface="맑은 고딕"/>
+                <a:ea typeface="맑은 고딕"/>
+                <a:cs typeface="굴림"/>
               </a:rPr>
               <a:t>.</a:t>
             </a:r>
-            <a:endParaRPr lang="ko-KR" altLang="ko-KR" sz="1800" kern="100" dirty="0">
+            <a:r>
+              <a:rPr lang="en-US" altLang="ko-KR" sz="1800" kern="0">
+                <a:solidFill>
+                  <a:srgbClr val="000000"/>
+                </a:solidFill>
+                <a:effectLst/>
+                <a:latin typeface="맑은 고딕"/>
+                <a:ea typeface="맑은 고딕"/>
+                <a:cs typeface="굴림"/>
+              </a:rPr>
+              <a:t> </a:t>
+            </a:r>
+            <a:endParaRPr lang="en-US" altLang="ko-KR" sz="1800" kern="0">
+              <a:solidFill>
+                <a:srgbClr val="000000"/>
+              </a:solidFill>
               <a:effectLst/>
-              <a:latin typeface="맑은 고딕" panose="020B0503020000020004" pitchFamily="50" charset="-127"/>
-              <a:ea typeface="맑은 고딕" panose="020B0503020000020004" pitchFamily="50" charset="-127"/>
-              <a:cs typeface="굴림" panose="020B0600000101010101" pitchFamily="50" charset="-127"/>
+              <a:latin typeface="맑은 고딕"/>
+              <a:ea typeface="맑은 고딕"/>
+              <a:cs typeface="굴림"/>
             </a:endParaRPr>
           </a:p>
           <a:p>
@@ -6780,66 +6213,18 @@
               <a:spcAft>
                 <a:spcPts val="800"/>
               </a:spcAft>
-              <a:buFont typeface="맑은 고딕" panose="020B0503020000020004" pitchFamily="50" charset="-127"/>
+              <a:buFont typeface="맑은 고딕"/>
               <a:buChar char="-"/>
+              <a:defRPr/>
             </a:pPr>
-            <a:r>
-              <a:rPr lang="ko-KR" altLang="ko-KR" sz="1800" kern="0" dirty="0">
-                <a:solidFill>
-                  <a:srgbClr val="24292E"/>
-                </a:solidFill>
-                <a:effectLst/>
-                <a:latin typeface="맑은 고딕" panose="020B0503020000020004" pitchFamily="50" charset="-127"/>
-                <a:ea typeface="맑은 고딕" panose="020B0503020000020004" pitchFamily="50" charset="-127"/>
-                <a:cs typeface="굴림" panose="020B0600000101010101" pitchFamily="50" charset="-127"/>
-              </a:rPr>
-              <a:t>시계열 데이터 분석의 목적은 미래를 예측하는 것입니다</a:t>
-            </a:r>
-            <a:r>
-              <a:rPr lang="en-US" altLang="ko-KR" sz="1800" kern="0" dirty="0">
-                <a:solidFill>
-                  <a:srgbClr val="24292E"/>
-                </a:solidFill>
-                <a:effectLst/>
-                <a:latin typeface="맑은 고딕" panose="020B0503020000020004" pitchFamily="50" charset="-127"/>
-                <a:ea typeface="맑은 고딕" panose="020B0503020000020004" pitchFamily="50" charset="-127"/>
-                <a:cs typeface="굴림" panose="020B0600000101010101" pitchFamily="50" charset="-127"/>
-              </a:rPr>
-              <a:t>.</a:t>
-            </a:r>
-            <a:endParaRPr lang="ko-KR" altLang="ko-KR" sz="1800" kern="100" dirty="0">
+            <a:endParaRPr lang="en-US" altLang="ko-KR" sz="1800" kern="0">
+              <a:solidFill>
+                <a:srgbClr val="000000"/>
+              </a:solidFill>
               <a:effectLst/>
-              <a:latin typeface="맑은 고딕" panose="020B0503020000020004" pitchFamily="50" charset="-127"/>
-              <a:ea typeface="맑은 고딕" panose="020B0503020000020004" pitchFamily="50" charset="-127"/>
-              <a:cs typeface="굴림" panose="020B0600000101010101" pitchFamily="50" charset="-127"/>
-            </a:endParaRPr>
-          </a:p>
-          <a:p>
-            <a:pPr algn="just" fontAlgn="base" latinLnBrk="1">
-              <a:lnSpc>
-                <a:spcPct val="120000"/>
-              </a:lnSpc>
-              <a:spcAft>
-                <a:spcPts val="800"/>
-              </a:spcAft>
-            </a:pPr>
-            <a:r>
-              <a:rPr lang="en-US" altLang="ko-KR" sz="1800" kern="0" dirty="0">
-                <a:solidFill>
-                  <a:srgbClr val="000000"/>
-                </a:solidFill>
-                <a:effectLst/>
-                <a:latin typeface="맑은 고딕" panose="020B0503020000020004" pitchFamily="50" charset="-127"/>
-                <a:ea typeface="맑은 고딕" panose="020B0503020000020004" pitchFamily="50" charset="-127"/>
-                <a:cs typeface="굴림" panose="020B0600000101010101" pitchFamily="50" charset="-127"/>
-              </a:rPr>
-              <a:t> </a:t>
-            </a:r>
-            <a:endParaRPr lang="ko-KR" altLang="ko-KR" sz="2400" kern="100" dirty="0">
-              <a:effectLst/>
-              <a:latin typeface="맑은 고딕" panose="020B0503020000020004" pitchFamily="50" charset="-127"/>
-              <a:ea typeface="맑은 고딕" panose="020B0503020000020004" pitchFamily="50" charset="-127"/>
-              <a:cs typeface="Times New Roman" panose="02020603050405020304" pitchFamily="18" charset="0"/>
+              <a:latin typeface="맑은 고딕"/>
+              <a:ea typeface="맑은 고딕"/>
+              <a:cs typeface="굴림"/>
             </a:endParaRPr>
           </a:p>
           <a:p>
@@ -6850,16 +6235,23 @@
               <a:spcAft>
                 <a:spcPts val="800"/>
               </a:spcAft>
+              <a:defRPr/>
             </a:pPr>
             <a:r>
-              <a:rPr lang="ko-KR" altLang="ko-KR" sz="2400" kern="100" dirty="0">
+              <a:rPr lang="ko-KR" altLang="ko-KR" sz="2400" kern="100">
                 <a:effectLst/>
-                <a:latin typeface="맑은 고딕" panose="020B0503020000020004" pitchFamily="50" charset="-127"/>
-                <a:ea typeface="맑은 고딕" panose="020B0503020000020004" pitchFamily="50" charset="-127"/>
-                <a:cs typeface="Times New Roman" panose="02020603050405020304" pitchFamily="18" charset="0"/>
+                <a:latin typeface="맑은 고딕"/>
+                <a:ea typeface="맑은 고딕"/>
+                <a:cs typeface="Times New Roman"/>
               </a:rPr>
               <a:t>정상성 시계열과 비정상성 시계열</a:t>
             </a:r>
+            <a:endParaRPr lang="ko-KR" altLang="ko-KR" sz="2400" kern="100">
+              <a:effectLst/>
+              <a:latin typeface="맑은 고딕"/>
+              <a:ea typeface="맑은 고딕"/>
+              <a:cs typeface="Times New Roman"/>
+            </a:endParaRPr>
           </a:p>
           <a:p>
             <a:pPr marL="342900" lvl="0" indent="-342900" algn="just" latinLnBrk="1">
@@ -6869,32 +6261,33 @@
               <a:spcAft>
                 <a:spcPts val="800"/>
               </a:spcAft>
-              <a:buFont typeface="맑은 고딕" panose="020B0503020000020004" pitchFamily="50" charset="-127"/>
+              <a:buFont typeface="맑은 고딕"/>
               <a:buChar char="-"/>
+              <a:defRPr/>
             </a:pPr>
             <a:r>
-              <a:rPr lang="ko-KR" altLang="ko-KR" sz="1800" kern="100" dirty="0">
+              <a:rPr lang="ko-KR" altLang="ko-KR" sz="1800" kern="100">
                 <a:effectLst/>
-                <a:latin typeface="맑은 고딕" panose="020B0503020000020004" pitchFamily="50" charset="-127"/>
-                <a:ea typeface="맑은 고딕" panose="020B0503020000020004" pitchFamily="50" charset="-127"/>
-                <a:cs typeface="굴림" panose="020B0600000101010101" pitchFamily="50" charset="-127"/>
+                <a:latin typeface="맑은 고딕"/>
+                <a:ea typeface="맑은 고딕"/>
+                <a:cs typeface="굴림"/>
               </a:rPr>
               <a:t>정상성 시계열은 어떤 시계열자료의 변화 패턴이 평균값을 중심으로 일정한 변동폭을 갖는 시계열로 시간의 추이와 관계없이 평균과 분산이 일정합니다</a:t>
             </a:r>
             <a:r>
-              <a:rPr lang="en-US" altLang="ko-KR" sz="1800" kern="100" dirty="0">
+              <a:rPr lang="en-US" altLang="ko-KR" sz="1800" kern="100">
                 <a:effectLst/>
-                <a:latin typeface="맑은 고딕" panose="020B0503020000020004" pitchFamily="50" charset="-127"/>
-                <a:ea typeface="맑은 고딕" panose="020B0503020000020004" pitchFamily="50" charset="-127"/>
-                <a:cs typeface="굴림" panose="020B0600000101010101" pitchFamily="50" charset="-127"/>
+                <a:latin typeface="맑은 고딕"/>
+                <a:ea typeface="맑은 고딕"/>
+                <a:cs typeface="굴림"/>
               </a:rPr>
               <a:t>.</a:t>
             </a:r>
-            <a:endParaRPr lang="ko-KR" altLang="ko-KR" sz="1800" kern="100" dirty="0">
+            <a:endParaRPr lang="en-US" altLang="ko-KR" sz="1800" kern="100">
               <a:effectLst/>
-              <a:latin typeface="맑은 고딕" panose="020B0503020000020004" pitchFamily="50" charset="-127"/>
-              <a:ea typeface="맑은 고딕" panose="020B0503020000020004" pitchFamily="50" charset="-127"/>
-              <a:cs typeface="굴림" panose="020B0600000101010101" pitchFamily="50" charset="-127"/>
+              <a:latin typeface="맑은 고딕"/>
+              <a:ea typeface="맑은 고딕"/>
+              <a:cs typeface="굴림"/>
             </a:endParaRPr>
           </a:p>
           <a:p>
@@ -6905,54 +6298,50 @@
               <a:spcAft>
                 <a:spcPts val="800"/>
               </a:spcAft>
-              <a:buFont typeface="맑은 고딕" panose="020B0503020000020004" pitchFamily="50" charset="-127"/>
+              <a:buFont typeface="맑은 고딕"/>
               <a:buChar char="-"/>
+              <a:defRPr/>
             </a:pPr>
             <a:r>
-              <a:rPr lang="ko-KR" altLang="en-US" sz="1800" kern="100" dirty="0">
+              <a:rPr lang="ko-KR" altLang="en-US" sz="1800" kern="100">
                 <a:effectLst/>
-                <a:latin typeface="맑은 고딕" panose="020B0503020000020004" pitchFamily="50" charset="-127"/>
-                <a:ea typeface="맑은 고딕" panose="020B0503020000020004" pitchFamily="50" charset="-127"/>
-                <a:cs typeface="굴림" panose="020B0600000101010101" pitchFamily="50" charset="-127"/>
+                <a:latin typeface="맑은 고딕"/>
+                <a:ea typeface="맑은 고딕"/>
+                <a:cs typeface="굴림"/>
               </a:rPr>
               <a:t>비정상성 시계열은 시간의 추이에 따라서 점진적으로 증가하는 추세를 보이거나 분산이 일정하지 않은 특징을 가진 시계열로 대부분의 시계열자료 입니다</a:t>
             </a:r>
             <a:r>
-              <a:rPr lang="en-US" altLang="ko-KR" sz="1800" kern="100" dirty="0">
+              <a:rPr lang="en-US" altLang="ko-KR" sz="1800" kern="100">
                 <a:effectLst/>
-                <a:latin typeface="맑은 고딕" panose="020B0503020000020004" pitchFamily="50" charset="-127"/>
-                <a:ea typeface="맑은 고딕" panose="020B0503020000020004" pitchFamily="50" charset="-127"/>
-                <a:cs typeface="굴림" panose="020B0600000101010101" pitchFamily="50" charset="-127"/>
+                <a:latin typeface="맑은 고딕"/>
+                <a:ea typeface="맑은 고딕"/>
+                <a:cs typeface="굴림"/>
               </a:rPr>
               <a:t>. </a:t>
             </a:r>
-            <a:endParaRPr lang="ko-KR" altLang="ko-KR" sz="1800" kern="100" dirty="0">
+            <a:endParaRPr lang="ko-KR" altLang="ko-KR" sz="1800" kern="100">
               <a:effectLst/>
-              <a:latin typeface="맑은 고딕" panose="020B0503020000020004" pitchFamily="50" charset="-127"/>
-              <a:ea typeface="맑은 고딕" panose="020B0503020000020004" pitchFamily="50" charset="-127"/>
-              <a:cs typeface="굴림" panose="020B0600000101010101" pitchFamily="50" charset="-127"/>
+              <a:latin typeface="맑은 고딕"/>
+              <a:ea typeface="맑은 고딕"/>
+              <a:cs typeface="굴림"/>
             </a:endParaRPr>
           </a:p>
         </p:txBody>
       </p:sp>
     </p:spTree>
-    <p:extLst>
-      <p:ext uri="{BB962C8B-B14F-4D97-AF65-F5344CB8AC3E}">
-        <p14:creationId xmlns:p14="http://schemas.microsoft.com/office/powerpoint/2010/main" val="3729737987"/>
-      </p:ext>
-    </p:extLst>
   </p:cSld>
   <p:clrMapOvr>
     <a:masterClrMapping/>
   </p:clrMapOvr>
-  <mc:AlternateContent xmlns:mc="http://schemas.openxmlformats.org/markup-compatibility/2006" xmlns:p159="http://schemas.microsoft.com/office/powerpoint/2015/09/main">
-    <mc:Choice Requires="p159">
-      <p:transition xmlns:p14="http://schemas.microsoft.com/office/powerpoint/2010/main" spd="slow" p14:dur="2000">
-        <p159:morph option="byObject"/>
+  <mc:AlternateContent xmlns:mc="http://schemas.openxmlformats.org/markup-compatibility/2006">
+    <mc:Choice xmlns:p14="http://schemas.microsoft.com/office/powerpoint/2010/main" Requires="p14">
+      <p:transition xmlns:mc="http://schemas.openxmlformats.org/markup-compatibility/2006" xmlns:p14="http://schemas.microsoft.com/office/powerpoint/2010/main" spd="med" mc:Ignorable="p14" p14:dur="1000">
+        <p:fade/>
       </p:transition>
     </mc:Choice>
-    <mc:Fallback xmlns="">
-      <p:transition spd="slow">
+    <mc:Fallback>
+      <p:transition xmlns:mc="http://schemas.openxmlformats.org/markup-compatibility/2006" xmlns:hp="http://schemas.haansoft.com/office/presentation/8.0" spd="med" mc:Ignorable="hp" hp:hslDur="1000">
         <p:fade/>
       </p:transition>
     </mc:Fallback>
@@ -6961,7 +6350,7 @@
 </file>
 
 <file path=ppt/slides/slide13.xml><?xml version="1.0" encoding="utf-8"?>
-<p:sld xmlns:a="http://schemas.openxmlformats.org/drawingml/2006/main" xmlns:r="http://schemas.openxmlformats.org/officeDocument/2006/relationships" xmlns:p="http://schemas.openxmlformats.org/presentationml/2006/main">
+<p:sld xmlns:r="http://schemas.openxmlformats.org/officeDocument/2006/relationships" xmlns:c="http://schemas.openxmlformats.org/drawingml/2006/chart" xmlns:a="http://schemas.openxmlformats.org/drawingml/2006/main" xmlns:dgm="http://schemas.openxmlformats.org/drawingml/2006/diagram" xmlns:dsp="http://schemas.microsoft.com/office/drawing/2008/diagram" xmlns:p="http://schemas.openxmlformats.org/presentationml/2006/main">
   <p:cSld>
     <p:spTree>
       <p:nvGrpSpPr>
@@ -6979,13 +6368,7 @@
       </p:grpSpPr>
       <p:sp>
         <p:nvSpPr>
-          <p:cNvPr id="9" name="원형: 비어 있음 8">
-            <a:extLst>
-              <a:ext uri="{FF2B5EF4-FFF2-40B4-BE49-F238E27FC236}">
-                <a16:creationId xmlns:a16="http://schemas.microsoft.com/office/drawing/2014/main" id="{C9250A9D-AAE1-4F89-B8A9-B92101EF40FC}"/>
-              </a:ext>
-            </a:extLst>
-          </p:cNvPr>
+          <p:cNvPr id="9" name="원형: 비어 있음 8"/>
           <p:cNvSpPr/>
           <p:nvPr/>
         </p:nvSpPr>
@@ -6995,7 +6378,9 @@
             <a:ext cx="10468802" cy="10468802"/>
           </a:xfrm>
           <a:prstGeom prst="donut">
-            <a:avLst/>
+            <a:avLst>
+              <a:gd name="adj" fmla="val 25000"/>
+            </a:avLst>
           </a:prstGeom>
           <a:solidFill>
             <a:schemeClr val="accent5">
@@ -7023,11 +6408,13 @@
           </a:fontRef>
         </p:style>
         <p:txBody>
-          <a:bodyPr rtlCol="0" anchor="ctr"/>
-          <a:lstStyle/>
-          <a:p>
-            <a:pPr algn="ctr"/>
-            <a:endParaRPr kumimoji="1" lang="ko-KR" altLang="en-US" sz="1600" dirty="0">
+          <a:bodyPr anchor="ctr"/>
+          <a:lstStyle/>
+          <a:p>
+            <a:pPr algn="ctr">
+              <a:defRPr/>
+            </a:pPr>
+            <a:endParaRPr kumimoji="1" lang="ko-KR" altLang="en-US" sz="1600">
               <a:solidFill>
                 <a:schemeClr val="tx1"/>
               </a:solidFill>
@@ -7070,10 +6457,12 @@
           </a:fontRef>
         </p:style>
         <p:txBody>
-          <a:bodyPr rtlCol="0" anchor="ctr"/>
-          <a:lstStyle/>
-          <a:p>
-            <a:pPr algn="ctr"/>
+          <a:bodyPr anchor="ctr"/>
+          <a:lstStyle/>
+          <a:p>
+            <a:pPr algn="ctr">
+              <a:defRPr/>
+            </a:pPr>
             <a:endParaRPr kumimoji="1" lang="ja-JP" altLang="en-US"/>
           </a:p>
         </p:txBody>
@@ -7113,10 +6502,12 @@
           </a:fontRef>
         </p:style>
         <p:txBody>
-          <a:bodyPr rtlCol="0" anchor="ctr"/>
-          <a:lstStyle/>
-          <a:p>
-            <a:pPr algn="ctr"/>
+          <a:bodyPr anchor="ctr"/>
+          <a:lstStyle/>
+          <a:p>
+            <a:pPr algn="ctr">
+              <a:defRPr/>
+            </a:pPr>
             <a:endParaRPr kumimoji="1" lang="ja-JP" altLang="en-US"/>
           </a:p>
         </p:txBody>
@@ -7140,13 +6531,16 @@
           <a:noFill/>
         </p:spPr>
         <p:txBody>
-          <a:bodyPr wrap="none" rtlCol="0">
+          <a:bodyPr wrap="none">
             <a:spAutoFit/>
           </a:bodyPr>
           <a:lstStyle/>
           <a:p>
-            <a:r>
-              <a:rPr lang="en-US" altLang="ja-JP" sz="3600" b="1" spc="600" dirty="0">
+            <a:pPr lvl="0">
+              <a:defRPr/>
+            </a:pPr>
+            <a:r>
+              <a:rPr lang="en-US" altLang="ja-JP" sz="3600" b="1" spc="600">
                 <a:solidFill>
                   <a:schemeClr val="tx1">
                     <a:lumMod val="75000"/>
@@ -7157,7 +6551,7 @@
               <a:t>Prophet </a:t>
             </a:r>
             <a:r>
-              <a:rPr lang="ko-KR" altLang="en-US" sz="3600" b="1" spc="600" dirty="0">
+              <a:rPr lang="ko-KR" altLang="en-US" sz="3600" b="1" spc="600">
                 <a:solidFill>
                   <a:schemeClr val="tx1">
                     <a:lumMod val="75000"/>
@@ -7167,7 +6561,7 @@
               </a:rPr>
               <a:t>모델</a:t>
             </a:r>
-            <a:endParaRPr lang="ja-JP" altLang="en-US" sz="3600" b="1" spc="600" dirty="0">
+            <a:endParaRPr lang="ja-JP" altLang="en-US" sz="3600" b="1" spc="600">
               <a:solidFill>
                 <a:schemeClr val="tx1">
                   <a:lumMod val="75000"/>
@@ -7195,13 +6589,16 @@
           <a:noFill/>
         </p:spPr>
         <p:txBody>
-          <a:bodyPr wrap="none" rtlCol="0">
+          <a:bodyPr wrap="none">
             <a:spAutoFit/>
           </a:bodyPr>
           <a:lstStyle/>
           <a:p>
-            <a:r>
-              <a:rPr lang="en-US" altLang="ja-JP" sz="1100" spc="600" dirty="0">
+            <a:pPr lvl="0">
+              <a:defRPr/>
+            </a:pPr>
+            <a:r>
+              <a:rPr lang="en-US" altLang="ja-JP" sz="1100" b="0" spc="600">
                 <a:solidFill>
                   <a:schemeClr val="tx1">
                     <a:lumMod val="75000"/>
@@ -7211,7 +6608,7 @@
               </a:rPr>
               <a:t>PART 2</a:t>
             </a:r>
-            <a:endParaRPr kumimoji="1" lang="ja-JP" altLang="en-US" sz="1100" spc="600" dirty="0">
+            <a:endParaRPr kumimoji="1" lang="ja-JP" altLang="en-US" sz="1100" b="0" spc="600">
               <a:solidFill>
                 <a:schemeClr val="tx1">
                   <a:lumMod val="75000"/>
@@ -7224,13 +6621,7 @@
       </p:sp>
       <p:sp>
         <p:nvSpPr>
-          <p:cNvPr id="7" name="TextBox 6">
-            <a:extLst>
-              <a:ext uri="{FF2B5EF4-FFF2-40B4-BE49-F238E27FC236}">
-                <a16:creationId xmlns:a16="http://schemas.microsoft.com/office/drawing/2014/main" id="{24F0AE64-4E4C-499E-A718-7A954EA14407}"/>
-              </a:ext>
-            </a:extLst>
-          </p:cNvPr>
+          <p:cNvPr id="7" name="TextBox 6"/>
           <p:cNvSpPr txBox="1"/>
           <p:nvPr/>
         </p:nvSpPr>
@@ -7254,7 +6645,7 @@
           </a:ln>
         </p:spPr>
         <p:txBody>
-          <a:bodyPr wrap="square" rtlCol="0">
+          <a:bodyPr wrap="square">
             <a:spAutoFit/>
           </a:bodyPr>
           <a:lstStyle/>
@@ -7266,36 +6657,40 @@
               <a:spcAft>
                 <a:spcPts val="800"/>
               </a:spcAft>
+              <a:defRPr/>
             </a:pPr>
             <a:r>
-              <a:rPr lang="ko-KR" altLang="ko-KR" sz="2400" kern="100" dirty="0">
-                <a:solidFill>
-                  <a:srgbClr val="24292E"/>
+              <a:rPr lang="ko-KR" altLang="ko-KR" sz="2400" kern="100">
+                <a:solidFill>
+                  <a:srgbClr val="24292e"/>
                 </a:solidFill>
                 <a:effectLst/>
-                <a:latin typeface="맑은 고딕" panose="020B0503020000020004" pitchFamily="50" charset="-127"/>
-                <a:ea typeface="맑은 고딕" panose="020B0503020000020004" pitchFamily="50" charset="-127"/>
-                <a:cs typeface="Times New Roman" panose="02020603050405020304" pitchFamily="18" charset="0"/>
+                <a:latin typeface="맑은 고딕"/>
+                <a:ea typeface="맑은 고딕"/>
+                <a:cs typeface="Times New Roman"/>
               </a:rPr>
               <a:t>시계열 분석 모델</a:t>
             </a:r>
             <a:r>
-              <a:rPr lang="en-US" altLang="ko-KR" sz="2400" kern="100" dirty="0">
-                <a:solidFill>
-                  <a:srgbClr val="24292E"/>
+              <a:rPr lang="en-US" altLang="ko-KR" sz="2400" kern="100">
+                <a:solidFill>
+                  <a:srgbClr val="24292e"/>
                 </a:solidFill>
                 <a:effectLst/>
-                <a:latin typeface="맑은 고딕" panose="020B0503020000020004" pitchFamily="50" charset="-127"/>
-                <a:ea typeface="맑은 고딕" panose="020B0503020000020004" pitchFamily="50" charset="-127"/>
-                <a:cs typeface="Times New Roman" panose="02020603050405020304" pitchFamily="18" charset="0"/>
+                <a:latin typeface="맑은 고딕"/>
+                <a:ea typeface="맑은 고딕"/>
+                <a:cs typeface="Times New Roman"/>
               </a:rPr>
               <a:t> Prophet</a:t>
             </a:r>
-            <a:endParaRPr lang="ko-KR" altLang="ko-KR" sz="2400" kern="100" dirty="0">
+            <a:endParaRPr lang="en-US" altLang="ko-KR" sz="2400" kern="100">
+              <a:solidFill>
+                <a:srgbClr val="24292e"/>
+              </a:solidFill>
               <a:effectLst/>
-              <a:latin typeface="맑은 고딕" panose="020B0503020000020004" pitchFamily="50" charset="-127"/>
-              <a:ea typeface="맑은 고딕" panose="020B0503020000020004" pitchFamily="50" charset="-127"/>
-              <a:cs typeface="Times New Roman" panose="02020603050405020304" pitchFamily="18" charset="0"/>
+              <a:latin typeface="맑은 고딕"/>
+              <a:ea typeface="맑은 고딕"/>
+              <a:cs typeface="Times New Roman"/>
             </a:endParaRPr>
           </a:p>
           <a:p>
@@ -7306,235 +6701,209 @@
               <a:spcAft>
                 <a:spcPts val="800"/>
               </a:spcAft>
-              <a:buFont typeface="맑은 고딕" panose="020B0503020000020004" pitchFamily="50" charset="-127"/>
+              <a:buFont typeface="맑은 고딕"/>
               <a:buChar char="-"/>
+              <a:defRPr/>
             </a:pPr>
             <a:r>
-              <a:rPr lang="en-US" altLang="ko-KR" kern="100" dirty="0">
-                <a:solidFill>
-                  <a:srgbClr val="24292E"/>
+              <a:rPr lang="en-US" altLang="ko-KR" kern="100">
+                <a:solidFill>
+                  <a:srgbClr val="24292e"/>
                 </a:solidFill>
                 <a:effectLst/>
-                <a:latin typeface="맑은 고딕" panose="020B0503020000020004" pitchFamily="50" charset="-127"/>
-                <a:ea typeface="맑은 고딕" panose="020B0503020000020004" pitchFamily="50" charset="-127"/>
-                <a:cs typeface="굴림" panose="020B0600000101010101" pitchFamily="50" charset="-127"/>
+                <a:latin typeface="맑은 고딕"/>
+                <a:ea typeface="맑은 고딕"/>
+                <a:cs typeface="굴림"/>
               </a:rPr>
               <a:t>Additive </a:t>
             </a:r>
             <a:r>
-              <a:rPr lang="ko-KR" altLang="ko-KR" kern="100" dirty="0">
-                <a:solidFill>
-                  <a:srgbClr val="24292E"/>
+              <a:rPr lang="ko-KR" altLang="ko-KR" kern="100">
+                <a:solidFill>
+                  <a:srgbClr val="24292e"/>
                 </a:solidFill>
                 <a:effectLst/>
-                <a:latin typeface="맑은 고딕" panose="020B0503020000020004" pitchFamily="50" charset="-127"/>
-                <a:ea typeface="맑은 고딕" panose="020B0503020000020004" pitchFamily="50" charset="-127"/>
-                <a:cs typeface="굴림" panose="020B0600000101010101" pitchFamily="50" charset="-127"/>
+                <a:latin typeface="맑은 고딕"/>
+                <a:ea typeface="맑은 고딕"/>
+                <a:cs typeface="굴림"/>
               </a:rPr>
               <a:t>모델</a:t>
             </a:r>
             <a:r>
-              <a:rPr lang="ko-KR" altLang="en-US" kern="100" dirty="0">
-                <a:solidFill>
-                  <a:srgbClr val="24292E"/>
-                </a:solidFill>
-                <a:latin typeface="맑은 고딕" panose="020B0503020000020004" pitchFamily="50" charset="-127"/>
-                <a:ea typeface="맑은 고딕" panose="020B0503020000020004" pitchFamily="50" charset="-127"/>
-                <a:cs typeface="굴림" panose="020B0600000101010101" pitchFamily="50" charset="-127"/>
+              <a:rPr lang="ko-KR" altLang="en-US" kern="100">
+                <a:solidFill>
+                  <a:srgbClr val="24292e"/>
+                </a:solidFill>
+                <a:latin typeface="맑은 고딕"/>
+                <a:ea typeface="맑은 고딕"/>
+                <a:cs typeface="굴림"/>
               </a:rPr>
               <a:t>을 </a:t>
             </a:r>
             <a:r>
-              <a:rPr lang="ko-KR" altLang="ko-KR" kern="100" dirty="0">
-                <a:solidFill>
-                  <a:srgbClr val="24292E"/>
+              <a:rPr lang="ko-KR" altLang="ko-KR" kern="100">
+                <a:solidFill>
+                  <a:srgbClr val="24292e"/>
                 </a:solidFill>
                 <a:effectLst/>
-                <a:latin typeface="맑은 고딕" panose="020B0503020000020004" pitchFamily="50" charset="-127"/>
-                <a:ea typeface="맑은 고딕" panose="020B0503020000020004" pitchFamily="50" charset="-127"/>
-                <a:cs typeface="굴림" panose="020B0600000101010101" pitchFamily="50" charset="-127"/>
-              </a:rPr>
-              <a:t>개량한 분석 모델로 선형적이지 않은 시계열 데이터의 </a:t>
-            </a:r>
-            <a:r>
-              <a:rPr lang="ko-KR" altLang="ko-KR" kern="100" dirty="0" err="1">
-                <a:solidFill>
-                  <a:srgbClr val="24292E"/>
+                <a:latin typeface="맑은 고딕"/>
+                <a:ea typeface="맑은 고딕"/>
+                <a:cs typeface="굴림"/>
+              </a:rPr>
+              <a:t>개량한 분석 모델로 선형적이지 않은 시계열 데이터의 트렌드성을</a:t>
+            </a:r>
+            <a:r>
+              <a:rPr lang="en-US" altLang="ko-KR" kern="100">
+                <a:solidFill>
+                  <a:srgbClr val="24292e"/>
                 </a:solidFill>
                 <a:effectLst/>
-                <a:latin typeface="맑은 고딕" panose="020B0503020000020004" pitchFamily="50" charset="-127"/>
-                <a:ea typeface="맑은 고딕" panose="020B0503020000020004" pitchFamily="50" charset="-127"/>
-                <a:cs typeface="굴림" panose="020B0600000101010101" pitchFamily="50" charset="-127"/>
-              </a:rPr>
-              <a:t>트렌드성을</a:t>
-            </a:r>
-            <a:r>
-              <a:rPr lang="en-US" altLang="ko-KR" kern="100" dirty="0">
-                <a:solidFill>
-                  <a:srgbClr val="24292E"/>
+                <a:latin typeface="맑은 고딕"/>
+                <a:ea typeface="맑은 고딕"/>
+                <a:cs typeface="굴림"/>
+              </a:rPr>
+              <a:t>(</a:t>
+            </a:r>
+            <a:r>
+              <a:rPr lang="ko-KR" altLang="ko-KR" kern="100">
+                <a:solidFill>
+                  <a:srgbClr val="24292e"/>
                 </a:solidFill>
                 <a:effectLst/>
-                <a:latin typeface="맑은 고딕" panose="020B0503020000020004" pitchFamily="50" charset="-127"/>
-                <a:ea typeface="맑은 고딕" panose="020B0503020000020004" pitchFamily="50" charset="-127"/>
-                <a:cs typeface="굴림" panose="020B0600000101010101" pitchFamily="50" charset="-127"/>
-              </a:rPr>
-              <a:t>(</a:t>
-            </a:r>
-            <a:r>
-              <a:rPr lang="ko-KR" altLang="ko-KR" kern="100" dirty="0">
-                <a:solidFill>
-                  <a:srgbClr val="24292E"/>
+                <a:latin typeface="맑은 고딕"/>
+                <a:ea typeface="맑은 고딕"/>
+                <a:cs typeface="굴림"/>
+              </a:rPr>
+              <a:t>연간</a:t>
+            </a:r>
+            <a:r>
+              <a:rPr lang="en-US" altLang="ko-KR" kern="100">
+                <a:solidFill>
+                  <a:srgbClr val="24292e"/>
                 </a:solidFill>
                 <a:effectLst/>
-                <a:latin typeface="맑은 고딕" panose="020B0503020000020004" pitchFamily="50" charset="-127"/>
-                <a:ea typeface="맑은 고딕" panose="020B0503020000020004" pitchFamily="50" charset="-127"/>
-                <a:cs typeface="굴림" panose="020B0600000101010101" pitchFamily="50" charset="-127"/>
-              </a:rPr>
-              <a:t>연간</a:t>
-            </a:r>
-            <a:r>
-              <a:rPr lang="en-US" altLang="ko-KR" kern="100" dirty="0">
-                <a:solidFill>
-                  <a:srgbClr val="24292E"/>
+                <a:latin typeface="맑은 고딕"/>
+                <a:ea typeface="맑은 고딕"/>
+                <a:cs typeface="굴림"/>
+              </a:rPr>
+              <a:t>/</a:t>
+            </a:r>
+            <a:r>
+              <a:rPr lang="ko-KR" altLang="ko-KR" kern="100">
+                <a:solidFill>
+                  <a:srgbClr val="24292e"/>
                 </a:solidFill>
                 <a:effectLst/>
-                <a:latin typeface="맑은 고딕" panose="020B0503020000020004" pitchFamily="50" charset="-127"/>
-                <a:ea typeface="맑은 고딕" panose="020B0503020000020004" pitchFamily="50" charset="-127"/>
-                <a:cs typeface="굴림" panose="020B0600000101010101" pitchFamily="50" charset="-127"/>
+                <a:latin typeface="맑은 고딕"/>
+                <a:ea typeface="맑은 고딕"/>
+                <a:cs typeface="굴림"/>
+              </a:rPr>
+              <a:t>월간</a:t>
+            </a:r>
+            <a:r>
+              <a:rPr lang="en-US" altLang="ko-KR" kern="100">
+                <a:solidFill>
+                  <a:srgbClr val="24292e"/>
+                </a:solidFill>
+                <a:effectLst/>
+                <a:latin typeface="맑은 고딕"/>
+                <a:ea typeface="맑은 고딕"/>
+                <a:cs typeface="굴림"/>
               </a:rPr>
               <a:t>/</a:t>
             </a:r>
             <a:r>
-              <a:rPr lang="ko-KR" altLang="ko-KR" kern="100" dirty="0">
-                <a:solidFill>
-                  <a:srgbClr val="24292E"/>
+              <a:rPr lang="ko-KR" altLang="ko-KR" kern="100">
+                <a:solidFill>
+                  <a:srgbClr val="24292e"/>
                 </a:solidFill>
                 <a:effectLst/>
-                <a:latin typeface="맑은 고딕" panose="020B0503020000020004" pitchFamily="50" charset="-127"/>
-                <a:ea typeface="맑은 고딕" panose="020B0503020000020004" pitchFamily="50" charset="-127"/>
-                <a:cs typeface="굴림" panose="020B0600000101010101" pitchFamily="50" charset="-127"/>
-              </a:rPr>
-              <a:t>월간</a:t>
-            </a:r>
-            <a:r>
-              <a:rPr lang="en-US" altLang="ko-KR" kern="100" dirty="0">
-                <a:solidFill>
-                  <a:srgbClr val="24292E"/>
+                <a:latin typeface="맑은 고딕"/>
+                <a:ea typeface="맑은 고딕"/>
+                <a:cs typeface="굴림"/>
+              </a:rPr>
+              <a:t>일간</a:t>
+            </a:r>
+            <a:r>
+              <a:rPr lang="en-US" altLang="ko-KR" kern="100">
+                <a:solidFill>
+                  <a:srgbClr val="24292e"/>
                 </a:solidFill>
                 <a:effectLst/>
-                <a:latin typeface="맑은 고딕" panose="020B0503020000020004" pitchFamily="50" charset="-127"/>
-                <a:ea typeface="맑은 고딕" panose="020B0503020000020004" pitchFamily="50" charset="-127"/>
-                <a:cs typeface="굴림" panose="020B0600000101010101" pitchFamily="50" charset="-127"/>
-              </a:rPr>
-              <a:t>/</a:t>
-            </a:r>
-            <a:r>
-              <a:rPr lang="ko-KR" altLang="ko-KR" kern="100" dirty="0">
-                <a:solidFill>
-                  <a:srgbClr val="24292E"/>
+                <a:latin typeface="맑은 고딕"/>
+                <a:ea typeface="맑은 고딕"/>
+                <a:cs typeface="굴림"/>
+              </a:rPr>
+              <a:t>) </a:t>
+            </a:r>
+            <a:r>
+              <a:rPr lang="ko-KR" altLang="ko-KR" kern="100">
+                <a:solidFill>
+                  <a:srgbClr val="24292e"/>
                 </a:solidFill>
                 <a:effectLst/>
-                <a:latin typeface="맑은 고딕" panose="020B0503020000020004" pitchFamily="50" charset="-127"/>
-                <a:ea typeface="맑은 고딕" panose="020B0503020000020004" pitchFamily="50" charset="-127"/>
-                <a:cs typeface="굴림" panose="020B0600000101010101" pitchFamily="50" charset="-127"/>
-              </a:rPr>
-              <a:t>일간</a:t>
-            </a:r>
-            <a:r>
-              <a:rPr lang="en-US" altLang="ko-KR" kern="100" dirty="0">
-                <a:solidFill>
-                  <a:srgbClr val="24292E"/>
+                <a:latin typeface="맑은 고딕"/>
+                <a:ea typeface="맑은 고딕"/>
+                <a:cs typeface="굴림"/>
+              </a:rPr>
+              <a:t>단위로 쉽</a:t>
+            </a:r>
+            <a:r>
+              <a:rPr lang="ko-KR" altLang="en-US" kern="100">
+                <a:solidFill>
+                  <a:srgbClr val="24292e"/>
                 </a:solidFill>
                 <a:effectLst/>
-                <a:latin typeface="맑은 고딕" panose="020B0503020000020004" pitchFamily="50" charset="-127"/>
-                <a:ea typeface="맑은 고딕" panose="020B0503020000020004" pitchFamily="50" charset="-127"/>
-                <a:cs typeface="굴림" panose="020B0600000101010101" pitchFamily="50" charset="-127"/>
-              </a:rPr>
-              <a:t>) </a:t>
-            </a:r>
-            <a:r>
-              <a:rPr lang="ko-KR" altLang="ko-KR" kern="100" dirty="0">
-                <a:solidFill>
-                  <a:srgbClr val="24292E"/>
+                <a:latin typeface="맑은 고딕"/>
+                <a:ea typeface="맑은 고딕"/>
+                <a:cs typeface="굴림"/>
+              </a:rPr>
+              <a:t>게 </a:t>
+            </a:r>
+            <a:r>
+              <a:rPr lang="ko-KR" altLang="ko-KR" kern="100">
+                <a:solidFill>
+                  <a:srgbClr val="24292e"/>
                 </a:solidFill>
                 <a:effectLst/>
-                <a:latin typeface="맑은 고딕" panose="020B0503020000020004" pitchFamily="50" charset="-127"/>
-                <a:ea typeface="맑은 고딕" panose="020B0503020000020004" pitchFamily="50" charset="-127"/>
-                <a:cs typeface="굴림" panose="020B0600000101010101" pitchFamily="50" charset="-127"/>
-              </a:rPr>
-              <a:t>단위로 쉽</a:t>
-            </a:r>
-            <a:r>
-              <a:rPr lang="ko-KR" altLang="en-US" kern="100" dirty="0">
-                <a:solidFill>
-                  <a:srgbClr val="24292E"/>
+                <a:latin typeface="맑은 고딕"/>
+                <a:ea typeface="맑은 고딕"/>
+                <a:cs typeface="굴림"/>
+              </a:rPr>
+              <a:t>찾아내도록 해주는 것에 초점이 맞추어져 있</a:t>
+            </a:r>
+            <a:r>
+              <a:rPr lang="ko-KR" altLang="en-US" kern="100">
+                <a:solidFill>
+                  <a:srgbClr val="24292e"/>
+                </a:solidFill>
+                <a:latin typeface="맑은 고딕"/>
+                <a:ea typeface="맑은 고딕"/>
+                <a:cs typeface="굴림"/>
+              </a:rPr>
+              <a:t>는 모델이다</a:t>
+            </a:r>
+            <a:r>
+              <a:rPr lang="en-US" altLang="ko-KR" kern="100">
+                <a:solidFill>
+                  <a:srgbClr val="24292e"/>
                 </a:solidFill>
                 <a:effectLst/>
-                <a:latin typeface="맑은 고딕" panose="020B0503020000020004" pitchFamily="50" charset="-127"/>
-                <a:ea typeface="맑은 고딕" panose="020B0503020000020004" pitchFamily="50" charset="-127"/>
-                <a:cs typeface="굴림" panose="020B0600000101010101" pitchFamily="50" charset="-127"/>
-              </a:rPr>
-              <a:t>게 </a:t>
-            </a:r>
-            <a:r>
-              <a:rPr lang="ko-KR" altLang="ko-KR" kern="100" dirty="0">
-                <a:solidFill>
-                  <a:srgbClr val="24292E"/>
-                </a:solidFill>
-                <a:effectLst/>
-                <a:latin typeface="맑은 고딕" panose="020B0503020000020004" pitchFamily="50" charset="-127"/>
-                <a:ea typeface="맑은 고딕" panose="020B0503020000020004" pitchFamily="50" charset="-127"/>
-                <a:cs typeface="굴림" panose="020B0600000101010101" pitchFamily="50" charset="-127"/>
-              </a:rPr>
-              <a:t>찾아내도록 해주는 것에 초점이 </a:t>
-            </a:r>
-            <a:r>
-              <a:rPr lang="ko-KR" altLang="ko-KR" kern="100" dirty="0" err="1">
-                <a:solidFill>
-                  <a:srgbClr val="24292E"/>
-                </a:solidFill>
-                <a:effectLst/>
-                <a:latin typeface="맑은 고딕" panose="020B0503020000020004" pitchFamily="50" charset="-127"/>
-                <a:ea typeface="맑은 고딕" panose="020B0503020000020004" pitchFamily="50" charset="-127"/>
-                <a:cs typeface="굴림" panose="020B0600000101010101" pitchFamily="50" charset="-127"/>
-              </a:rPr>
-              <a:t>맞추어져</a:t>
-            </a:r>
-            <a:r>
-              <a:rPr lang="ko-KR" altLang="ko-KR" kern="100" dirty="0">
-                <a:solidFill>
-                  <a:srgbClr val="24292E"/>
-                </a:solidFill>
-                <a:effectLst/>
-                <a:latin typeface="맑은 고딕" panose="020B0503020000020004" pitchFamily="50" charset="-127"/>
-                <a:ea typeface="맑은 고딕" panose="020B0503020000020004" pitchFamily="50" charset="-127"/>
-                <a:cs typeface="굴림" panose="020B0600000101010101" pitchFamily="50" charset="-127"/>
-              </a:rPr>
-              <a:t> 있</a:t>
-            </a:r>
-            <a:r>
-              <a:rPr lang="ko-KR" altLang="en-US" kern="100" dirty="0">
-                <a:solidFill>
-                  <a:srgbClr val="24292E"/>
-                </a:solidFill>
-                <a:latin typeface="맑은 고딕" panose="020B0503020000020004" pitchFamily="50" charset="-127"/>
-                <a:ea typeface="맑은 고딕" panose="020B0503020000020004" pitchFamily="50" charset="-127"/>
-                <a:cs typeface="굴림" panose="020B0600000101010101" pitchFamily="50" charset="-127"/>
-              </a:rPr>
-              <a:t>는 모델이다</a:t>
-            </a:r>
-            <a:r>
-              <a:rPr lang="en-US" altLang="ko-KR" kern="100" dirty="0">
-                <a:solidFill>
-                  <a:srgbClr val="24292E"/>
-                </a:solidFill>
-                <a:effectLst/>
-                <a:latin typeface="맑은 고딕" panose="020B0503020000020004" pitchFamily="50" charset="-127"/>
-                <a:ea typeface="맑은 고딕" panose="020B0503020000020004" pitchFamily="50" charset="-127"/>
-                <a:cs typeface="굴림" panose="020B0600000101010101" pitchFamily="50" charset="-127"/>
+                <a:latin typeface="맑은 고딕"/>
+                <a:ea typeface="맑은 고딕"/>
+                <a:cs typeface="굴림"/>
               </a:rPr>
               <a:t>.</a:t>
             </a:r>
+            <a:endParaRPr lang="en-US" altLang="ko-KR" kern="100">
+              <a:solidFill>
+                <a:srgbClr val="24292e"/>
+              </a:solidFill>
+              <a:effectLst/>
+              <a:latin typeface="맑은 고딕"/>
+              <a:ea typeface="맑은 고딕"/>
+              <a:cs typeface="굴림"/>
+            </a:endParaRPr>
           </a:p>
           <a:p>
             <a:pPr marL="342900" lvl="0" indent="-342900" algn="l" latinLnBrk="0">
@@ -7544,13 +6913,14 @@
               <a:spcAft>
                 <a:spcPts val="800"/>
               </a:spcAft>
-              <a:buFont typeface="맑은 고딕" panose="020B0503020000020004" pitchFamily="50" charset="-127"/>
+              <a:buFont typeface="맑은 고딕"/>
               <a:buChar char="-"/>
+              <a:defRPr/>
             </a:pPr>
-            <a:endParaRPr lang="en-US" altLang="ko-KR" kern="100" dirty="0">
-              <a:latin typeface="맑은 고딕" panose="020B0503020000020004" pitchFamily="50" charset="-127"/>
-              <a:ea typeface="맑은 고딕" panose="020B0503020000020004" pitchFamily="50" charset="-127"/>
-              <a:cs typeface="굴림" panose="020B0600000101010101" pitchFamily="50" charset="-127"/>
+            <a:endParaRPr lang="en-US" altLang="ko-KR" kern="100">
+              <a:latin typeface="맑은 고딕"/>
+              <a:ea typeface="맑은 고딕"/>
+              <a:cs typeface="굴림"/>
             </a:endParaRPr>
           </a:p>
           <a:p>
@@ -7561,24 +6931,28 @@
               <a:spcAft>
                 <a:spcPts val="800"/>
               </a:spcAft>
+              <a:defRPr/>
             </a:pPr>
             <a:r>
-              <a:rPr lang="ko-KR" altLang="ko-KR" sz="2400" kern="100" dirty="0">
-                <a:solidFill>
-                  <a:srgbClr val="24292E"/>
+              <a:rPr lang="ko-KR" altLang="ko-KR" sz="2400" kern="100">
+                <a:solidFill>
+                  <a:srgbClr val="24292e"/>
                 </a:solidFill>
                 <a:effectLst/>
-                <a:latin typeface="맑은 고딕" panose="020B0503020000020004" pitchFamily="50" charset="-127"/>
-                <a:ea typeface="맑은 고딕" panose="020B0503020000020004" pitchFamily="50" charset="-127"/>
-                <a:cs typeface="Times New Roman" panose="02020603050405020304" pitchFamily="18" charset="0"/>
+                <a:latin typeface="맑은 고딕"/>
+                <a:ea typeface="맑은 고딕"/>
+                <a:cs typeface="Times New Roman"/>
               </a:rPr>
               <a:t>특징</a:t>
             </a:r>
-            <a:endParaRPr lang="ko-KR" altLang="ko-KR" sz="2400" kern="100" dirty="0">
+            <a:endParaRPr lang="ko-KR" altLang="ko-KR" sz="2400" kern="100">
+              <a:solidFill>
+                <a:srgbClr val="24292e"/>
+              </a:solidFill>
               <a:effectLst/>
-              <a:latin typeface="맑은 고딕" panose="020B0503020000020004" pitchFamily="50" charset="-127"/>
-              <a:ea typeface="맑은 고딕" panose="020B0503020000020004" pitchFamily="50" charset="-127"/>
-              <a:cs typeface="Times New Roman" panose="02020603050405020304" pitchFamily="18" charset="0"/>
+              <a:latin typeface="맑은 고딕"/>
+              <a:ea typeface="맑은 고딕"/>
+              <a:cs typeface="Times New Roman"/>
             </a:endParaRPr>
           </a:p>
           <a:p>
@@ -7586,139 +6960,138 @@
               <a:spcAft>
                 <a:spcPts val="1200"/>
               </a:spcAft>
+              <a:defRPr/>
             </a:pPr>
             <a:r>
-              <a:rPr lang="en-US" altLang="ko-KR" dirty="0">
-                <a:solidFill>
-                  <a:srgbClr val="24292E"/>
+              <a:rPr lang="en-US" altLang="ko-KR">
+                <a:solidFill>
+                  <a:srgbClr val="24292e"/>
                 </a:solidFill>
                 <a:effectLst/>
-                <a:latin typeface="맑은 고딕" panose="020B0503020000020004" pitchFamily="50" charset="-127"/>
-                <a:ea typeface="맑은 고딕" panose="020B0503020000020004" pitchFamily="50" charset="-127"/>
-                <a:cs typeface="굴림" panose="020B0600000101010101" pitchFamily="50" charset="-127"/>
+                <a:latin typeface="맑은 고딕"/>
+                <a:ea typeface="맑은 고딕"/>
+                <a:cs typeface="굴림"/>
               </a:rPr>
               <a:t>Prophet </a:t>
             </a:r>
             <a:r>
-              <a:rPr lang="ko-KR" altLang="ko-KR" dirty="0">
-                <a:solidFill>
-                  <a:srgbClr val="24292E"/>
+              <a:rPr lang="ko-KR" altLang="ko-KR">
+                <a:solidFill>
+                  <a:srgbClr val="24292e"/>
                 </a:solidFill>
                 <a:effectLst/>
-                <a:latin typeface="맑은 고딕" panose="020B0503020000020004" pitchFamily="50" charset="-127"/>
-                <a:ea typeface="맑은 고딕" panose="020B0503020000020004" pitchFamily="50" charset="-127"/>
-                <a:cs typeface="굴림" panose="020B0600000101010101" pitchFamily="50" charset="-127"/>
+                <a:latin typeface="맑은 고딕"/>
+                <a:ea typeface="맑은 고딕"/>
+                <a:cs typeface="굴림"/>
               </a:rPr>
               <a:t>모델은 트렌드</a:t>
             </a:r>
             <a:r>
-              <a:rPr lang="en-US" altLang="ko-KR" dirty="0">
-                <a:solidFill>
-                  <a:srgbClr val="24292E"/>
+              <a:rPr lang="en-US" altLang="ko-KR">
+                <a:solidFill>
+                  <a:srgbClr val="24292e"/>
                 </a:solidFill>
                 <a:effectLst/>
-                <a:latin typeface="맑은 고딕" panose="020B0503020000020004" pitchFamily="50" charset="-127"/>
-                <a:ea typeface="맑은 고딕" panose="020B0503020000020004" pitchFamily="50" charset="-127"/>
-                <a:cs typeface="굴림" panose="020B0600000101010101" pitchFamily="50" charset="-127"/>
+                <a:latin typeface="맑은 고딕"/>
+                <a:ea typeface="맑은 고딕"/>
+                <a:cs typeface="굴림"/>
               </a:rPr>
               <a:t>(growth), </a:t>
             </a:r>
             <a:r>
-              <a:rPr lang="ko-KR" altLang="ko-KR" dirty="0">
-                <a:solidFill>
-                  <a:srgbClr val="24292E"/>
+              <a:rPr lang="ko-KR" altLang="ko-KR">
+                <a:solidFill>
+                  <a:srgbClr val="24292e"/>
                 </a:solidFill>
                 <a:effectLst/>
-                <a:latin typeface="맑은 고딕" panose="020B0503020000020004" pitchFamily="50" charset="-127"/>
-                <a:ea typeface="맑은 고딕" panose="020B0503020000020004" pitchFamily="50" charset="-127"/>
-                <a:cs typeface="굴림" panose="020B0600000101010101" pitchFamily="50" charset="-127"/>
+                <a:latin typeface="맑은 고딕"/>
+                <a:ea typeface="맑은 고딕"/>
+                <a:cs typeface="굴림"/>
               </a:rPr>
               <a:t>계절성</a:t>
             </a:r>
             <a:r>
-              <a:rPr lang="en-US" altLang="ko-KR" dirty="0">
-                <a:solidFill>
-                  <a:srgbClr val="24292E"/>
+              <a:rPr lang="en-US" altLang="ko-KR">
+                <a:solidFill>
+                  <a:srgbClr val="24292e"/>
                 </a:solidFill>
                 <a:effectLst/>
-                <a:latin typeface="맑은 고딕" panose="020B0503020000020004" pitchFamily="50" charset="-127"/>
-                <a:ea typeface="맑은 고딕" panose="020B0503020000020004" pitchFamily="50" charset="-127"/>
-                <a:cs typeface="굴림" panose="020B0600000101010101" pitchFamily="50" charset="-127"/>
+                <a:latin typeface="맑은 고딕"/>
+                <a:ea typeface="맑은 고딕"/>
+                <a:cs typeface="굴림"/>
               </a:rPr>
               <a:t>(seasonality), </a:t>
             </a:r>
             <a:r>
-              <a:rPr lang="ko-KR" altLang="ko-KR" dirty="0">
-                <a:solidFill>
-                  <a:srgbClr val="24292E"/>
+              <a:rPr lang="ko-KR" altLang="ko-KR">
+                <a:solidFill>
+                  <a:srgbClr val="24292e"/>
                 </a:solidFill>
                 <a:effectLst/>
-                <a:latin typeface="맑은 고딕" panose="020B0503020000020004" pitchFamily="50" charset="-127"/>
-                <a:ea typeface="맑은 고딕" panose="020B0503020000020004" pitchFamily="50" charset="-127"/>
-                <a:cs typeface="굴림" panose="020B0600000101010101" pitchFamily="50" charset="-127"/>
+                <a:latin typeface="맑은 고딕"/>
+                <a:ea typeface="맑은 고딕"/>
+                <a:cs typeface="굴림"/>
               </a:rPr>
               <a:t>휴일</a:t>
             </a:r>
             <a:r>
-              <a:rPr lang="en-US" altLang="ko-KR" dirty="0">
-                <a:solidFill>
-                  <a:srgbClr val="24292E"/>
+              <a:rPr lang="en-US" altLang="ko-KR">
+                <a:solidFill>
+                  <a:srgbClr val="24292e"/>
                 </a:solidFill>
                 <a:effectLst/>
-                <a:latin typeface="맑은 고딕" panose="020B0503020000020004" pitchFamily="50" charset="-127"/>
-                <a:ea typeface="맑은 고딕" panose="020B0503020000020004" pitchFamily="50" charset="-127"/>
-                <a:cs typeface="굴림" panose="020B0600000101010101" pitchFamily="50" charset="-127"/>
+                <a:latin typeface="맑은 고딕"/>
+                <a:ea typeface="맑은 고딕"/>
+                <a:cs typeface="굴림"/>
               </a:rPr>
               <a:t>(holidays) 3</a:t>
             </a:r>
             <a:r>
-              <a:rPr lang="ko-KR" altLang="ko-KR" dirty="0">
-                <a:solidFill>
-                  <a:srgbClr val="24292E"/>
+              <a:rPr lang="ko-KR" altLang="ko-KR">
+                <a:solidFill>
+                  <a:srgbClr val="24292e"/>
                 </a:solidFill>
                 <a:effectLst/>
-                <a:latin typeface="맑은 고딕" panose="020B0503020000020004" pitchFamily="50" charset="-127"/>
-                <a:ea typeface="맑은 고딕" panose="020B0503020000020004" pitchFamily="50" charset="-127"/>
-                <a:cs typeface="굴림" panose="020B0600000101010101" pitchFamily="50" charset="-127"/>
-              </a:rPr>
-              <a:t>가지의 주요 구성요소로 </a:t>
-            </a:r>
-            <a:r>
-              <a:rPr lang="ko-KR" altLang="ko-KR" dirty="0" err="1">
-                <a:solidFill>
-                  <a:srgbClr val="24292E"/>
+                <a:latin typeface="맑은 고딕"/>
+                <a:ea typeface="맑은 고딕"/>
+                <a:cs typeface="굴림"/>
+              </a:rPr>
+              <a:t>가지의 주요 구성요소로 이루어져있습니다</a:t>
+            </a:r>
+            <a:r>
+              <a:rPr lang="en-US" altLang="ko-KR">
+                <a:solidFill>
+                  <a:srgbClr val="24292e"/>
                 </a:solidFill>
                 <a:effectLst/>
-                <a:latin typeface="맑은 고딕" panose="020B0503020000020004" pitchFamily="50" charset="-127"/>
-                <a:ea typeface="맑은 고딕" panose="020B0503020000020004" pitchFamily="50" charset="-127"/>
-                <a:cs typeface="굴림" panose="020B0600000101010101" pitchFamily="50" charset="-127"/>
-              </a:rPr>
-              <a:t>이루어져있습니다</a:t>
-            </a:r>
-            <a:r>
-              <a:rPr lang="en-US" altLang="ko-KR" dirty="0">
-                <a:solidFill>
-                  <a:srgbClr val="24292E"/>
-                </a:solidFill>
-                <a:effectLst/>
-                <a:latin typeface="맑은 고딕" panose="020B0503020000020004" pitchFamily="50" charset="-127"/>
-                <a:ea typeface="맑은 고딕" panose="020B0503020000020004" pitchFamily="50" charset="-127"/>
-                <a:cs typeface="굴림" panose="020B0600000101010101" pitchFamily="50" charset="-127"/>
+                <a:latin typeface="맑은 고딕"/>
+                <a:ea typeface="맑은 고딕"/>
+                <a:cs typeface="굴림"/>
               </a:rPr>
               <a:t>.</a:t>
             </a:r>
+            <a:endParaRPr lang="en-US" altLang="ko-KR">
+              <a:solidFill>
+                <a:srgbClr val="24292e"/>
+              </a:solidFill>
+              <a:effectLst/>
+              <a:latin typeface="맑은 고딕"/>
+              <a:ea typeface="맑은 고딕"/>
+              <a:cs typeface="굴림"/>
+            </a:endParaRPr>
           </a:p>
           <a:p>
             <a:pPr algn="l">
               <a:spcAft>
                 <a:spcPts val="1200"/>
               </a:spcAft>
+              <a:defRPr/>
             </a:pPr>
-            <a:endParaRPr lang="ko-KR" altLang="ko-KR" dirty="0">
+            <a:endParaRPr lang="ko-KR" altLang="ko-KR">
               <a:effectLst/>
-              <a:latin typeface="맑은 고딕" panose="020B0503020000020004" pitchFamily="50" charset="-127"/>
-              <a:ea typeface="맑은 고딕" panose="020B0503020000020004" pitchFamily="50" charset="-127"/>
-              <a:cs typeface="굴림" panose="020B0600000101010101" pitchFamily="50" charset="-127"/>
+              <a:latin typeface="맑은 고딕"/>
+              <a:ea typeface="맑은 고딕"/>
+              <a:cs typeface="굴림"/>
             </a:endParaRPr>
           </a:p>
           <a:p>
@@ -7729,38 +7102,42 @@
               <a:spcAft>
                 <a:spcPts val="800"/>
               </a:spcAft>
-              <a:buFont typeface="맑은 고딕" panose="020B0503020000020004" pitchFamily="50" charset="-127"/>
+              <a:buFont typeface="맑은 고딕"/>
               <a:buChar char="-"/>
+              <a:defRPr/>
             </a:pPr>
             <a:r>
-              <a:rPr lang="en-US" altLang="ko-KR" kern="100" dirty="0">
-                <a:solidFill>
-                  <a:srgbClr val="24292E"/>
+              <a:rPr lang="en-US" altLang="ko-KR" kern="100">
+                <a:solidFill>
+                  <a:srgbClr val="24292e"/>
                 </a:solidFill>
                 <a:effectLst/>
-                <a:latin typeface="맑은 고딕" panose="020B0503020000020004" pitchFamily="50" charset="-127"/>
-                <a:ea typeface="맑은 고딕" panose="020B0503020000020004" pitchFamily="50" charset="-127"/>
-                <a:cs typeface="굴림" panose="020B0600000101010101" pitchFamily="50" charset="-127"/>
+                <a:latin typeface="맑은 고딕"/>
+                <a:ea typeface="맑은 고딕"/>
+                <a:cs typeface="굴림"/>
               </a:rPr>
               <a:t>g(t)</a:t>
             </a:r>
             <a:r>
-              <a:rPr lang="ko-KR" altLang="ko-KR" kern="100" dirty="0">
-                <a:solidFill>
-                  <a:srgbClr val="24292E"/>
+              <a:rPr lang="ko-KR" altLang="ko-KR" kern="100">
+                <a:solidFill>
+                  <a:srgbClr val="24292e"/>
                 </a:solidFill>
                 <a:effectLst/>
-                <a:latin typeface="맑은 고딕" panose="020B0503020000020004" pitchFamily="50" charset="-127"/>
-                <a:ea typeface="맑은 고딕" panose="020B0503020000020004" pitchFamily="50" charset="-127"/>
-                <a:cs typeface="굴림" panose="020B0600000101010101" pitchFamily="50" charset="-127"/>
+                <a:latin typeface="맑은 고딕"/>
+                <a:ea typeface="맑은 고딕"/>
+                <a:cs typeface="굴림"/>
               </a:rPr>
               <a:t>는 비주기적 변화를 반영하는 추세 함수</a:t>
             </a:r>
-            <a:endParaRPr lang="ko-KR" altLang="ko-KR" kern="100" dirty="0">
+            <a:endParaRPr lang="ko-KR" altLang="ko-KR" kern="100">
+              <a:solidFill>
+                <a:srgbClr val="24292e"/>
+              </a:solidFill>
               <a:effectLst/>
-              <a:latin typeface="맑은 고딕" panose="020B0503020000020004" pitchFamily="50" charset="-127"/>
-              <a:ea typeface="맑은 고딕" panose="020B0503020000020004" pitchFamily="50" charset="-127"/>
-              <a:cs typeface="굴림" panose="020B0600000101010101" pitchFamily="50" charset="-127"/>
+              <a:latin typeface="맑은 고딕"/>
+              <a:ea typeface="맑은 고딕"/>
+              <a:cs typeface="굴림"/>
             </a:endParaRPr>
           </a:p>
           <a:p>
@@ -7774,98 +7151,102 @@
               <a:spcAft>
                 <a:spcPts val="800"/>
               </a:spcAft>
-              <a:buFont typeface="맑은 고딕" panose="020B0503020000020004" pitchFamily="50" charset="-127"/>
+              <a:buFont typeface="맑은 고딕"/>
               <a:buChar char="-"/>
+              <a:defRPr/>
             </a:pPr>
             <a:r>
-              <a:rPr lang="en-US" altLang="ko-KR" kern="100" dirty="0">
-                <a:solidFill>
-                  <a:srgbClr val="24292E"/>
+              <a:rPr lang="en-US" altLang="ko-KR" kern="100">
+                <a:solidFill>
+                  <a:srgbClr val="24292e"/>
                 </a:solidFill>
                 <a:effectLst/>
-                <a:latin typeface="맑은 고딕" panose="020B0503020000020004" pitchFamily="50" charset="-127"/>
-                <a:ea typeface="맑은 고딕" panose="020B0503020000020004" pitchFamily="50" charset="-127"/>
-                <a:cs typeface="굴림" panose="020B0600000101010101" pitchFamily="50" charset="-127"/>
+                <a:latin typeface="맑은 고딕"/>
+                <a:ea typeface="맑은 고딕"/>
+                <a:cs typeface="굴림"/>
               </a:rPr>
               <a:t>s(t)</a:t>
             </a:r>
             <a:r>
-              <a:rPr lang="ko-KR" altLang="ko-KR" kern="100" dirty="0">
-                <a:solidFill>
-                  <a:srgbClr val="24292E"/>
+              <a:rPr lang="ko-KR" altLang="ko-KR" kern="100">
+                <a:solidFill>
+                  <a:srgbClr val="24292e"/>
                 </a:solidFill>
                 <a:effectLst/>
-                <a:latin typeface="맑은 고딕" panose="020B0503020000020004" pitchFamily="50" charset="-127"/>
-                <a:ea typeface="맑은 고딕" panose="020B0503020000020004" pitchFamily="50" charset="-127"/>
-                <a:cs typeface="굴림" panose="020B0600000101010101" pitchFamily="50" charset="-127"/>
+                <a:latin typeface="맑은 고딕"/>
+                <a:ea typeface="맑은 고딕"/>
+                <a:cs typeface="굴림"/>
               </a:rPr>
               <a:t>는 주기적인 변화</a:t>
             </a:r>
             <a:r>
-              <a:rPr lang="en-US" altLang="ko-KR" kern="100" dirty="0">
-                <a:solidFill>
-                  <a:srgbClr val="24292E"/>
+              <a:rPr lang="en-US" altLang="ko-KR" kern="100">
+                <a:solidFill>
+                  <a:srgbClr val="24292e"/>
                 </a:solidFill>
                 <a:effectLst/>
-                <a:latin typeface="맑은 고딕" panose="020B0503020000020004" pitchFamily="50" charset="-127"/>
-                <a:ea typeface="맑은 고딕" panose="020B0503020000020004" pitchFamily="50" charset="-127"/>
-                <a:cs typeface="굴림" panose="020B0600000101010101" pitchFamily="50" charset="-127"/>
+                <a:latin typeface="맑은 고딕"/>
+                <a:ea typeface="맑은 고딕"/>
+                <a:cs typeface="굴림"/>
               </a:rPr>
               <a:t>(</a:t>
             </a:r>
             <a:r>
-              <a:rPr lang="ko-KR" altLang="ko-KR" kern="100" dirty="0">
-                <a:solidFill>
-                  <a:srgbClr val="24292E"/>
+              <a:rPr lang="ko-KR" altLang="ko-KR" kern="100">
+                <a:solidFill>
+                  <a:srgbClr val="24292e"/>
                 </a:solidFill>
                 <a:effectLst/>
-                <a:latin typeface="맑은 고딕" panose="020B0503020000020004" pitchFamily="50" charset="-127"/>
-                <a:ea typeface="맑은 고딕" panose="020B0503020000020004" pitchFamily="50" charset="-127"/>
-                <a:cs typeface="굴림" panose="020B0600000101010101" pitchFamily="50" charset="-127"/>
+                <a:latin typeface="맑은 고딕"/>
+                <a:ea typeface="맑은 고딕"/>
+                <a:cs typeface="굴림"/>
               </a:rPr>
               <a:t>주간</a:t>
             </a:r>
             <a:r>
-              <a:rPr lang="en-US" altLang="ko-KR" kern="100" dirty="0">
-                <a:solidFill>
-                  <a:srgbClr val="24292E"/>
+              <a:rPr lang="en-US" altLang="ko-KR" kern="100">
+                <a:solidFill>
+                  <a:srgbClr val="24292e"/>
                 </a:solidFill>
                 <a:effectLst/>
-                <a:latin typeface="맑은 고딕" panose="020B0503020000020004" pitchFamily="50" charset="-127"/>
-                <a:ea typeface="맑은 고딕" panose="020B0503020000020004" pitchFamily="50" charset="-127"/>
-                <a:cs typeface="굴림" panose="020B0600000101010101" pitchFamily="50" charset="-127"/>
+                <a:latin typeface="맑은 고딕"/>
+                <a:ea typeface="맑은 고딕"/>
+                <a:cs typeface="굴림"/>
               </a:rPr>
               <a:t>/</a:t>
             </a:r>
             <a:r>
-              <a:rPr lang="ko-KR" altLang="ko-KR" kern="100" dirty="0">
-                <a:solidFill>
-                  <a:srgbClr val="24292E"/>
+              <a:rPr lang="ko-KR" altLang="ko-KR" kern="100">
+                <a:solidFill>
+                  <a:srgbClr val="24292e"/>
                 </a:solidFill>
                 <a:effectLst/>
-                <a:latin typeface="맑은 고딕" panose="020B0503020000020004" pitchFamily="50" charset="-127"/>
-                <a:ea typeface="맑은 고딕" panose="020B0503020000020004" pitchFamily="50" charset="-127"/>
-                <a:cs typeface="굴림" panose="020B0600000101010101" pitchFamily="50" charset="-127"/>
+                <a:latin typeface="맑은 고딕"/>
+                <a:ea typeface="맑은 고딕"/>
+                <a:cs typeface="굴림"/>
               </a:rPr>
               <a:t>연간</a:t>
             </a:r>
             <a:r>
-              <a:rPr lang="en-US" altLang="ko-KR" kern="100" dirty="0">
-                <a:solidFill>
-                  <a:srgbClr val="24292E"/>
+              <a:rPr lang="en-US" altLang="ko-KR" kern="100">
+                <a:solidFill>
+                  <a:srgbClr val="24292e"/>
                 </a:solidFill>
                 <a:effectLst/>
-                <a:latin typeface="맑은 고딕" panose="020B0503020000020004" pitchFamily="50" charset="-127"/>
-                <a:ea typeface="맑은 고딕" panose="020B0503020000020004" pitchFamily="50" charset="-127"/>
-                <a:cs typeface="굴림" panose="020B0600000101010101" pitchFamily="50" charset="-127"/>
+                <a:latin typeface="맑은 고딕"/>
+                <a:ea typeface="맑은 고딕"/>
+                <a:cs typeface="굴림"/>
               </a:rPr>
               <a:t>)</a:t>
             </a:r>
-            <a:endParaRPr lang="ko-KR" altLang="ko-KR" kern="100" dirty="0">
+            <a:endParaRPr lang="en-US" altLang="ko-KR" kern="100">
+              <a:solidFill>
+                <a:srgbClr val="24292e"/>
+              </a:solidFill>
               <a:effectLst/>
-              <a:latin typeface="맑은 고딕" panose="020B0503020000020004" pitchFamily="50" charset="-127"/>
-              <a:ea typeface="맑은 고딕" panose="020B0503020000020004" pitchFamily="50" charset="-127"/>
-              <a:cs typeface="굴림" panose="020B0600000101010101" pitchFamily="50" charset="-127"/>
+              <a:latin typeface="맑은 고딕"/>
+              <a:ea typeface="맑은 고딕"/>
+              <a:cs typeface="굴림"/>
             </a:endParaRPr>
           </a:p>
           <a:p>
@@ -7879,86 +7260,90 @@
               <a:spcAft>
                 <a:spcPts val="800"/>
               </a:spcAft>
-              <a:buFont typeface="맑은 고딕" panose="020B0503020000020004" pitchFamily="50" charset="-127"/>
+              <a:buFont typeface="맑은 고딕"/>
               <a:buChar char="-"/>
+              <a:defRPr/>
             </a:pPr>
             <a:r>
-              <a:rPr lang="en-US" altLang="ko-KR" kern="100" dirty="0">
-                <a:solidFill>
-                  <a:srgbClr val="24292E"/>
+              <a:rPr lang="en-US" altLang="ko-KR" kern="100">
+                <a:solidFill>
+                  <a:srgbClr val="24292e"/>
                 </a:solidFill>
                 <a:effectLst/>
-                <a:latin typeface="맑은 고딕" panose="020B0503020000020004" pitchFamily="50" charset="-127"/>
-                <a:ea typeface="맑은 고딕" panose="020B0503020000020004" pitchFamily="50" charset="-127"/>
-                <a:cs typeface="굴림" panose="020B0600000101010101" pitchFamily="50" charset="-127"/>
+                <a:latin typeface="맑은 고딕"/>
+                <a:ea typeface="맑은 고딕"/>
+                <a:cs typeface="굴림"/>
               </a:rPr>
               <a:t>h(t)</a:t>
             </a:r>
             <a:r>
-              <a:rPr lang="ko-KR" altLang="ko-KR" kern="100" dirty="0">
-                <a:solidFill>
-                  <a:srgbClr val="24292E"/>
+              <a:rPr lang="ko-KR" altLang="ko-KR" kern="100">
+                <a:solidFill>
+                  <a:srgbClr val="24292e"/>
                 </a:solidFill>
                 <a:effectLst/>
-                <a:latin typeface="맑은 고딕" panose="020B0503020000020004" pitchFamily="50" charset="-127"/>
-                <a:ea typeface="맑은 고딕" panose="020B0503020000020004" pitchFamily="50" charset="-127"/>
-                <a:cs typeface="굴림" panose="020B0600000101010101" pitchFamily="50" charset="-127"/>
+                <a:latin typeface="맑은 고딕"/>
+                <a:ea typeface="맑은 고딕"/>
+                <a:cs typeface="굴림"/>
               </a:rPr>
               <a:t>는 휴일</a:t>
             </a:r>
             <a:r>
-              <a:rPr lang="en-US" altLang="ko-KR" kern="100" dirty="0">
-                <a:solidFill>
-                  <a:srgbClr val="24292E"/>
+              <a:rPr lang="en-US" altLang="ko-KR" kern="100">
+                <a:solidFill>
+                  <a:srgbClr val="24292e"/>
                 </a:solidFill>
                 <a:effectLst/>
-                <a:latin typeface="맑은 고딕" panose="020B0503020000020004" pitchFamily="50" charset="-127"/>
-                <a:ea typeface="맑은 고딕" panose="020B0503020000020004" pitchFamily="50" charset="-127"/>
-                <a:cs typeface="굴림" panose="020B0600000101010101" pitchFamily="50" charset="-127"/>
+                <a:latin typeface="맑은 고딕"/>
+                <a:ea typeface="맑은 고딕"/>
+                <a:cs typeface="굴림"/>
               </a:rPr>
               <a:t>(</a:t>
             </a:r>
             <a:r>
-              <a:rPr lang="ko-KR" altLang="ko-KR" kern="100" dirty="0">
-                <a:solidFill>
-                  <a:srgbClr val="24292E"/>
+              <a:rPr lang="ko-KR" altLang="ko-KR" kern="100">
+                <a:solidFill>
+                  <a:srgbClr val="24292e"/>
                 </a:solidFill>
                 <a:effectLst/>
-                <a:latin typeface="맑은 고딕" panose="020B0503020000020004" pitchFamily="50" charset="-127"/>
-                <a:ea typeface="맑은 고딕" panose="020B0503020000020004" pitchFamily="50" charset="-127"/>
-                <a:cs typeface="굴림" panose="020B0600000101010101" pitchFamily="50" charset="-127"/>
+                <a:latin typeface="맑은 고딕"/>
+                <a:ea typeface="맑은 고딕"/>
+                <a:cs typeface="굴림"/>
               </a:rPr>
               <a:t>불규칙 이벤트</a:t>
             </a:r>
             <a:r>
-              <a:rPr lang="en-US" altLang="ko-KR" kern="100" dirty="0">
-                <a:solidFill>
-                  <a:srgbClr val="24292E"/>
+              <a:rPr lang="en-US" altLang="ko-KR" kern="100">
+                <a:solidFill>
+                  <a:srgbClr val="24292e"/>
                 </a:solidFill>
                 <a:effectLst/>
-                <a:latin typeface="맑은 고딕" panose="020B0503020000020004" pitchFamily="50" charset="-127"/>
-                <a:ea typeface="맑은 고딕" panose="020B0503020000020004" pitchFamily="50" charset="-127"/>
-                <a:cs typeface="굴림" panose="020B0600000101010101" pitchFamily="50" charset="-127"/>
+                <a:latin typeface="맑은 고딕"/>
+                <a:ea typeface="맑은 고딕"/>
+                <a:cs typeface="굴림"/>
               </a:rPr>
               <a:t>)</a:t>
             </a:r>
             <a:r>
-              <a:rPr lang="ko-KR" altLang="ko-KR" kern="100" dirty="0">
-                <a:solidFill>
-                  <a:srgbClr val="24292E"/>
+              <a:rPr lang="ko-KR" altLang="ko-KR" kern="100">
+                <a:solidFill>
+                  <a:srgbClr val="24292e"/>
                 </a:solidFill>
                 <a:effectLst/>
-                <a:latin typeface="맑은 고딕" panose="020B0503020000020004" pitchFamily="50" charset="-127"/>
-                <a:ea typeface="맑은 고딕" panose="020B0503020000020004" pitchFamily="50" charset="-127"/>
-                <a:cs typeface="굴림" panose="020B0600000101010101" pitchFamily="50" charset="-127"/>
+                <a:latin typeface="맑은 고딕"/>
+                <a:ea typeface="맑은 고딕"/>
+                <a:cs typeface="굴림"/>
               </a:rPr>
               <a:t>의 영향력</a:t>
             </a:r>
-            <a:endParaRPr lang="ko-KR" altLang="ko-KR" kern="100" dirty="0">
+            <a:endParaRPr lang="ko-KR" altLang="ko-KR" kern="100">
+              <a:solidFill>
+                <a:srgbClr val="24292e"/>
+              </a:solidFill>
               <a:effectLst/>
-              <a:latin typeface="맑은 고딕" panose="020B0503020000020004" pitchFamily="50" charset="-127"/>
-              <a:ea typeface="맑은 고딕" panose="020B0503020000020004" pitchFamily="50" charset="-127"/>
-              <a:cs typeface="굴림" panose="020B0600000101010101" pitchFamily="50" charset="-127"/>
+              <a:latin typeface="맑은 고딕"/>
+              <a:ea typeface="맑은 고딕"/>
+              <a:cs typeface="굴림"/>
             </a:endParaRPr>
           </a:p>
           <a:p>
@@ -7972,94 +7357,71 @@
               <a:spcAft>
                 <a:spcPts val="800"/>
               </a:spcAft>
-              <a:buFont typeface="맑은 고딕" panose="020B0503020000020004" pitchFamily="50" charset="-127"/>
+              <a:buFont typeface="맑은 고딕"/>
               <a:buChar char="-"/>
+              <a:defRPr/>
             </a:pPr>
             <a:r>
-              <a:rPr lang="ko-KR" altLang="ko-KR" kern="100" dirty="0" err="1">
-                <a:solidFill>
-                  <a:srgbClr val="24292E"/>
+              <a:rPr lang="ko-KR" altLang="ko-KR" kern="100">
+                <a:solidFill>
+                  <a:srgbClr val="24292e"/>
                 </a:solidFill>
                 <a:effectLst/>
-                <a:latin typeface="맑은 고딕" panose="020B0503020000020004" pitchFamily="50" charset="-127"/>
-                <a:ea typeface="맑은 고딕" panose="020B0503020000020004" pitchFamily="50" charset="-127"/>
-                <a:cs typeface="굴림" panose="020B0600000101010101" pitchFamily="50" charset="-127"/>
+                <a:latin typeface="맑은 고딕"/>
+                <a:ea typeface="맑은 고딕"/>
+                <a:cs typeface="굴림"/>
               </a:rPr>
               <a:t>오차항</a:t>
             </a:r>
             <a:r>
-              <a:rPr lang="en-US" altLang="ko-KR" kern="100" dirty="0">
-                <a:solidFill>
-                  <a:srgbClr val="24292E"/>
+              <a:rPr lang="en-US" altLang="ko-KR" kern="100">
+                <a:solidFill>
+                  <a:srgbClr val="24292e"/>
                 </a:solidFill>
                 <a:effectLst/>
-                <a:latin typeface="맑은 고딕" panose="020B0503020000020004" pitchFamily="50" charset="-127"/>
-                <a:ea typeface="맑은 고딕" panose="020B0503020000020004" pitchFamily="50" charset="-127"/>
-                <a:cs typeface="굴림" panose="020B0600000101010101" pitchFamily="50" charset="-127"/>
-              </a:rPr>
-              <a:t> </a:t>
-            </a:r>
-            <a:r>
-              <a:rPr lang="en-US" altLang="ko-KR" kern="100" dirty="0" err="1">
-                <a:solidFill>
-                  <a:srgbClr val="24292E"/>
+                <a:latin typeface="맑은 고딕"/>
+                <a:ea typeface="맑은 고딕"/>
+                <a:cs typeface="굴림"/>
+              </a:rPr>
+              <a:t> epsilon_t</a:t>
+            </a:r>
+            <a:r>
+              <a:rPr lang="ko-KR" altLang="ko-KR" kern="100">
+                <a:solidFill>
+                  <a:srgbClr val="24292e"/>
                 </a:solidFill>
                 <a:effectLst/>
-                <a:latin typeface="맑은 고딕" panose="020B0503020000020004" pitchFamily="50" charset="-127"/>
-                <a:ea typeface="맑은 고딕" panose="020B0503020000020004" pitchFamily="50" charset="-127"/>
-                <a:cs typeface="굴림" panose="020B0600000101010101" pitchFamily="50" charset="-127"/>
-              </a:rPr>
-              <a:t>epsilon_t</a:t>
-            </a:r>
-            <a:r>
-              <a:rPr lang="ko-KR" altLang="ko-KR" kern="100" dirty="0">
-                <a:solidFill>
-                  <a:srgbClr val="24292E"/>
-                </a:solidFill>
-                <a:effectLst/>
-                <a:latin typeface="맑은 고딕" panose="020B0503020000020004" pitchFamily="50" charset="-127"/>
-                <a:ea typeface="맑은 고딕" panose="020B0503020000020004" pitchFamily="50" charset="-127"/>
-                <a:cs typeface="굴림" panose="020B0600000101010101" pitchFamily="50" charset="-127"/>
+                <a:latin typeface="맑은 고딕"/>
+                <a:ea typeface="맑은 고딕"/>
+                <a:cs typeface="굴림"/>
               </a:rPr>
               <a:t>은 모델이 설명하지 못하는 나머지 부분</a:t>
             </a:r>
-            <a:endParaRPr lang="ko-KR" altLang="ko-KR" kern="100" dirty="0">
+            <a:endParaRPr lang="ko-KR" altLang="ko-KR" kern="100">
               <a:effectLst/>
-              <a:latin typeface="맑은 고딕" panose="020B0503020000020004" pitchFamily="50" charset="-127"/>
-              <a:ea typeface="맑은 고딕" panose="020B0503020000020004" pitchFamily="50" charset="-127"/>
-              <a:cs typeface="굴림" panose="020B0600000101010101" pitchFamily="50" charset="-127"/>
+              <a:latin typeface="맑은 고딕"/>
+              <a:ea typeface="맑은 고딕"/>
+              <a:cs typeface="굴림"/>
             </a:endParaRPr>
           </a:p>
         </p:txBody>
       </p:sp>
       <p:pic>
         <p:nvPicPr>
-          <p:cNvPr id="1026" name="Picture 2" descr="68747470733a2f2f626c6f672e6b616b616f63646e2e6e65742f646e2f636b783254352f62747145304f3159334b582f42576b657a617064504c3051777451483854726f496b2f696d672e706e67 (326×63)">
-            <a:extLst>
-              <a:ext uri="{FF2B5EF4-FFF2-40B4-BE49-F238E27FC236}">
-                <a16:creationId xmlns:a16="http://schemas.microsoft.com/office/drawing/2014/main" id="{1F944448-C053-469E-87D7-A90086EDC110}"/>
-              </a:ext>
-            </a:extLst>
-          </p:cNvPr>
+          <p:cNvPr id="1026" name="Picture 2" descr="68747470733a2f2f626c6f672e6b616b616f63646e2e6e65742f646e2f636b783254352f62747145304f3159334b582f42576b657a617064504c3051777451483854726f496b2f696d672e706e67 (326×63)"/>
           <p:cNvPicPr>
             <a:picLocks noChangeAspect="1" noChangeArrowheads="1"/>
           </p:cNvPicPr>
           <p:nvPr/>
         </p:nvPicPr>
-        <p:blipFill>
-          <a:blip r:embed="rId3">
-            <a:extLst>
-              <a:ext uri="{28A0092B-C50C-407E-A947-70E740481C1C}">
-                <a14:useLocalDpi xmlns:a14="http://schemas.microsoft.com/office/drawing/2010/main" val="0"/>
-              </a:ext>
-            </a:extLst>
-          </a:blip>
+        <p:blipFill rotWithShape="1">
+          <a:blip r:embed="rId3"/>
           <a:srcRect/>
           <a:stretch>
             <a:fillRect/>
           </a:stretch>
         </p:blipFill>
-        <p:spPr bwMode="auto">
+        <p:spPr>
           <a:xfrm>
             <a:off x="2200275" y="2828924"/>
             <a:ext cx="3105150" cy="600075"/>
@@ -8068,35 +7430,21 @@
             <a:avLst/>
           </a:prstGeom>
           <a:noFill/>
-          <a:extLst>
-            <a:ext uri="{909E8E84-426E-40DD-AFC4-6F175D3DCCD1}">
-              <a14:hiddenFill xmlns:a14="http://schemas.microsoft.com/office/drawing/2010/main">
-                <a:solidFill>
-                  <a:srgbClr val="FFFFFF"/>
-                </a:solidFill>
-              </a14:hiddenFill>
-            </a:ext>
-          </a:extLst>
         </p:spPr>
       </p:pic>
     </p:spTree>
-    <p:extLst>
-      <p:ext uri="{BB962C8B-B14F-4D97-AF65-F5344CB8AC3E}">
-        <p14:creationId xmlns:p14="http://schemas.microsoft.com/office/powerpoint/2010/main" val="2476364479"/>
-      </p:ext>
-    </p:extLst>
   </p:cSld>
   <p:clrMapOvr>
     <a:masterClrMapping/>
   </p:clrMapOvr>
-  <mc:AlternateContent xmlns:mc="http://schemas.openxmlformats.org/markup-compatibility/2006" xmlns:p159="http://schemas.microsoft.com/office/powerpoint/2015/09/main">
-    <mc:Choice Requires="p159">
-      <p:transition xmlns:p14="http://schemas.microsoft.com/office/powerpoint/2010/main" spd="slow" p14:dur="2000">
-        <p159:morph option="byObject"/>
+  <mc:AlternateContent xmlns:mc="http://schemas.openxmlformats.org/markup-compatibility/2006">
+    <mc:Choice xmlns:p14="http://schemas.microsoft.com/office/powerpoint/2010/main" Requires="p14">
+      <p:transition xmlns:mc="http://schemas.openxmlformats.org/markup-compatibility/2006" xmlns:p14="http://schemas.microsoft.com/office/powerpoint/2010/main" spd="med" mc:Ignorable="p14" p14:dur="1000">
+        <p:fade/>
       </p:transition>
     </mc:Choice>
-    <mc:Fallback xmlns="">
-      <p:transition spd="slow">
+    <mc:Fallback>
+      <p:transition xmlns:mc="http://schemas.openxmlformats.org/markup-compatibility/2006" xmlns:hp="http://schemas.haansoft.com/office/presentation/8.0" spd="med" mc:Ignorable="hp" hp:hslDur="1000">
         <p:fade/>
       </p:transition>
     </mc:Fallback>
@@ -10372,14 +9720,13 @@
 </file>
 
 <file path=ppt/slides/slide2.xml><?xml version="1.0" encoding="utf-8"?>
-<p:sld xmlns:a="http://schemas.openxmlformats.org/drawingml/2006/main" xmlns:r="http://schemas.openxmlformats.org/officeDocument/2006/relationships" xmlns:p="http://schemas.openxmlformats.org/presentationml/2006/main">
+<p:sld xmlns:r="http://schemas.openxmlformats.org/officeDocument/2006/relationships" xmlns:c="http://schemas.openxmlformats.org/drawingml/2006/chart" xmlns:a="http://schemas.openxmlformats.org/drawingml/2006/main" xmlns:dgm="http://schemas.openxmlformats.org/drawingml/2006/diagram" xmlns:dsp="http://schemas.microsoft.com/office/drawing/2008/diagram" xmlns:p="http://schemas.openxmlformats.org/presentationml/2006/main">
   <p:cSld>
     <p:bg>
-      <p:bgPr>
+      <p:bgPr shadeToTitle="0">
         <a:solidFill>
           <a:schemeClr val="accent1"/>
         </a:solidFill>
-        <a:effectLst/>
       </p:bgPr>
     </p:bg>
     <p:spTree>
@@ -10398,13 +9745,7 @@
       </p:grpSpPr>
       <p:sp>
         <p:nvSpPr>
-          <p:cNvPr id="2" name="TextBox 1">
-            <a:extLst>
-              <a:ext uri="{FF2B5EF4-FFF2-40B4-BE49-F238E27FC236}">
-                <a16:creationId xmlns:a16="http://schemas.microsoft.com/office/drawing/2014/main" id="{E3D5A8D0-4FA8-496B-A77D-A5FB9858569C}"/>
-              </a:ext>
-            </a:extLst>
-          </p:cNvPr>
+          <p:cNvPr id="2" name="TextBox 1"/>
           <p:cNvSpPr txBox="1"/>
           <p:nvPr/>
         </p:nvSpPr>
@@ -10419,13 +9760,16 @@
           <a:noFill/>
         </p:spPr>
         <p:txBody>
-          <a:bodyPr wrap="square" rtlCol="0">
+          <a:bodyPr wrap="square">
             <a:spAutoFit/>
           </a:bodyPr>
           <a:lstStyle/>
           <a:p>
-            <a:r>
-              <a:rPr lang="ko-KR" altLang="en-US" sz="2000" b="1" dirty="0">
+            <a:pPr lvl="0">
+              <a:defRPr/>
+            </a:pPr>
+            <a:r>
+              <a:rPr lang="ko-KR" altLang="en-US" sz="2000" b="1">
                 <a:solidFill>
                   <a:schemeClr val="bg1"/>
                 </a:solidFill>
@@ -10433,109 +9777,146 @@
               <a:t>오준혁   </a:t>
             </a:r>
             <a:r>
-              <a:rPr lang="en-US" altLang="ko-KR" sz="2000" b="1" dirty="0">
+              <a:rPr lang="en-US" altLang="ko-KR" sz="2000" b="1">
                 <a:solidFill>
                   <a:schemeClr val="bg1"/>
                 </a:solidFill>
               </a:rPr>
               <a:t>:</a:t>
             </a:r>
-          </a:p>
-          <a:p>
-            <a:endParaRPr lang="en-US" altLang="ko-KR" sz="2000" b="1" dirty="0">
+            <a:endParaRPr lang="en-US" altLang="ko-KR" sz="2000" b="1">
               <a:solidFill>
                 <a:schemeClr val="bg1"/>
               </a:solidFill>
             </a:endParaRPr>
           </a:p>
           <a:p>
-            <a:endParaRPr lang="en-US" altLang="ko-KR" sz="2000" b="1" dirty="0">
+            <a:pPr lvl="0">
+              <a:defRPr/>
+            </a:pPr>
+            <a:endParaRPr lang="en-US" altLang="ko-KR" sz="2000" b="1">
               <a:solidFill>
                 <a:schemeClr val="bg1"/>
               </a:solidFill>
             </a:endParaRPr>
           </a:p>
           <a:p>
-            <a:endParaRPr lang="en-US" altLang="ko-KR" sz="2000" b="1" dirty="0">
+            <a:pPr lvl="0">
+              <a:defRPr/>
+            </a:pPr>
+            <a:endParaRPr lang="en-US" altLang="ko-KR" sz="2000" b="1">
               <a:solidFill>
                 <a:schemeClr val="bg1"/>
               </a:solidFill>
             </a:endParaRPr>
           </a:p>
           <a:p>
-            <a:r>
-              <a:rPr lang="ko-KR" altLang="en-US" sz="2000" b="1" dirty="0">
-                <a:solidFill>
-                  <a:schemeClr val="bg1"/>
-                </a:solidFill>
-              </a:rPr>
-              <a:t>권영기   </a:t>
-            </a:r>
-            <a:r>
-              <a:rPr lang="en-US" altLang="ko-KR" sz="2000" b="1" dirty="0">
-                <a:solidFill>
-                  <a:schemeClr val="bg1"/>
-                </a:solidFill>
-              </a:rPr>
-              <a:t>:</a:t>
-            </a:r>
-          </a:p>
-          <a:p>
-            <a:endParaRPr lang="en-US" altLang="ko-KR" sz="2000" b="1" dirty="0">
+            <a:pPr lvl="0">
+              <a:defRPr/>
+            </a:pPr>
+            <a:endParaRPr lang="en-US" altLang="ko-KR" sz="2000" b="1">
               <a:solidFill>
                 <a:schemeClr val="bg1"/>
               </a:solidFill>
             </a:endParaRPr>
           </a:p>
           <a:p>
-            <a:endParaRPr lang="en-US" altLang="ko-KR" sz="2000" b="1" dirty="0">
+            <a:pPr lvl="0">
+              <a:defRPr/>
+            </a:pPr>
+            <a:r>
+              <a:rPr lang="ko-KR" altLang="en-US" sz="2000" b="1">
+                <a:solidFill>
+                  <a:schemeClr val="bg1"/>
+                </a:solidFill>
+              </a:rPr>
+              <a:t>권영기   </a:t>
+            </a:r>
+            <a:r>
+              <a:rPr lang="en-US" altLang="ko-KR" sz="2000" b="1">
+                <a:solidFill>
+                  <a:schemeClr val="bg1"/>
+                </a:solidFill>
+              </a:rPr>
+              <a:t>:</a:t>
+            </a:r>
+            <a:endParaRPr lang="en-US" altLang="ko-KR" sz="2000" b="1">
               <a:solidFill>
                 <a:schemeClr val="bg1"/>
               </a:solidFill>
             </a:endParaRPr>
           </a:p>
           <a:p>
-            <a:endParaRPr lang="en-US" altLang="ko-KR" sz="2000" b="1" dirty="0">
+            <a:pPr lvl="0">
+              <a:defRPr/>
+            </a:pPr>
+            <a:endParaRPr lang="en-US" altLang="ko-KR" sz="2000" b="1">
               <a:solidFill>
                 <a:schemeClr val="bg1"/>
               </a:solidFill>
             </a:endParaRPr>
           </a:p>
           <a:p>
-            <a:r>
-              <a:rPr lang="ko-KR" altLang="en-US" sz="2000" b="1" dirty="0" err="1">
-                <a:solidFill>
-                  <a:schemeClr val="bg1"/>
-                </a:solidFill>
-              </a:rPr>
-              <a:t>변세민</a:t>
-            </a:r>
-            <a:r>
-              <a:rPr lang="ko-KR" altLang="en-US" sz="2000" b="1" dirty="0">
-                <a:solidFill>
-                  <a:schemeClr val="bg1"/>
-                </a:solidFill>
-              </a:rPr>
-              <a:t>   </a:t>
-            </a:r>
-            <a:r>
-              <a:rPr lang="en-US" altLang="ko-KR" sz="2000" b="1" dirty="0">
-                <a:solidFill>
-                  <a:schemeClr val="bg1"/>
-                </a:solidFill>
-              </a:rPr>
-              <a:t>:</a:t>
-            </a:r>
-          </a:p>
-          <a:p>
-            <a:endParaRPr lang="en-US" altLang="ko-KR" sz="2000" b="1" dirty="0">
+            <a:pPr lvl="0">
+              <a:defRPr/>
+            </a:pPr>
+            <a:endParaRPr lang="en-US" altLang="ko-KR" sz="2000" b="1">
               <a:solidFill>
                 <a:schemeClr val="bg1"/>
               </a:solidFill>
             </a:endParaRPr>
           </a:p>
           <a:p>
-            <a:endParaRPr lang="en-US" altLang="ko-KR" sz="2000" dirty="0">
+            <a:pPr lvl="0">
+              <a:defRPr/>
+            </a:pPr>
+            <a:endParaRPr lang="en-US" altLang="ko-KR" sz="2000" b="1">
+              <a:solidFill>
+                <a:schemeClr val="bg1"/>
+              </a:solidFill>
+            </a:endParaRPr>
+          </a:p>
+          <a:p>
+            <a:pPr lvl="0">
+              <a:defRPr/>
+            </a:pPr>
+            <a:r>
+              <a:rPr lang="ko-KR" altLang="en-US" sz="2000" b="1">
+                <a:solidFill>
+                  <a:schemeClr val="bg1"/>
+                </a:solidFill>
+              </a:rPr>
+              <a:t>변세민   </a:t>
+            </a:r>
+            <a:r>
+              <a:rPr lang="en-US" altLang="ko-KR" sz="2000" b="1">
+                <a:solidFill>
+                  <a:schemeClr val="bg1"/>
+                </a:solidFill>
+              </a:rPr>
+              <a:t>:</a:t>
+            </a:r>
+            <a:endParaRPr lang="en-US" altLang="ko-KR" sz="2000" b="1">
+              <a:solidFill>
+                <a:schemeClr val="bg1"/>
+              </a:solidFill>
+            </a:endParaRPr>
+          </a:p>
+          <a:p>
+            <a:pPr lvl="0">
+              <a:defRPr/>
+            </a:pPr>
+            <a:endParaRPr lang="en-US" altLang="ko-KR" sz="2000" b="1">
+              <a:solidFill>
+                <a:schemeClr val="bg1"/>
+              </a:solidFill>
+            </a:endParaRPr>
+          </a:p>
+          <a:p>
+            <a:pPr lvl="0">
+              <a:defRPr/>
+            </a:pPr>
+            <a:endParaRPr lang="en-US" altLang="ko-KR" sz="2000">
               <a:solidFill>
                 <a:schemeClr val="accent5">
                   <a:lumMod val="50000"/>
@@ -10547,20 +9928,14 @@
       </p:sp>
       <p:sp>
         <p:nvSpPr>
-          <p:cNvPr id="3" name="TextBox 2">
-            <a:extLst>
-              <a:ext uri="{FF2B5EF4-FFF2-40B4-BE49-F238E27FC236}">
-                <a16:creationId xmlns:a16="http://schemas.microsoft.com/office/drawing/2014/main" id="{DF3E763F-E708-4E35-9DB1-ED7582B215C9}"/>
-              </a:ext>
-            </a:extLst>
-          </p:cNvPr>
+          <p:cNvPr id="3" name="TextBox 2"/>
           <p:cNvSpPr txBox="1"/>
           <p:nvPr/>
         </p:nvSpPr>
         <p:spPr>
           <a:xfrm>
             <a:off x="3581400" y="1694199"/>
-            <a:ext cx="3187502" cy="3477875"/>
+            <a:ext cx="3187502" cy="3437871"/>
           </a:xfrm>
           <a:prstGeom prst="rect">
             <a:avLst/>
@@ -10568,13 +9943,16 @@
           <a:noFill/>
         </p:spPr>
         <p:txBody>
-          <a:bodyPr wrap="square" rtlCol="0">
+          <a:bodyPr wrap="square">
             <a:spAutoFit/>
           </a:bodyPr>
           <a:lstStyle/>
           <a:p>
-            <a:r>
-              <a:rPr lang="en-US" altLang="ko-KR" sz="2000" b="1" dirty="0">
+            <a:pPr lvl="0">
+              <a:defRPr/>
+            </a:pPr>
+            <a:r>
+              <a:rPr lang="en-US" altLang="ko-KR" sz="2000" b="1">
                 <a:solidFill>
                   <a:schemeClr val="bg1"/>
                 </a:solidFill>
@@ -10582,66 +9960,81 @@
               <a:t>PPT</a:t>
             </a:r>
             <a:r>
-              <a:rPr lang="ko-KR" altLang="en-US" sz="2000" b="1" dirty="0">
+              <a:rPr lang="ko-KR" altLang="en-US" sz="2000" b="1">
                 <a:solidFill>
                   <a:schemeClr val="bg1"/>
                 </a:solidFill>
               </a:rPr>
               <a:t>작성</a:t>
             </a:r>
-            <a:endParaRPr lang="en-US" altLang="ko-KR" sz="2000" b="1" dirty="0">
+            <a:endParaRPr lang="ko-KR" altLang="en-US" sz="2000" b="1">
               <a:solidFill>
                 <a:schemeClr val="bg1"/>
               </a:solidFill>
             </a:endParaRPr>
           </a:p>
           <a:p>
-            <a:r>
-              <a:rPr lang="ko-KR" altLang="en-US" sz="2000" b="1" dirty="0">
+            <a:pPr lvl="0">
+              <a:defRPr/>
+            </a:pPr>
+            <a:r>
+              <a:rPr lang="ko-KR" altLang="en-US" sz="2000" b="1">
                 <a:solidFill>
                   <a:schemeClr val="bg1"/>
                 </a:solidFill>
               </a:rPr>
               <a:t>자료 분석</a:t>
             </a:r>
-            <a:endParaRPr lang="en-US" altLang="ko-KR" sz="2000" b="1" dirty="0">
+            <a:endParaRPr lang="ko-KR" altLang="en-US" sz="2000" b="1">
               <a:solidFill>
                 <a:schemeClr val="bg1"/>
               </a:solidFill>
             </a:endParaRPr>
           </a:p>
           <a:p>
-            <a:endParaRPr lang="en-US" altLang="ko-KR" sz="2000" b="1" dirty="0">
+            <a:pPr lvl="0">
+              <a:defRPr/>
+            </a:pPr>
+            <a:endParaRPr lang="en-US" altLang="ko-KR" sz="2000" b="1">
               <a:solidFill>
                 <a:schemeClr val="bg1"/>
               </a:solidFill>
             </a:endParaRPr>
           </a:p>
           <a:p>
-            <a:endParaRPr lang="en-US" altLang="ko-KR" sz="2000" b="1" dirty="0">
+            <a:pPr lvl="0">
+              <a:defRPr/>
+            </a:pPr>
+            <a:endParaRPr lang="en-US" altLang="ko-KR" sz="2000" b="1">
               <a:solidFill>
                 <a:schemeClr val="bg1"/>
               </a:solidFill>
             </a:endParaRPr>
           </a:p>
           <a:p>
-            <a:r>
-              <a:rPr lang="ko-KR" altLang="en-US" sz="2000" b="1" dirty="0">
+            <a:pPr lvl="0">
+              <a:defRPr/>
+            </a:pPr>
+            <a:r>
+              <a:rPr lang="ko-KR" altLang="en-US" sz="2000" b="1">
                 <a:solidFill>
                   <a:schemeClr val="bg1"/>
                 </a:solidFill>
               </a:rPr>
               <a:t>발표</a:t>
             </a:r>
-            <a:endParaRPr lang="en-US" altLang="ko-KR" sz="2000" b="1" dirty="0">
+            <a:endParaRPr lang="ko-KR" altLang="en-US" sz="2000" b="1">
               <a:solidFill>
                 <a:schemeClr val="bg1"/>
               </a:solidFill>
             </a:endParaRPr>
           </a:p>
           <a:p>
-            <a:r>
-              <a:rPr lang="ko-KR" altLang="en-US" sz="2000" b="1" dirty="0">
+            <a:pPr lvl="0">
+              <a:defRPr/>
+            </a:pPr>
+            <a:r>
+              <a:rPr lang="ko-KR" altLang="en-US" sz="2000" b="1">
                 <a:solidFill>
                   <a:schemeClr val="bg1"/>
                 </a:solidFill>
@@ -10649,7 +10042,7 @@
               <a:t>코드 작성</a:t>
             </a:r>
             <a:r>
-              <a:rPr lang="en-US" altLang="ko-KR" sz="2000" b="1" dirty="0">
+              <a:rPr lang="en-US" altLang="ko-KR" sz="2000" b="1">
                 <a:solidFill>
                   <a:schemeClr val="bg1"/>
                 </a:solidFill>
@@ -10657,36 +10050,45 @@
               <a:t> </a:t>
             </a:r>
             <a:r>
-              <a:rPr lang="ko-KR" altLang="en-US" sz="2000" b="1" dirty="0">
+              <a:rPr lang="ko-KR" altLang="en-US" sz="2000" b="1">
                 <a:solidFill>
                   <a:schemeClr val="bg1"/>
                 </a:solidFill>
               </a:rPr>
               <a:t>및 분석</a:t>
             </a:r>
-            <a:endParaRPr lang="en-US" altLang="ko-KR" sz="2000" b="1" dirty="0">
+            <a:endParaRPr lang="ko-KR" altLang="en-US" sz="2000" b="1">
               <a:solidFill>
                 <a:schemeClr val="bg1"/>
               </a:solidFill>
             </a:endParaRPr>
           </a:p>
           <a:p>
-            <a:endParaRPr lang="en-US" altLang="ko-KR" sz="2000" b="1" dirty="0">
+            <a:pPr lvl="0">
+              <a:defRPr/>
+            </a:pPr>
+            <a:endParaRPr lang="en-US" altLang="ko-KR" sz="2000" b="1">
               <a:solidFill>
                 <a:schemeClr val="bg1"/>
               </a:solidFill>
             </a:endParaRPr>
           </a:p>
           <a:p>
-            <a:endParaRPr lang="en-US" altLang="ko-KR" sz="2000" b="1" dirty="0">
+            <a:pPr lvl="0">
+              <a:defRPr/>
+            </a:pPr>
+            <a:endParaRPr lang="en-US" altLang="ko-KR" sz="2000" b="1">
               <a:solidFill>
                 <a:schemeClr val="bg1"/>
               </a:solidFill>
             </a:endParaRPr>
           </a:p>
           <a:p>
-            <a:r>
-              <a:rPr lang="ko-KR" altLang="en-US" sz="2000" b="1" dirty="0">
+            <a:pPr lvl="0">
+              <a:defRPr/>
+            </a:pPr>
+            <a:r>
+              <a:rPr lang="ko-KR" altLang="en-US" sz="2000" b="1">
                 <a:solidFill>
                   <a:schemeClr val="bg1"/>
                 </a:solidFill>
@@ -10694,7 +10096,7 @@
               <a:t>코드 작성</a:t>
             </a:r>
             <a:r>
-              <a:rPr lang="en-US" altLang="ko-KR" sz="2000" b="1" dirty="0">
+              <a:rPr lang="en-US" altLang="ko-KR" sz="2000" b="1">
                 <a:solidFill>
                   <a:schemeClr val="bg1"/>
                 </a:solidFill>
@@ -10702,36 +10104,42 @@
               <a:t> </a:t>
             </a:r>
             <a:r>
-              <a:rPr lang="ko-KR" altLang="en-US" sz="2000" b="1" dirty="0">
+              <a:rPr lang="ko-KR" altLang="en-US" sz="2000" b="1">
                 <a:solidFill>
                   <a:schemeClr val="bg1"/>
                 </a:solidFill>
               </a:rPr>
               <a:t>및 분석</a:t>
             </a:r>
-            <a:endParaRPr lang="en-US" altLang="ko-KR" sz="2000" b="1" dirty="0">
+            <a:endParaRPr lang="ko-KR" altLang="en-US" sz="2000" b="1">
               <a:solidFill>
                 <a:schemeClr val="bg1"/>
               </a:solidFill>
             </a:endParaRPr>
           </a:p>
           <a:p>
-            <a:r>
-              <a:rPr lang="ko-KR" altLang="en-US" sz="2000" b="1" dirty="0">
+            <a:pPr lvl="0">
+              <a:defRPr/>
+            </a:pPr>
+            <a:r>
+              <a:rPr lang="ko-KR" altLang="en-US" sz="2000" b="1">
                 <a:solidFill>
                   <a:schemeClr val="bg1"/>
                 </a:solidFill>
               </a:rPr>
               <a:t>자료 분석</a:t>
             </a:r>
-            <a:endParaRPr lang="en-US" altLang="ko-KR" sz="2000" b="1" dirty="0">
+            <a:endParaRPr lang="ko-KR" altLang="en-US" sz="2000" b="1">
               <a:solidFill>
                 <a:schemeClr val="bg1"/>
               </a:solidFill>
             </a:endParaRPr>
           </a:p>
           <a:p>
-            <a:endParaRPr lang="en-US" altLang="ko-KR" sz="2000" dirty="0">
+            <a:pPr lvl="0">
+              <a:defRPr/>
+            </a:pPr>
+            <a:endParaRPr lang="en-US" altLang="ko-KR" sz="2000">
               <a:solidFill>
                 <a:schemeClr val="accent5">
                   <a:lumMod val="50000"/>
@@ -10743,13 +10151,7 @@
       </p:sp>
       <p:sp>
         <p:nvSpPr>
-          <p:cNvPr id="7" name="직사각형 6">
-            <a:extLst>
-              <a:ext uri="{FF2B5EF4-FFF2-40B4-BE49-F238E27FC236}">
-                <a16:creationId xmlns:a16="http://schemas.microsoft.com/office/drawing/2014/main" id="{E673FC1C-C5F9-438F-ABC0-30DFB087D6D6}"/>
-              </a:ext>
-            </a:extLst>
-          </p:cNvPr>
+          <p:cNvPr id="7" name="직사각형 6"/>
           <p:cNvSpPr/>
           <p:nvPr/>
         </p:nvSpPr>
@@ -10785,32 +10187,29 @@
           </a:fontRef>
         </p:style>
         <p:txBody>
-          <a:bodyPr rtlCol="0" anchor="ctr"/>
-          <a:lstStyle/>
-          <a:p>
-            <a:pPr algn="ctr"/>
+          <a:bodyPr anchor="ctr"/>
+          <a:lstStyle/>
+          <a:p>
+            <a:pPr algn="ctr">
+              <a:defRPr/>
+            </a:pPr>
             <a:endParaRPr kumimoji="1" lang="ko-KR" altLang="en-US"/>
           </a:p>
         </p:txBody>
       </p:sp>
     </p:spTree>
-    <p:extLst>
-      <p:ext uri="{BB962C8B-B14F-4D97-AF65-F5344CB8AC3E}">
-        <p14:creationId xmlns:p14="http://schemas.microsoft.com/office/powerpoint/2010/main" val="3675028650"/>
-      </p:ext>
-    </p:extLst>
   </p:cSld>
   <p:clrMapOvr>
     <a:masterClrMapping/>
   </p:clrMapOvr>
-  <mc:AlternateContent xmlns:mc="http://schemas.openxmlformats.org/markup-compatibility/2006" xmlns:p159="http://schemas.microsoft.com/office/powerpoint/2015/09/main">
-    <mc:Choice Requires="p159">
-      <p:transition xmlns:p14="http://schemas.microsoft.com/office/powerpoint/2010/main" spd="slow" p14:dur="2000">
-        <p159:morph option="byObject"/>
+  <mc:AlternateContent xmlns:mc="http://schemas.openxmlformats.org/markup-compatibility/2006">
+    <mc:Choice xmlns:p14="http://schemas.microsoft.com/office/powerpoint/2010/main" Requires="p14">
+      <p:transition xmlns:mc="http://schemas.openxmlformats.org/markup-compatibility/2006" xmlns:p14="http://schemas.microsoft.com/office/powerpoint/2010/main" spd="med" mc:Ignorable="p14" p14:dur="1000">
+        <p:fade/>
       </p:transition>
     </mc:Choice>
-    <mc:Fallback xmlns="">
-      <p:transition spd="slow">
+    <mc:Fallback>
+      <p:transition xmlns:mc="http://schemas.openxmlformats.org/markup-compatibility/2006" xmlns:hp="http://schemas.haansoft.com/office/presentation/8.0" spd="med" mc:Ignorable="hp" hp:hslDur="1000">
         <p:fade/>
       </p:transition>
     </mc:Fallback>
@@ -12090,7 +11489,7 @@
 </file>
 
 <file path=ppt/slides/slide25.xml><?xml version="1.0" encoding="utf-8"?>
-<p:sld xmlns:a="http://schemas.openxmlformats.org/drawingml/2006/main" xmlns:r="http://schemas.openxmlformats.org/officeDocument/2006/relationships" xmlns:p="http://schemas.openxmlformats.org/presentationml/2006/main">
+<p:sld xmlns:r="http://schemas.openxmlformats.org/officeDocument/2006/relationships" xmlns:c="http://schemas.openxmlformats.org/drawingml/2006/chart" xmlns:a="http://schemas.openxmlformats.org/drawingml/2006/main" xmlns:dgm="http://schemas.openxmlformats.org/drawingml/2006/diagram" xmlns:dsp="http://schemas.microsoft.com/office/drawing/2008/diagram" xmlns:p="http://schemas.openxmlformats.org/presentationml/2006/main">
   <p:cSld>
     <p:spTree>
       <p:nvGrpSpPr>
@@ -12141,10 +11540,12 @@
           </a:fontRef>
         </p:style>
         <p:txBody>
-          <a:bodyPr rtlCol="0" anchor="ctr"/>
-          <a:lstStyle/>
-          <a:p>
-            <a:pPr algn="ctr"/>
+          <a:bodyPr anchor="ctr"/>
+          <a:lstStyle/>
+          <a:p>
+            <a:pPr algn="ctr">
+              <a:defRPr/>
+            </a:pPr>
             <a:endParaRPr kumimoji="1" lang="ja-JP" altLang="en-US"/>
           </a:p>
         </p:txBody>
@@ -12184,10 +11585,12 @@
           </a:fontRef>
         </p:style>
         <p:txBody>
-          <a:bodyPr rtlCol="0" anchor="ctr"/>
-          <a:lstStyle/>
-          <a:p>
-            <a:pPr algn="ctr"/>
+          <a:bodyPr anchor="ctr"/>
+          <a:lstStyle/>
+          <a:p>
+            <a:pPr algn="ctr">
+              <a:defRPr/>
+            </a:pPr>
             <a:endParaRPr kumimoji="1" lang="ja-JP" altLang="en-US"/>
           </a:p>
         </p:txBody>
@@ -12195,7 +11598,7 @@
       <p:sp>
         <p:nvSpPr>
           <p:cNvPr id="4" name="テキスト ボックス 3">
-            <a:hlinkClick r:id="rId2" action="ppaction://hlinksldjump"/>
+            <a:hlinkClick r:id="rId3" action="ppaction://hlinksldjump"/>
           </p:cNvPr>
           <p:cNvSpPr txBox="1"/>
           <p:nvPr/>
@@ -12211,13 +11614,16 @@
           <a:noFill/>
         </p:spPr>
         <p:txBody>
-          <a:bodyPr wrap="none" rtlCol="0">
+          <a:bodyPr wrap="none">
             <a:spAutoFit/>
           </a:bodyPr>
           <a:lstStyle/>
           <a:p>
-            <a:r>
-              <a:rPr lang="ko-KR" altLang="en-US" sz="3600" b="1" spc="600" dirty="0">
+            <a:pPr lvl="0">
+              <a:defRPr/>
+            </a:pPr>
+            <a:r>
+              <a:rPr lang="ko-KR" altLang="en-US" sz="3600" b="1" spc="600">
                 <a:solidFill>
                   <a:schemeClr val="tx1">
                     <a:lumMod val="75000"/>
@@ -12227,7 +11633,7 @@
               </a:rPr>
               <a:t>문제의 인식</a:t>
             </a:r>
-            <a:endParaRPr lang="ja-JP" altLang="en-US" sz="3600" b="1" spc="600" dirty="0">
+            <a:endParaRPr lang="ja-JP" altLang="en-US" sz="3600" b="1" spc="600">
               <a:solidFill>
                 <a:schemeClr val="tx1">
                   <a:lumMod val="75000"/>
@@ -12255,13 +11661,16 @@
           <a:noFill/>
         </p:spPr>
         <p:txBody>
-          <a:bodyPr wrap="none" rtlCol="0">
+          <a:bodyPr wrap="none">
             <a:spAutoFit/>
           </a:bodyPr>
           <a:lstStyle/>
           <a:p>
-            <a:r>
-              <a:rPr lang="en-US" altLang="ja-JP" sz="1100" spc="600" dirty="0">
+            <a:pPr lvl="0">
+              <a:defRPr/>
+            </a:pPr>
+            <a:r>
+              <a:rPr lang="en-US" altLang="ja-JP" sz="1100" b="0" spc="600">
                 <a:solidFill>
                   <a:schemeClr val="tx1">
                     <a:lumMod val="75000"/>
@@ -12271,7 +11680,7 @@
               </a:rPr>
               <a:t>PART 1</a:t>
             </a:r>
-            <a:endParaRPr kumimoji="1" lang="ja-JP" altLang="en-US" sz="1100" spc="600" dirty="0">
+            <a:endParaRPr kumimoji="1" lang="ja-JP" altLang="en-US" sz="1100" b="0" spc="600">
               <a:solidFill>
                 <a:schemeClr val="tx1">
                   <a:lumMod val="75000"/>
@@ -12284,26 +11693,14 @@
       </p:sp>
       <p:pic>
         <p:nvPicPr>
-          <p:cNvPr id="10" name="그림 9">
-            <a:extLst>
-              <a:ext uri="{FF2B5EF4-FFF2-40B4-BE49-F238E27FC236}">
-                <a16:creationId xmlns:a16="http://schemas.microsoft.com/office/drawing/2014/main" id="{CEC7F602-0B3B-47C2-91A6-93AA383A3C5F}"/>
-              </a:ext>
-            </a:extLst>
-          </p:cNvPr>
+          <p:cNvPr id="10" name="그림 9"/>
           <p:cNvPicPr>
             <a:picLocks noChangeAspect="1"/>
           </p:cNvPicPr>
           <p:nvPr/>
         </p:nvPicPr>
-        <p:blipFill>
-          <a:blip r:embed="rId3">
-            <a:extLst>
-              <a:ext uri="{28A0092B-C50C-407E-A947-70E740481C1C}">
-                <a14:useLocalDpi xmlns:a14="http://schemas.microsoft.com/office/drawing/2010/main" val="0"/>
-              </a:ext>
-            </a:extLst>
-          </a:blip>
+        <p:blipFill rotWithShape="1">
+          <a:blip r:embed="rId4"/>
           <a:stretch>
             <a:fillRect/>
           </a:stretch>
@@ -12320,26 +11717,14 @@
       </p:pic>
       <p:pic>
         <p:nvPicPr>
-          <p:cNvPr id="14" name="그림 13">
-            <a:extLst>
-              <a:ext uri="{FF2B5EF4-FFF2-40B4-BE49-F238E27FC236}">
-                <a16:creationId xmlns:a16="http://schemas.microsoft.com/office/drawing/2014/main" id="{529DE158-EAD9-4D10-B825-5ED1168D188C}"/>
-              </a:ext>
-            </a:extLst>
-          </p:cNvPr>
+          <p:cNvPr id="14" name="그림 13"/>
           <p:cNvPicPr>
             <a:picLocks noChangeAspect="1"/>
           </p:cNvPicPr>
           <p:nvPr/>
         </p:nvPicPr>
-        <p:blipFill>
-          <a:blip r:embed="rId4">
-            <a:extLst>
-              <a:ext uri="{28A0092B-C50C-407E-A947-70E740481C1C}">
-                <a14:useLocalDpi xmlns:a14="http://schemas.microsoft.com/office/drawing/2010/main" val="0"/>
-              </a:ext>
-            </a:extLst>
-          </a:blip>
+        <p:blipFill rotWithShape="1">
+          <a:blip r:embed="rId5"/>
           <a:stretch>
             <a:fillRect/>
           </a:stretch>
@@ -12355,23 +11740,18 @@
         </p:spPr>
       </p:pic>
     </p:spTree>
-    <p:extLst>
-      <p:ext uri="{BB962C8B-B14F-4D97-AF65-F5344CB8AC3E}">
-        <p14:creationId xmlns:p14="http://schemas.microsoft.com/office/powerpoint/2010/main" val="518641876"/>
-      </p:ext>
-    </p:extLst>
   </p:cSld>
   <p:clrMapOvr>
     <a:masterClrMapping/>
   </p:clrMapOvr>
-  <mc:AlternateContent xmlns:mc="http://schemas.openxmlformats.org/markup-compatibility/2006" xmlns:p159="http://schemas.microsoft.com/office/powerpoint/2015/09/main">
-    <mc:Choice Requires="p159">
-      <p:transition xmlns:p14="http://schemas.microsoft.com/office/powerpoint/2010/main" spd="slow" p14:dur="2000">
-        <p159:morph option="byObject"/>
+  <mc:AlternateContent xmlns:mc="http://schemas.openxmlformats.org/markup-compatibility/2006">
+    <mc:Choice xmlns:p14="http://schemas.microsoft.com/office/powerpoint/2010/main" Requires="p14">
+      <p:transition xmlns:mc="http://schemas.openxmlformats.org/markup-compatibility/2006" xmlns:p14="http://schemas.microsoft.com/office/powerpoint/2010/main" spd="med" mc:Ignorable="p14" p14:dur="1000">
+        <p:fade/>
       </p:transition>
     </mc:Choice>
-    <mc:Fallback xmlns="">
-      <p:transition spd="slow">
+    <mc:Fallback>
+      <p:transition xmlns:mc="http://schemas.openxmlformats.org/markup-compatibility/2006" xmlns:hp="http://schemas.haansoft.com/office/presentation/8.0" spd="med" mc:Ignorable="hp" hp:hslDur="1000">
         <p:fade/>
       </p:transition>
     </mc:Fallback>
@@ -13761,7 +13141,7 @@
 </file>
 
 <file path=ppt/slides/slide6.xml><?xml version="1.0" encoding="utf-8"?>
-<p:sld xmlns:a="http://schemas.openxmlformats.org/drawingml/2006/main" xmlns:r="http://schemas.openxmlformats.org/officeDocument/2006/relationships" xmlns:p="http://schemas.openxmlformats.org/presentationml/2006/main">
+<p:sld xmlns:r="http://schemas.openxmlformats.org/officeDocument/2006/relationships" xmlns:c="http://schemas.openxmlformats.org/drawingml/2006/chart" xmlns:a="http://schemas.openxmlformats.org/drawingml/2006/main" xmlns:dgm="http://schemas.openxmlformats.org/drawingml/2006/diagram" xmlns:dsp="http://schemas.microsoft.com/office/drawing/2008/diagram" xmlns:p="http://schemas.openxmlformats.org/presentationml/2006/main">
   <p:cSld>
     <p:spTree>
       <p:nvGrpSpPr>
@@ -13779,13 +13159,7 @@
       </p:grpSpPr>
       <p:sp>
         <p:nvSpPr>
-          <p:cNvPr id="11" name="직사각형 10">
-            <a:extLst>
-              <a:ext uri="{FF2B5EF4-FFF2-40B4-BE49-F238E27FC236}">
-                <a16:creationId xmlns:a16="http://schemas.microsoft.com/office/drawing/2014/main" id="{E28CB9AB-8F34-46A7-B937-F16F9FC869B5}"/>
-              </a:ext>
-            </a:extLst>
-          </p:cNvPr>
+          <p:cNvPr id="11" name="직사각형 10"/>
           <p:cNvSpPr/>
           <p:nvPr/>
         </p:nvSpPr>
@@ -13798,7 +13172,7 @@
             <a:avLst/>
           </a:prstGeom>
           <a:solidFill>
-            <a:srgbClr val="F7F7F7"/>
+            <a:srgbClr val="f7f7f7"/>
           </a:solidFill>
           <a:ln>
             <a:noFill/>
@@ -13821,10 +13195,12 @@
           </a:fontRef>
         </p:style>
         <p:txBody>
-          <a:bodyPr rtlCol="0" anchor="ctr"/>
-          <a:lstStyle/>
-          <a:p>
-            <a:pPr algn="ctr"/>
+          <a:bodyPr anchor="ctr"/>
+          <a:lstStyle/>
+          <a:p>
+            <a:pPr algn="ctr">
+              <a:defRPr/>
+            </a:pPr>
             <a:endParaRPr kumimoji="1" lang="ko-KR" altLang="en-US"/>
           </a:p>
         </p:txBody>
@@ -13867,10 +13243,12 @@
           </a:fontRef>
         </p:style>
         <p:txBody>
-          <a:bodyPr rtlCol="0" anchor="ctr"/>
-          <a:lstStyle/>
-          <a:p>
-            <a:pPr algn="ctr"/>
+          <a:bodyPr anchor="ctr"/>
+          <a:lstStyle/>
+          <a:p>
+            <a:pPr algn="ctr">
+              <a:defRPr/>
+            </a:pPr>
             <a:endParaRPr kumimoji="1" lang="ja-JP" altLang="en-US"/>
           </a:p>
         </p:txBody>
@@ -13913,10 +13291,12 @@
           </a:fontRef>
         </p:style>
         <p:txBody>
-          <a:bodyPr rtlCol="0" anchor="ctr"/>
-          <a:lstStyle/>
-          <a:p>
-            <a:pPr algn="ctr"/>
+          <a:bodyPr anchor="ctr"/>
+          <a:lstStyle/>
+          <a:p>
+            <a:pPr algn="ctr">
+              <a:defRPr/>
+            </a:pPr>
             <a:endParaRPr kumimoji="1" lang="ja-JP" altLang="en-US"/>
           </a:p>
         </p:txBody>
@@ -13938,13 +13318,16 @@
           <a:noFill/>
         </p:spPr>
         <p:txBody>
-          <a:bodyPr wrap="none" rtlCol="0">
+          <a:bodyPr wrap="none">
             <a:spAutoFit/>
           </a:bodyPr>
           <a:lstStyle/>
           <a:p>
-            <a:r>
-              <a:rPr lang="ko-KR" altLang="en-US" sz="3600" b="1" spc="600" dirty="0">
+            <a:pPr lvl="0">
+              <a:defRPr/>
+            </a:pPr>
+            <a:r>
+              <a:rPr lang="ko-KR" altLang="en-US" sz="3600" b="1" spc="600">
                 <a:solidFill>
                   <a:schemeClr val="tx1">
                     <a:lumMod val="75000"/>
@@ -13954,7 +13337,7 @@
               </a:rPr>
               <a:t>문제의 인식</a:t>
             </a:r>
-            <a:endParaRPr lang="ja-JP" altLang="en-US" sz="3600" b="1" spc="600" dirty="0">
+            <a:endParaRPr lang="ja-JP" altLang="en-US" sz="3600" b="1" spc="600">
               <a:solidFill>
                 <a:schemeClr val="tx1">
                   <a:lumMod val="75000"/>
@@ -13982,13 +13365,16 @@
           <a:noFill/>
         </p:spPr>
         <p:txBody>
-          <a:bodyPr wrap="none" rtlCol="0">
+          <a:bodyPr wrap="none">
             <a:spAutoFit/>
           </a:bodyPr>
           <a:lstStyle/>
           <a:p>
-            <a:r>
-              <a:rPr lang="en-US" altLang="ja-JP" sz="1100" spc="600" dirty="0">
+            <a:pPr lvl="0">
+              <a:defRPr/>
+            </a:pPr>
+            <a:r>
+              <a:rPr lang="en-US" altLang="ja-JP" sz="1100" b="0" spc="600">
                 <a:solidFill>
                   <a:schemeClr val="tx1">
                     <a:lumMod val="75000"/>
@@ -13998,7 +13384,7 @@
               </a:rPr>
               <a:t>PART 1</a:t>
             </a:r>
-            <a:endParaRPr kumimoji="1" lang="ja-JP" altLang="en-US" sz="1100" spc="600" dirty="0">
+            <a:endParaRPr kumimoji="1" lang="ja-JP" altLang="en-US" sz="1100" b="0" spc="600">
               <a:solidFill>
                 <a:schemeClr val="tx1">
                   <a:lumMod val="75000"/>
@@ -14011,13 +13397,7 @@
       </p:sp>
       <p:sp>
         <p:nvSpPr>
-          <p:cNvPr id="9" name="TextBox 8">
-            <a:extLst>
-              <a:ext uri="{FF2B5EF4-FFF2-40B4-BE49-F238E27FC236}">
-                <a16:creationId xmlns:a16="http://schemas.microsoft.com/office/drawing/2014/main" id="{849BE7DE-BE2F-44B0-8E6C-FD8E06625459}"/>
-              </a:ext>
-            </a:extLst>
-          </p:cNvPr>
+          <p:cNvPr id="9" name="TextBox 8"/>
           <p:cNvSpPr txBox="1"/>
           <p:nvPr/>
         </p:nvSpPr>
@@ -14032,36 +13412,33 @@
           <a:noFill/>
         </p:spPr>
         <p:txBody>
-          <a:bodyPr wrap="square" rtlCol="0">
+          <a:bodyPr wrap="square">
             <a:spAutoFit/>
           </a:bodyPr>
           <a:lstStyle/>
           <a:p>
-            <a:pPr algn="just"/>
-            <a:r>
-              <a:rPr lang="ko-KR" altLang="en-US" dirty="0"/>
+            <a:pPr algn="just">
+              <a:defRPr/>
+            </a:pPr>
+            <a:r>
+              <a:rPr lang="ko-KR" altLang="en-US"/>
               <a:t>코로나의 영향으로 인한 사람들의 주식 시장에 대한 관심이 증가 하였다</a:t>
             </a:r>
             <a:r>
-              <a:rPr lang="en-US" altLang="ko-KR" dirty="0"/>
+              <a:rPr lang="en-US" altLang="ko-KR"/>
               <a:t>. </a:t>
             </a:r>
             <a:r>
-              <a:rPr lang="ko-KR" altLang="en-US" dirty="0"/>
+              <a:rPr lang="ko-KR" altLang="en-US"/>
               <a:t>주식 투자자들에게 하나의 지표를 마련하기 위하여 이번 프로젝트를 진행한다</a:t>
             </a:r>
-          </a:p>
-        </p:txBody>
-      </p:sp>
-      <p:sp>
-        <p:nvSpPr>
-          <p:cNvPr id="10" name="TextBox 9">
-            <a:extLst>
-              <a:ext uri="{FF2B5EF4-FFF2-40B4-BE49-F238E27FC236}">
-                <a16:creationId xmlns:a16="http://schemas.microsoft.com/office/drawing/2014/main" id="{7600B75D-981F-4795-880D-33E07D6C9AD1}"/>
-              </a:ext>
-            </a:extLst>
-          </p:cNvPr>
+            <a:endParaRPr lang="ko-KR" altLang="en-US"/>
+          </a:p>
+        </p:txBody>
+      </p:sp>
+      <p:sp>
+        <p:nvSpPr>
+          <p:cNvPr id="10" name="TextBox 9"/>
           <p:cNvSpPr txBox="1"/>
           <p:nvPr/>
         </p:nvSpPr>
@@ -14076,30 +13453,26 @@
           <a:noFill/>
         </p:spPr>
         <p:txBody>
-          <a:bodyPr wrap="none" rtlCol="0">
+          <a:bodyPr wrap="none">
             <a:spAutoFit/>
           </a:bodyPr>
           <a:lstStyle/>
           <a:p>
-            <a:r>
-              <a:rPr lang="ko-KR" altLang="en-US" sz="3600" b="1" dirty="0"/>
+            <a:pPr lvl="0">
+              <a:defRPr/>
+            </a:pPr>
+            <a:r>
+              <a:rPr lang="ko-KR" altLang="en-US" sz="3600" b="1"/>
               <a:t>주식시장의 관심 증가</a:t>
             </a:r>
+            <a:endParaRPr lang="ko-KR" altLang="en-US" sz="3600" b="1"/>
           </a:p>
         </p:txBody>
       </p:sp>
       <p:cxnSp>
         <p:nvCxnSpPr>
-          <p:cNvPr id="13" name="직선 연결선 12">
-            <a:extLst>
-              <a:ext uri="{FF2B5EF4-FFF2-40B4-BE49-F238E27FC236}">
-                <a16:creationId xmlns:a16="http://schemas.microsoft.com/office/drawing/2014/main" id="{09F22E27-8D54-4F13-9640-02B64A1353ED}"/>
-              </a:ext>
-            </a:extLst>
-          </p:cNvPr>
-          <p:cNvCxnSpPr>
-            <a:cxnSpLocks/>
-          </p:cNvCxnSpPr>
+          <p:cNvPr id="13" name="직선 연결선 12"/>
+          <p:cNvCxnSpPr/>
           <p:nvPr/>
         </p:nvCxnSpPr>
         <p:spPr>
@@ -14136,21 +13509,9 @@
       </p:cxnSp>
       <p:graphicFrame>
         <p:nvGraphicFramePr>
-          <p:cNvPr id="12" name="차트 11">
-            <a:extLst>
-              <a:ext uri="{FF2B5EF4-FFF2-40B4-BE49-F238E27FC236}">
-                <a16:creationId xmlns:a16="http://schemas.microsoft.com/office/drawing/2014/main" id="{CF368A4C-85BB-4F8B-B2E6-EA99DF002D13}"/>
-              </a:ext>
-            </a:extLst>
-          </p:cNvPr>
+          <p:cNvPr id="12" name="차트 11"/>
           <p:cNvGraphicFramePr/>
-          <p:nvPr>
-            <p:extLst>
-              <p:ext uri="{D42A27DB-BD31-4B8C-83A1-F6EECF244321}">
-                <p14:modId xmlns:p14="http://schemas.microsoft.com/office/powerpoint/2010/main" val="2730730007"/>
-              </p:ext>
-            </p:extLst>
-          </p:nvPr>
+          <p:nvPr/>
         </p:nvGraphicFramePr>
         <p:xfrm>
           <a:off x="416661" y="1565349"/>
@@ -14158,19 +13519,13 @@
         </p:xfrm>
         <a:graphic>
           <a:graphicData uri="http://schemas.openxmlformats.org/drawingml/2006/chart">
-            <c:chart xmlns:c="http://schemas.openxmlformats.org/drawingml/2006/chart" xmlns:r="http://schemas.openxmlformats.org/officeDocument/2006/relationships" r:id="rId2"/>
+            <c:chart r:id="rId2"/>
           </a:graphicData>
         </a:graphic>
       </p:graphicFrame>
       <p:cxnSp>
         <p:nvCxnSpPr>
-          <p:cNvPr id="7" name="직선 연결선 6">
-            <a:extLst>
-              <a:ext uri="{FF2B5EF4-FFF2-40B4-BE49-F238E27FC236}">
-                <a16:creationId xmlns:a16="http://schemas.microsoft.com/office/drawing/2014/main" id="{1B4F7E8E-4F95-4CE0-9DE6-1A87ABDC0FDA}"/>
-              </a:ext>
-            </a:extLst>
-          </p:cNvPr>
+          <p:cNvPr id="7" name="직선 연결선 6"/>
           <p:cNvCxnSpPr/>
           <p:nvPr/>
         </p:nvCxnSpPr>
@@ -14207,25 +13562,14 @@
         <p:nvPicPr>
           <p:cNvPr id="14" name="그림 13">
             <a:hlinkClick r:id="rId3" action="ppaction://hlinksldjump"/>
-            <a:extLst>
-              <a:ext uri="{FF2B5EF4-FFF2-40B4-BE49-F238E27FC236}">
-                <a16:creationId xmlns:a16="http://schemas.microsoft.com/office/drawing/2014/main" id="{E5FE987A-9C44-40B6-95E7-43843C54A1E3}"/>
-              </a:ext>
-            </a:extLst>
           </p:cNvPr>
           <p:cNvPicPr>
             <a:picLocks noChangeAspect="1"/>
           </p:cNvPicPr>
           <p:nvPr/>
         </p:nvPicPr>
-        <p:blipFill>
-          <a:blip r:embed="rId4" cstate="print">
-            <a:extLst>
-              <a:ext uri="{28A0092B-C50C-407E-A947-70E740481C1C}">
-                <a14:useLocalDpi xmlns:a14="http://schemas.microsoft.com/office/drawing/2010/main" val="0"/>
-              </a:ext>
-            </a:extLst>
-          </a:blip>
+        <p:blipFill rotWithShape="1">
+          <a:blip r:embed="rId4"/>
           <a:stretch>
             <a:fillRect/>
           </a:stretch>
@@ -14241,23 +13585,18 @@
         </p:spPr>
       </p:pic>
     </p:spTree>
-    <p:extLst>
-      <p:ext uri="{BB962C8B-B14F-4D97-AF65-F5344CB8AC3E}">
-        <p14:creationId xmlns:p14="http://schemas.microsoft.com/office/powerpoint/2010/main" val="519062453"/>
-      </p:ext>
-    </p:extLst>
   </p:cSld>
   <p:clrMapOvr>
     <a:masterClrMapping/>
   </p:clrMapOvr>
-  <mc:AlternateContent xmlns:mc="http://schemas.openxmlformats.org/markup-compatibility/2006" xmlns:p159="http://schemas.microsoft.com/office/powerpoint/2015/09/main">
-    <mc:Choice Requires="p159">
-      <p:transition xmlns:p14="http://schemas.microsoft.com/office/powerpoint/2010/main" spd="slow" p14:dur="2000">
-        <p159:morph option="byObject"/>
+  <mc:AlternateContent xmlns:mc="http://schemas.openxmlformats.org/markup-compatibility/2006">
+    <mc:Choice xmlns:p14="http://schemas.microsoft.com/office/powerpoint/2010/main" Requires="p14">
+      <p:transition xmlns:mc="http://schemas.openxmlformats.org/markup-compatibility/2006" xmlns:p14="http://schemas.microsoft.com/office/powerpoint/2010/main" spd="med" mc:Ignorable="p14" p14:dur="1000">
+        <p:fade/>
       </p:transition>
     </mc:Choice>
-    <mc:Fallback xmlns="">
-      <p:transition spd="slow">
+    <mc:Fallback>
+      <p:transition xmlns:mc="http://schemas.openxmlformats.org/markup-compatibility/2006" xmlns:hp="http://schemas.haansoft.com/office/presentation/8.0" spd="med" mc:Ignorable="hp" hp:hslDur="1000">
         <p:fade/>
       </p:transition>
     </mc:Fallback>
